--- a/locking_presentation.pptx
+++ b/locking_presentation.pptx
@@ -136,6 +136,7 @@
 <p1510:revInfo xmlns:a="http://schemas.openxmlformats.org/drawingml/2006/main" xmlns:r="http://schemas.openxmlformats.org/officeDocument/2006/relationships" xmlns:p1510="http://schemas.microsoft.com/office/powerpoint/2015/10/main">
   <p1510:revLst>
     <p1510:client id="{0C515424-EDB5-475B-B24F-ABBDA471448B}" v="18" dt="2022-09-29T10:56:02.967"/>
+    <p1510:client id="{2C038B3A-F1B7-4238-B647-8AB985A1FEED}" v="12" dt="2022-09-29T14:49:27.173"/>
     <p1510:client id="{737009F9-D83C-476D-91FF-E926987C79A6}" v="59" dt="2022-09-29T10:42:30.627"/>
   </p1510:revLst>
 </p1510:revInfo>
@@ -1972,6 +1973,243 @@
     </pc:docChg>
   </pc:docChgLst>
   <pc:docChgLst>
+    <pc:chgData name="Kundan Kumar" userId="ab2bca91-7a91-4a33-8866-eb3a7b1ec69d" providerId="ADAL" clId="{2C038B3A-F1B7-4238-B647-8AB985A1FEED}"/>
+    <pc:docChg chg="custSel modSld">
+      <pc:chgData name="Kundan Kumar" userId="ab2bca91-7a91-4a33-8866-eb3a7b1ec69d" providerId="ADAL" clId="{2C038B3A-F1B7-4238-B647-8AB985A1FEED}" dt="2022-09-29T14:49:50.195" v="463" actId="33524"/>
+      <pc:docMkLst>
+        <pc:docMk/>
+      </pc:docMkLst>
+      <pc:sldChg chg="modSp mod">
+        <pc:chgData name="Kundan Kumar" userId="ab2bca91-7a91-4a33-8866-eb3a7b1ec69d" providerId="ADAL" clId="{2C038B3A-F1B7-4238-B647-8AB985A1FEED}" dt="2022-09-29T13:48:36.448" v="58" actId="20577"/>
+        <pc:sldMkLst>
+          <pc:docMk/>
+          <pc:sldMk cId="1180814560" sldId="257"/>
+        </pc:sldMkLst>
+        <pc:spChg chg="mod">
+          <ac:chgData name="Kundan Kumar" userId="ab2bca91-7a91-4a33-8866-eb3a7b1ec69d" providerId="ADAL" clId="{2C038B3A-F1B7-4238-B647-8AB985A1FEED}" dt="2022-09-29T13:48:36.448" v="58" actId="20577"/>
+          <ac:spMkLst>
+            <pc:docMk/>
+            <pc:sldMk cId="1180814560" sldId="257"/>
+            <ac:spMk id="3" creationId="{485FBEE0-16A2-17A0-7415-ABA4D9865105}"/>
+          </ac:spMkLst>
+        </pc:spChg>
+      </pc:sldChg>
+      <pc:sldChg chg="modSp mod">
+        <pc:chgData name="Kundan Kumar" userId="ab2bca91-7a91-4a33-8866-eb3a7b1ec69d" providerId="ADAL" clId="{2C038B3A-F1B7-4238-B647-8AB985A1FEED}" dt="2022-09-29T14:38:10.553" v="455" actId="20577"/>
+        <pc:sldMkLst>
+          <pc:docMk/>
+          <pc:sldMk cId="1314695903" sldId="259"/>
+        </pc:sldMkLst>
+        <pc:spChg chg="mod">
+          <ac:chgData name="Kundan Kumar" userId="ab2bca91-7a91-4a33-8866-eb3a7b1ec69d" providerId="ADAL" clId="{2C038B3A-F1B7-4238-B647-8AB985A1FEED}" dt="2022-09-29T14:38:10.553" v="455" actId="20577"/>
+          <ac:spMkLst>
+            <pc:docMk/>
+            <pc:sldMk cId="1314695903" sldId="259"/>
+            <ac:spMk id="3" creationId="{6444B23A-E489-5E22-3602-A4FFABA64BAF}"/>
+          </ac:spMkLst>
+        </pc:spChg>
+      </pc:sldChg>
+      <pc:sldChg chg="modSp mod">
+        <pc:chgData name="Kundan Kumar" userId="ab2bca91-7a91-4a33-8866-eb3a7b1ec69d" providerId="ADAL" clId="{2C038B3A-F1B7-4238-B647-8AB985A1FEED}" dt="2022-09-29T14:41:49.151" v="458" actId="5793"/>
+        <pc:sldMkLst>
+          <pc:docMk/>
+          <pc:sldMk cId="4035161624" sldId="264"/>
+        </pc:sldMkLst>
+        <pc:spChg chg="mod">
+          <ac:chgData name="Kundan Kumar" userId="ab2bca91-7a91-4a33-8866-eb3a7b1ec69d" providerId="ADAL" clId="{2C038B3A-F1B7-4238-B647-8AB985A1FEED}" dt="2022-09-29T14:41:49.151" v="458" actId="5793"/>
+          <ac:spMkLst>
+            <pc:docMk/>
+            <pc:sldMk cId="4035161624" sldId="264"/>
+            <ac:spMk id="3" creationId="{6444B23A-E489-5E22-3602-A4FFABA64BAF}"/>
+          </ac:spMkLst>
+        </pc:spChg>
+      </pc:sldChg>
+      <pc:sldChg chg="modSp mod">
+        <pc:chgData name="Kundan Kumar" userId="ab2bca91-7a91-4a33-8866-eb3a7b1ec69d" providerId="ADAL" clId="{2C038B3A-F1B7-4238-B647-8AB985A1FEED}" dt="2022-09-29T14:43:36.219" v="459" actId="207"/>
+        <pc:sldMkLst>
+          <pc:docMk/>
+          <pc:sldMk cId="2187130312" sldId="265"/>
+        </pc:sldMkLst>
+        <pc:spChg chg="mod">
+          <ac:chgData name="Kundan Kumar" userId="ab2bca91-7a91-4a33-8866-eb3a7b1ec69d" providerId="ADAL" clId="{2C038B3A-F1B7-4238-B647-8AB985A1FEED}" dt="2022-09-29T14:43:36.219" v="459" actId="207"/>
+          <ac:spMkLst>
+            <pc:docMk/>
+            <pc:sldMk cId="2187130312" sldId="265"/>
+            <ac:spMk id="3" creationId="{6444B23A-E489-5E22-3602-A4FFABA64BAF}"/>
+          </ac:spMkLst>
+        </pc:spChg>
+      </pc:sldChg>
+      <pc:sldChg chg="modSp mod">
+        <pc:chgData name="Kundan Kumar" userId="ab2bca91-7a91-4a33-8866-eb3a7b1ec69d" providerId="ADAL" clId="{2C038B3A-F1B7-4238-B647-8AB985A1FEED}" dt="2022-09-29T14:46:35.953" v="461" actId="14100"/>
+        <pc:sldMkLst>
+          <pc:docMk/>
+          <pc:sldMk cId="718819398" sldId="266"/>
+        </pc:sldMkLst>
+        <pc:spChg chg="mod">
+          <ac:chgData name="Kundan Kumar" userId="ab2bca91-7a91-4a33-8866-eb3a7b1ec69d" providerId="ADAL" clId="{2C038B3A-F1B7-4238-B647-8AB985A1FEED}" dt="2022-09-29T14:44:05.762" v="460" actId="20577"/>
+          <ac:spMkLst>
+            <pc:docMk/>
+            <pc:sldMk cId="718819398" sldId="266"/>
+            <ac:spMk id="11" creationId="{9AADA918-0682-2239-994F-9F415C806208}"/>
+          </ac:spMkLst>
+        </pc:spChg>
+        <pc:cxnChg chg="mod">
+          <ac:chgData name="Kundan Kumar" userId="ab2bca91-7a91-4a33-8866-eb3a7b1ec69d" providerId="ADAL" clId="{2C038B3A-F1B7-4238-B647-8AB985A1FEED}" dt="2022-09-29T14:46:35.953" v="461" actId="14100"/>
+          <ac:cxnSpMkLst>
+            <pc:docMk/>
+            <pc:sldMk cId="718819398" sldId="266"/>
+            <ac:cxnSpMk id="40" creationId="{B47DF95F-1A58-7D2E-585A-87CC737E0127}"/>
+          </ac:cxnSpMkLst>
+        </pc:cxnChg>
+      </pc:sldChg>
+      <pc:sldChg chg="modSp mod">
+        <pc:chgData name="Kundan Kumar" userId="ab2bca91-7a91-4a33-8866-eb3a7b1ec69d" providerId="ADAL" clId="{2C038B3A-F1B7-4238-B647-8AB985A1FEED}" dt="2022-09-29T14:32:52.071" v="442" actId="14100"/>
+        <pc:sldMkLst>
+          <pc:docMk/>
+          <pc:sldMk cId="2384022613" sldId="267"/>
+        </pc:sldMkLst>
+        <pc:spChg chg="mod">
+          <ac:chgData name="Kundan Kumar" userId="ab2bca91-7a91-4a33-8866-eb3a7b1ec69d" providerId="ADAL" clId="{2C038B3A-F1B7-4238-B647-8AB985A1FEED}" dt="2022-09-29T14:32:52.071" v="442" actId="14100"/>
+          <ac:spMkLst>
+            <pc:docMk/>
+            <pc:sldMk cId="2384022613" sldId="267"/>
+            <ac:spMk id="2" creationId="{C2D9662A-EA21-10DC-8DA2-DFC9D65B883B}"/>
+          </ac:spMkLst>
+        </pc:spChg>
+      </pc:sldChg>
+      <pc:sldChg chg="modSp mod">
+        <pc:chgData name="Kundan Kumar" userId="ab2bca91-7a91-4a33-8866-eb3a7b1ec69d" providerId="ADAL" clId="{2C038B3A-F1B7-4238-B647-8AB985A1FEED}" dt="2022-09-29T14:34:24.847" v="443" actId="33524"/>
+        <pc:sldMkLst>
+          <pc:docMk/>
+          <pc:sldMk cId="3974192820" sldId="269"/>
+        </pc:sldMkLst>
+        <pc:spChg chg="mod">
+          <ac:chgData name="Kundan Kumar" userId="ab2bca91-7a91-4a33-8866-eb3a7b1ec69d" providerId="ADAL" clId="{2C038B3A-F1B7-4238-B647-8AB985A1FEED}" dt="2022-09-29T14:34:24.847" v="443" actId="33524"/>
+          <ac:spMkLst>
+            <pc:docMk/>
+            <pc:sldMk cId="3974192820" sldId="269"/>
+            <ac:spMk id="3" creationId="{6444B23A-E489-5E22-3602-A4FFABA64BAF}"/>
+          </ac:spMkLst>
+        </pc:spChg>
+      </pc:sldChg>
+      <pc:sldChg chg="modSp mod">
+        <pc:chgData name="Kundan Kumar" userId="ab2bca91-7a91-4a33-8866-eb3a7b1ec69d" providerId="ADAL" clId="{2C038B3A-F1B7-4238-B647-8AB985A1FEED}" dt="2022-09-29T14:49:50.195" v="463" actId="33524"/>
+        <pc:sldMkLst>
+          <pc:docMk/>
+          <pc:sldMk cId="2091726574" sldId="270"/>
+        </pc:sldMkLst>
+        <pc:spChg chg="mod">
+          <ac:chgData name="Kundan Kumar" userId="ab2bca91-7a91-4a33-8866-eb3a7b1ec69d" providerId="ADAL" clId="{2C038B3A-F1B7-4238-B647-8AB985A1FEED}" dt="2022-09-29T14:49:50.195" v="463" actId="33524"/>
+          <ac:spMkLst>
+            <pc:docMk/>
+            <pc:sldMk cId="2091726574" sldId="270"/>
+            <ac:spMk id="3" creationId="{6444B23A-E489-5E22-3602-A4FFABA64BAF}"/>
+          </ac:spMkLst>
+        </pc:spChg>
+      </pc:sldChg>
+      <pc:sldChg chg="addSp modSp mod">
+        <pc:chgData name="Kundan Kumar" userId="ab2bca91-7a91-4a33-8866-eb3a7b1ec69d" providerId="ADAL" clId="{2C038B3A-F1B7-4238-B647-8AB985A1FEED}" dt="2022-09-29T13:49:25.154" v="83" actId="20577"/>
+        <pc:sldMkLst>
+          <pc:docMk/>
+          <pc:sldMk cId="2090986841" sldId="271"/>
+        </pc:sldMkLst>
+        <pc:spChg chg="mod">
+          <ac:chgData name="Kundan Kumar" userId="ab2bca91-7a91-4a33-8866-eb3a7b1ec69d" providerId="ADAL" clId="{2C038B3A-F1B7-4238-B647-8AB985A1FEED}" dt="2022-09-29T13:49:25.154" v="83" actId="20577"/>
+          <ac:spMkLst>
+            <pc:docMk/>
+            <pc:sldMk cId="2090986841" sldId="271"/>
+            <ac:spMk id="3" creationId="{A3EA5D54-3B7A-2311-1A7B-48B1861BB612}"/>
+          </ac:spMkLst>
+        </pc:spChg>
+        <pc:spChg chg="add mod">
+          <ac:chgData name="Kundan Kumar" userId="ab2bca91-7a91-4a33-8866-eb3a7b1ec69d" providerId="ADAL" clId="{2C038B3A-F1B7-4238-B647-8AB985A1FEED}" dt="2022-09-29T13:45:06.135" v="1" actId="207"/>
+          <ac:spMkLst>
+            <pc:docMk/>
+            <pc:sldMk cId="2090986841" sldId="271"/>
+            <ac:spMk id="4" creationId="{9859D29B-87C2-D350-31F8-85A65A005825}"/>
+          </ac:spMkLst>
+        </pc:spChg>
+        <pc:spChg chg="add mod">
+          <ac:chgData name="Kundan Kumar" userId="ab2bca91-7a91-4a33-8866-eb3a7b1ec69d" providerId="ADAL" clId="{2C038B3A-F1B7-4238-B647-8AB985A1FEED}" dt="2022-09-29T13:45:22.661" v="3" actId="207"/>
+          <ac:spMkLst>
+            <pc:docMk/>
+            <pc:sldMk cId="2090986841" sldId="271"/>
+            <ac:spMk id="5" creationId="{12C0F8C9-8406-B0D1-F9C0-434455C1DBC5}"/>
+          </ac:spMkLst>
+        </pc:spChg>
+        <pc:spChg chg="mod">
+          <ac:chgData name="Kundan Kumar" userId="ab2bca91-7a91-4a33-8866-eb3a7b1ec69d" providerId="ADAL" clId="{2C038B3A-F1B7-4238-B647-8AB985A1FEED}" dt="2022-09-29T13:45:33.309" v="5" actId="14100"/>
+          <ac:spMkLst>
+            <pc:docMk/>
+            <pc:sldMk cId="2090986841" sldId="271"/>
+            <ac:spMk id="6" creationId="{7742DCF1-8B22-D246-8F01-BA360F553F38}"/>
+          </ac:spMkLst>
+        </pc:spChg>
+        <pc:spChg chg="mod">
+          <ac:chgData name="Kundan Kumar" userId="ab2bca91-7a91-4a33-8866-eb3a7b1ec69d" providerId="ADAL" clId="{2C038B3A-F1B7-4238-B647-8AB985A1FEED}" dt="2022-09-29T13:45:41.857" v="7" actId="14100"/>
+          <ac:spMkLst>
+            <pc:docMk/>
+            <pc:sldMk cId="2090986841" sldId="271"/>
+            <ac:spMk id="7" creationId="{0ADA4E98-7536-75E8-FC90-413E797CF691}"/>
+          </ac:spMkLst>
+        </pc:spChg>
+      </pc:sldChg>
+      <pc:sldChg chg="modSp mod">
+        <pc:chgData name="Kundan Kumar" userId="ab2bca91-7a91-4a33-8866-eb3a7b1ec69d" providerId="ADAL" clId="{2C038B3A-F1B7-4238-B647-8AB985A1FEED}" dt="2022-09-29T14:22:13.214" v="392" actId="313"/>
+        <pc:sldMkLst>
+          <pc:docMk/>
+          <pc:sldMk cId="112575317" sldId="273"/>
+        </pc:sldMkLst>
+        <pc:spChg chg="mod">
+          <ac:chgData name="Kundan Kumar" userId="ab2bca91-7a91-4a33-8866-eb3a7b1ec69d" providerId="ADAL" clId="{2C038B3A-F1B7-4238-B647-8AB985A1FEED}" dt="2022-09-29T14:22:13.214" v="392" actId="313"/>
+          <ac:spMkLst>
+            <pc:docMk/>
+            <pc:sldMk cId="112575317" sldId="273"/>
+            <ac:spMk id="3" creationId="{A3EA5D54-3B7A-2311-1A7B-48B1861BB612}"/>
+          </ac:spMkLst>
+        </pc:spChg>
+        <pc:spChg chg="mod">
+          <ac:chgData name="Kundan Kumar" userId="ab2bca91-7a91-4a33-8866-eb3a7b1ec69d" providerId="ADAL" clId="{2C038B3A-F1B7-4238-B647-8AB985A1FEED}" dt="2022-09-29T14:19:20.511" v="376" actId="1076"/>
+          <ac:spMkLst>
+            <pc:docMk/>
+            <pc:sldMk cId="112575317" sldId="273"/>
+            <ac:spMk id="4" creationId="{EBFF3BF8-AEB4-A93E-0037-9AA8CBCD9BCF}"/>
+          </ac:spMkLst>
+        </pc:spChg>
+      </pc:sldChg>
+      <pc:sldChg chg="modSp mod">
+        <pc:chgData name="Kundan Kumar" userId="ab2bca91-7a91-4a33-8866-eb3a7b1ec69d" providerId="ADAL" clId="{2C038B3A-F1B7-4238-B647-8AB985A1FEED}" dt="2022-09-29T14:23:36.983" v="393" actId="113"/>
+        <pc:sldMkLst>
+          <pc:docMk/>
+          <pc:sldMk cId="4057244766" sldId="275"/>
+        </pc:sldMkLst>
+        <pc:spChg chg="mod">
+          <ac:chgData name="Kundan Kumar" userId="ab2bca91-7a91-4a33-8866-eb3a7b1ec69d" providerId="ADAL" clId="{2C038B3A-F1B7-4238-B647-8AB985A1FEED}" dt="2022-09-29T14:23:36.983" v="393" actId="113"/>
+          <ac:spMkLst>
+            <pc:docMk/>
+            <pc:sldMk cId="4057244766" sldId="275"/>
+            <ac:spMk id="3" creationId="{A3EA5D54-3B7A-2311-1A7B-48B1861BB612}"/>
+          </ac:spMkLst>
+        </pc:spChg>
+      </pc:sldChg>
+      <pc:sldChg chg="modSp mod">
+        <pc:chgData name="Kundan Kumar" userId="ab2bca91-7a91-4a33-8866-eb3a7b1ec69d" providerId="ADAL" clId="{2C038B3A-F1B7-4238-B647-8AB985A1FEED}" dt="2022-09-29T14:25:13.672" v="425" actId="14100"/>
+        <pc:sldMkLst>
+          <pc:docMk/>
+          <pc:sldMk cId="24557813" sldId="280"/>
+        </pc:sldMkLst>
+        <pc:spChg chg="mod">
+          <ac:chgData name="Kundan Kumar" userId="ab2bca91-7a91-4a33-8866-eb3a7b1ec69d" providerId="ADAL" clId="{2C038B3A-F1B7-4238-B647-8AB985A1FEED}" dt="2022-09-29T14:25:13.672" v="425" actId="14100"/>
+          <ac:spMkLst>
+            <pc:docMk/>
+            <pc:sldMk cId="24557813" sldId="280"/>
+            <ac:spMk id="3" creationId="{A3EA5D54-3B7A-2311-1A7B-48B1861BB612}"/>
+          </ac:spMkLst>
+        </pc:spChg>
+      </pc:sldChg>
+    </pc:docChg>
+  </pc:docChgLst>
+  <pc:docChgLst>
     <pc:chgData name="Kundan Kumar" userId="ab2bca91-7a91-4a33-8866-eb3a7b1ec69d" providerId="ADAL" clId="{FADAF88D-BC25-4C46-A16D-2B24ABF5A1B1}"/>
     <pc:docChg chg="custSel addSld modSld">
       <pc:chgData name="Kundan Kumar" userId="ab2bca91-7a91-4a33-8866-eb3a7b1ec69d" providerId="ADAL" clId="{FADAF88D-BC25-4C46-A16D-2B24ABF5A1B1}" dt="2022-09-19T13:46:25.838" v="156" actId="20577"/>
@@ -25846,14 +26084,19 @@
             <p:ph type="title"/>
           </p:nvPr>
         </p:nvSpPr>
-        <p:spPr/>
+        <p:spPr>
+          <a:xfrm>
+            <a:off x="1024128" y="585216"/>
+            <a:ext cx="9720072" cy="981611"/>
+          </a:xfrm>
+        </p:spPr>
         <p:txBody>
           <a:bodyPr/>
           <a:lstStyle/>
           <a:p>
             <a:r>
               <a:rPr lang="en-IN" dirty="0"/>
-              <a:t>Userspace primitives </a:t>
+              <a:t>Userspace SYNCHRONIZATION primitives </a:t>
             </a:r>
           </a:p>
         </p:txBody>
@@ -26509,7 +26752,7 @@
             </a:pPr>
             <a:r>
               <a:rPr lang="en-US" sz="1800" dirty="0"/>
-              <a:t>Lets protect the global variable using the atomic primitive</a:t>
+              <a:t>Let's protect the global variable using the atomic primitive</a:t>
             </a:r>
           </a:p>
           <a:p>
@@ -26787,19 +27030,7 @@
               <a:rPr lang="en-US" sz="1000" b="0" dirty="0">
                 <a:effectLst/>
               </a:rPr>
-              <a:t>11e1:       f0 0f c1 02             lock </a:t>
-            </a:r>
-            <a:r>
-              <a:rPr lang="en-US" sz="1000" b="0" dirty="0" err="1">
-                <a:effectLst/>
-              </a:rPr>
-              <a:t>xadd</a:t>
-            </a:r>
-            <a:r>
-              <a:rPr lang="en-US" sz="1000" b="0" dirty="0">
-                <a:effectLst/>
-              </a:rPr>
-              <a:t> %</a:t>
+              <a:t>11e1:       f0 0f c1 02             lock xadd %</a:t>
             </a:r>
             <a:r>
               <a:rPr lang="en-US" sz="1000" b="0" dirty="0" err="1">
@@ -27226,7 +27457,7 @@
             </a:pPr>
             <a:r>
               <a:rPr lang="en-US" sz="1800" dirty="0"/>
-              <a:t>Lets protect the global variable using the </a:t>
+              <a:t>Let's protect the global variable using the </a:t>
             </a:r>
             <a:r>
               <a:rPr lang="en-US" sz="1800" dirty="0" err="1"/>
@@ -27404,15 +27635,7 @@
             </a:pPr>
             <a:r>
               <a:rPr lang="en-US" sz="1800" dirty="0"/>
-              <a:t>Lets do a disassembly of </a:t>
-            </a:r>
-            <a:r>
-              <a:rPr lang="en-US" sz="1800" dirty="0" err="1"/>
-              <a:t>pthread_spin_lock</a:t>
-            </a:r>
-            <a:r>
-              <a:rPr lang="en-US" sz="1800" dirty="0"/>
-              <a:t> and see </a:t>
+              <a:t>Let's do a disassembly of pthread_spin_lock and see </a:t>
             </a:r>
           </a:p>
           <a:p>
@@ -27477,28 +27700,40 @@
               <a:rPr lang="en-US" sz="800" b="0" dirty="0">
                 <a:effectLst/>
               </a:rPr>
-              <a:t>   9be34:       f0 ff 0f                lock </a:t>
-            </a:r>
-            <a:r>
-              <a:rPr lang="en-US" sz="800" b="0" dirty="0" err="1">
+              <a:t>   9be34:       f0 ff</a:t>
+            </a:r>
+            <a:r>
+              <a:rPr lang="en-US" sz="800" dirty="0">
+                <a:effectLst/>
+              </a:rPr>
+              <a:t> 0f                </a:t>
+            </a:r>
+            <a:r>
+              <a:rPr lang="en-US" sz="800" b="1" dirty="0">
+                <a:effectLst/>
+              </a:rPr>
+              <a:t>lock </a:t>
+            </a:r>
+            <a:r>
+              <a:rPr lang="en-US" sz="800" b="1" dirty="0" err="1">
                 <a:effectLst/>
               </a:rPr>
               <a:t>decl</a:t>
             </a:r>
             <a:r>
-              <a:rPr lang="en-US" sz="800" b="0" dirty="0">
+              <a:rPr lang="en-US" sz="800" b="1" dirty="0">
                 <a:effectLst/>
               </a:rPr>
               <a:t> (%</a:t>
             </a:r>
             <a:r>
-              <a:rPr lang="en-US" sz="800" b="0" dirty="0" err="1">
+              <a:rPr lang="en-US" sz="800" b="1" dirty="0" err="1">
                 <a:effectLst/>
               </a:rPr>
               <a:t>rdi</a:t>
             </a:r>
             <a:r>
-              <a:rPr lang="en-US" sz="800" b="0" dirty="0">
+              <a:rPr lang="en-US" sz="800" b="1" dirty="0">
                 <a:effectLst/>
               </a:rPr>
               <a:t>)</a:t>
@@ -27930,23 +28165,7 @@
           <a:p>
             <a:r>
               <a:rPr lang="en-US" sz="800" dirty="0"/>
-              <a:t>                </a:t>
-            </a:r>
-            <a:r>
-              <a:rPr lang="en-US" sz="800" dirty="0" err="1"/>
-              <a:t>pthread_spin_lock</a:t>
-            </a:r>
-            <a:r>
-              <a:rPr lang="en-US" sz="800" dirty="0"/>
-              <a:t>(&amp;</a:t>
-            </a:r>
-            <a:r>
-              <a:rPr lang="en-US" sz="800" dirty="0" err="1"/>
-              <a:t>my_lock</a:t>
-            </a:r>
-            <a:r>
-              <a:rPr lang="en-US" sz="800" dirty="0"/>
-              <a:t>);</a:t>
+              <a:t>                pthread_spin_lock(&amp;my_lock);</a:t>
             </a:r>
           </a:p>
           <a:p>
@@ -27958,23 +28177,7 @@
           <a:p>
             <a:r>
               <a:rPr lang="en-US" sz="800" dirty="0"/>
-              <a:t>                </a:t>
-            </a:r>
-            <a:r>
-              <a:rPr lang="en-US" sz="800" dirty="0" err="1"/>
-              <a:t>pthread_spin_unlock</a:t>
-            </a:r>
-            <a:r>
-              <a:rPr lang="en-US" sz="800" dirty="0"/>
-              <a:t>(&amp;</a:t>
-            </a:r>
-            <a:r>
-              <a:rPr lang="en-US" sz="800" dirty="0" err="1"/>
-              <a:t>my_lock</a:t>
-            </a:r>
-            <a:r>
-              <a:rPr lang="en-US" sz="800" dirty="0"/>
-              <a:t>);</a:t>
+              <a:t>                pthread_spin_unlock(&amp;my_lock);</a:t>
             </a:r>
           </a:p>
           <a:p>
@@ -28080,23 +28283,7 @@
           <a:p>
             <a:r>
               <a:rPr lang="en-US" sz="800" dirty="0"/>
-              <a:t>                </a:t>
-            </a:r>
-            <a:r>
-              <a:rPr lang="en-US" sz="800" dirty="0" err="1"/>
-              <a:t>pthread_spin_lock</a:t>
-            </a:r>
-            <a:r>
-              <a:rPr lang="en-US" sz="800" dirty="0"/>
-              <a:t>(&amp;</a:t>
-            </a:r>
-            <a:r>
-              <a:rPr lang="en-US" sz="800" dirty="0" err="1"/>
-              <a:t>my_lock</a:t>
-            </a:r>
-            <a:r>
-              <a:rPr lang="en-US" sz="800" dirty="0"/>
-              <a:t>);</a:t>
+              <a:t>                pthread_spin_lock(&amp;my_lock);</a:t>
             </a:r>
           </a:p>
           <a:p>
@@ -28108,23 +28295,7 @@
           <a:p>
             <a:r>
               <a:rPr lang="en-US" sz="800" dirty="0"/>
-              <a:t>                </a:t>
-            </a:r>
-            <a:r>
-              <a:rPr lang="en-US" sz="800" dirty="0" err="1"/>
-              <a:t>pthread_spin_unlock</a:t>
-            </a:r>
-            <a:r>
-              <a:rPr lang="en-US" sz="800" dirty="0"/>
-              <a:t>(&amp;</a:t>
-            </a:r>
-            <a:r>
-              <a:rPr lang="en-US" sz="800" dirty="0" err="1"/>
-              <a:t>my_lock</a:t>
-            </a:r>
-            <a:r>
-              <a:rPr lang="en-US" sz="800" dirty="0"/>
-              <a:t>);</a:t>
+              <a:t>                pthread_spin_unlock(&amp;my_lock);</a:t>
             </a:r>
           </a:p>
           <a:p>
@@ -28334,7 +28505,7 @@
                 <a:effectLst/>
                 <a:latin typeface="Arial" panose="020B0604020202020204" pitchFamily="34" charset="0"/>
               </a:rPr>
-              <a:t>() </a:t>
+              <a:t>()/unlock() </a:t>
             </a:r>
             <a:r>
               <a:rPr lang="en-US" sz="2000" b="0" i="0" u="none" strike="noStrike" dirty="0">
@@ -29960,13 +30131,14 @@
           </a:bodyPr>
           <a:lstStyle/>
           <a:p>
-            <a:pPr rtl="0">
+            <a:pPr marL="0" indent="0" rtl="0">
               <a:spcBef>
                 <a:spcPts val="0"/>
               </a:spcBef>
               <a:spcAft>
                 <a:spcPts val="0"/>
               </a:spcAft>
+              <a:buNone/>
             </a:pPr>
             <a:r>
               <a:rPr lang="en-IN" sz="1000" b="0" i="0" u="none" strike="noStrike" dirty="0">
@@ -30375,7 +30547,7 @@
               <a:t>	</a:t>
             </a:r>
             <a:r>
-              <a:rPr lang="en-IN" sz="1000" b="0" i="0" u="none" strike="noStrike" dirty="0" err="1">
+              <a:rPr lang="en-IN" sz="1000" b="1" i="0" u="none" strike="noStrike" dirty="0" err="1">
                 <a:solidFill>
                   <a:srgbClr val="000000"/>
                 </a:solidFill>
@@ -30384,7 +30556,7 @@
               <a:t>preempt_disable</a:t>
             </a:r>
             <a:r>
-              <a:rPr lang="en-IN" sz="1000" b="0" i="0" u="none" strike="noStrike" dirty="0">
+              <a:rPr lang="en-IN" sz="1000" b="1" i="0" u="none" strike="noStrike" dirty="0">
                 <a:solidFill>
                   <a:srgbClr val="000000"/>
                 </a:solidFill>
@@ -30392,7 +30564,7 @@
               </a:rPr>
               <a:t>();</a:t>
             </a:r>
-            <a:endParaRPr lang="en-IN" sz="1000" b="0" dirty="0">
+            <a:endParaRPr lang="en-IN" sz="1000" b="1" dirty="0">
               <a:effectLst/>
             </a:endParaRPr>
           </a:p>
@@ -30562,13 +30734,14 @@
             </a:endParaRPr>
           </a:p>
           <a:p>
-            <a:pPr rtl="0">
+            <a:pPr marL="0" indent="0" rtl="0">
               <a:spcBef>
                 <a:spcPts val="0"/>
               </a:spcBef>
               <a:spcAft>
                 <a:spcPts val="0"/>
               </a:spcAft>
+              <a:buNone/>
             </a:pPr>
             <a:r>
               <a:rPr lang="en-IN" sz="1000" i="0" u="none" strike="noStrike" dirty="0" err="1">
@@ -31375,7 +31548,11 @@
               <a:rPr lang="en-IN" sz="1800" dirty="0"/>
             </a:br>
             <a:r>
-              <a:rPr lang="en-IN" sz="1800" dirty="0"/>
+              <a:rPr lang="en-IN" sz="1800" dirty="0">
+                <a:solidFill>
+                  <a:srgbClr val="FF0000"/>
+                </a:solidFill>
+              </a:rPr>
               <a:t>Locks shared across multiple CPUS are used</a:t>
             </a:r>
           </a:p>
@@ -31541,85 +31718,63 @@
         </p:spPr>
         <p:txBody>
           <a:bodyPr>
-            <a:normAutofit/>
+            <a:normAutofit lnSpcReduction="10000"/>
           </a:bodyPr>
           <a:lstStyle/>
           <a:p>
             <a:r>
-              <a:rPr lang="en-IN" sz="1400" dirty="0"/>
-              <a:t>A) Kernel Synchronization techniques : </a:t>
-            </a:r>
-          </a:p>
-          <a:p>
-            <a:r>
-              <a:rPr lang="en-IN" sz="1400" dirty="0"/>
+              <a:rPr lang="en-IN" sz="1700" dirty="0"/>
+              <a:t>A) Kernel Synchronization techniques </a:t>
+            </a:r>
+          </a:p>
+          <a:p>
+            <a:r>
+              <a:rPr lang="en-IN" sz="1700" dirty="0"/>
               <a:t>1. Atomic variables internals and implementation </a:t>
             </a:r>
           </a:p>
           <a:p>
             <a:r>
-              <a:rPr lang="en-IN" sz="1400" dirty="0"/>
-              <a:t>2. Semaphores</a:t>
-            </a:r>
-          </a:p>
-          <a:p>
-            <a:r>
-              <a:rPr lang="en-IN" sz="1400" dirty="0"/>
-              <a:t>3. Spinlocks</a:t>
+              <a:rPr lang="en-IN" sz="1700" dirty="0"/>
+              <a:t>2. Spinlocks internals</a:t>
             </a:r>
           </a:p>
           <a:p>
             <a:pPr marL="0" indent="0">
               <a:buNone/>
             </a:pPr>
-            <a:endParaRPr lang="en-IN" sz="1400" dirty="0"/>
-          </a:p>
-          <a:p>
-            <a:r>
-              <a:rPr lang="en-IN" sz="1400" dirty="0"/>
-              <a:t>B) </a:t>
-            </a:r>
-            <a:r>
-              <a:rPr lang="en-IN" sz="1400" dirty="0" err="1"/>
-              <a:t>Userspace</a:t>
-            </a:r>
-            <a:r>
-              <a:rPr lang="en-IN" sz="1400" dirty="0"/>
-              <a:t> atomic and </a:t>
-            </a:r>
-            <a:r>
-              <a:rPr lang="en-IN" sz="1400" dirty="0" err="1"/>
-              <a:t>gcc</a:t>
-            </a:r>
-            <a:r>
-              <a:rPr lang="en-IN" sz="1400" dirty="0"/>
-              <a:t> locking primitives</a:t>
-            </a:r>
-          </a:p>
-          <a:p>
-            <a:r>
-              <a:rPr lang="en-IN" sz="1400" dirty="0"/>
+            <a:endParaRPr lang="en-IN" sz="1700" dirty="0"/>
+          </a:p>
+          <a:p>
+            <a:r>
+              <a:rPr lang="en-IN" sz="1700" dirty="0"/>
+              <a:t>B) Userspace atomic and gcc locking primitives</a:t>
+            </a:r>
+          </a:p>
+          <a:p>
+            <a:r>
+              <a:rPr lang="en-IN" sz="1700" dirty="0"/>
               <a:t>1. Locking in user space details and implementation</a:t>
             </a:r>
           </a:p>
           <a:p>
-            <a:endParaRPr lang="en-IN" sz="1400" dirty="0"/>
-          </a:p>
-          <a:p>
-            <a:r>
-              <a:rPr lang="en-IN" sz="1400" dirty="0"/>
-              <a:t>C) Making lockless : </a:t>
-            </a:r>
-          </a:p>
-          <a:p>
-            <a:r>
-              <a:rPr lang="en-IN" sz="1400" dirty="0"/>
+            <a:endParaRPr lang="en-IN" sz="1700" dirty="0"/>
+          </a:p>
+          <a:p>
+            <a:r>
+              <a:rPr lang="en-IN" sz="1700" dirty="0"/>
+              <a:t>C) Making lockless</a:t>
+            </a:r>
+          </a:p>
+          <a:p>
+            <a:r>
+              <a:rPr lang="en-IN" sz="1700" dirty="0"/>
               <a:t>1. RCU details and implementation </a:t>
             </a:r>
           </a:p>
           <a:p>
             <a:r>
-              <a:rPr lang="en-IN" sz="1400" dirty="0"/>
+              <a:rPr lang="en-IN" sz="1700" dirty="0"/>
               <a:t>2. SPDK completely lockless programming</a:t>
             </a:r>
           </a:p>
@@ -32147,7 +32302,7 @@
             <a:pPr algn="ctr"/>
             <a:r>
               <a:rPr lang="en-US" sz="1000" dirty="0"/>
-              <a:t>SPDK IO channel (thread 1)</a:t>
+              <a:t>SPDK IO channel (thread N)</a:t>
             </a:r>
           </a:p>
           <a:p>
@@ -32795,14 +32950,16 @@
             </a:extLst>
           </p:cNvPr>
           <p:cNvCxnSpPr>
+            <a:cxnSpLocks/>
+            <a:stCxn id="12" idx="2"/>
             <a:endCxn id="17" idx="1"/>
           </p:cNvCxnSpPr>
           <p:nvPr/>
         </p:nvCxnSpPr>
         <p:spPr>
           <a:xfrm>
-            <a:off x="6258893" y="4832350"/>
-            <a:ext cx="2526334" cy="516673"/>
+            <a:off x="6258894" y="4787900"/>
+            <a:ext cx="2526333" cy="561123"/>
           </a:xfrm>
           <a:prstGeom prst="straightConnector1">
             <a:avLst/>
@@ -33190,7 +33347,7 @@
           <a:p>
             <a:r>
               <a:rPr lang="en-US" sz="1600" dirty="0"/>
-              <a:t>Concurrent modules sharing memory shall synchronize</a:t>
+              <a:t>Concurrent modules sharing memory shall synchronize.</a:t>
             </a:r>
           </a:p>
           <a:p>
@@ -33202,13 +33359,13 @@
           <a:p>
             <a:r>
               <a:rPr lang="en-US" sz="1600" dirty="0"/>
-              <a:t>Global variable modifications</a:t>
+              <a:t>Global variable modifications by multiple threads</a:t>
             </a:r>
           </a:p>
           <a:p>
             <a:r>
               <a:rPr lang="en-US" sz="1600" dirty="0"/>
-              <a:t>Shared data structure modification(Shared linked list, RB tree etc.)</a:t>
+              <a:t>Shared data structure modification(Shared linked list, RB tree etc.) shall be synchronized</a:t>
             </a:r>
           </a:p>
           <a:p>
@@ -33220,35 +33377,28 @@
           <a:p>
             <a:pPr marL="628650" lvl="1" indent="-171450"/>
             <a:r>
-              <a:rPr lang="en-US" sz="1200" dirty="0"/>
+              <a:rPr lang="en-US" sz="1600" dirty="0"/>
               <a:t>Atomic variables </a:t>
             </a:r>
           </a:p>
           <a:p>
             <a:pPr marL="628650" lvl="1" indent="-171450"/>
             <a:r>
-              <a:rPr lang="en-US" sz="1200" dirty="0"/>
-              <a:t>Semaphores </a:t>
+              <a:rPr lang="en-US" sz="1600" dirty="0"/>
+              <a:t>Spinlocks </a:t>
             </a:r>
           </a:p>
           <a:p>
             <a:pPr marL="628650" lvl="1" indent="-171450"/>
             <a:r>
-              <a:rPr lang="en-US" sz="1200" dirty="0"/>
-              <a:t>Spinlocks </a:t>
+              <a:rPr lang="en-US" sz="1600" dirty="0"/>
+              <a:t>RCU </a:t>
             </a:r>
           </a:p>
           <a:p>
             <a:pPr marL="628650" lvl="1" indent="-171450"/>
             <a:r>
-              <a:rPr lang="en-US" sz="1200" dirty="0"/>
-              <a:t>RCU </a:t>
-            </a:r>
-          </a:p>
-          <a:p>
-            <a:pPr marL="628650" lvl="1" indent="-171450"/>
-            <a:r>
-              <a:rPr lang="en-US" sz="1200" dirty="0"/>
+              <a:rPr lang="en-US" sz="1600" dirty="0"/>
               <a:t>Per CPU/Per thread variables (lockless)</a:t>
             </a:r>
           </a:p>
@@ -33274,7 +33424,7 @@
         <p:spPr>
           <a:xfrm>
             <a:off x="6362702" y="1761565"/>
-            <a:ext cx="5086350" cy="1762685"/>
+            <a:ext cx="1790702" cy="428345"/>
           </a:xfrm>
           <a:prstGeom prst="rect">
             <a:avLst/>
@@ -33476,7 +33626,7 @@
         <p:spPr>
           <a:xfrm>
             <a:off x="6362702" y="4084264"/>
-            <a:ext cx="5086350" cy="2652712"/>
+            <a:ext cx="2174906" cy="427589"/>
           </a:xfrm>
           <a:prstGeom prst="rect">
             <a:avLst/>
@@ -33704,12 +33854,8 @@
           <a:p>
             <a:pPr algn="ctr"/>
             <a:r>
-              <a:rPr lang="en-IN" dirty="0" err="1"/>
-              <a:t>Pthread</a:t>
-            </a:r>
-            <a:r>
               <a:rPr lang="en-IN" dirty="0"/>
-              <a:t> 1</a:t>
+              <a:t>Pthread 1</a:t>
             </a:r>
           </a:p>
         </p:txBody>
@@ -33757,12 +33903,8 @@
           <a:p>
             <a:pPr algn="ctr"/>
             <a:r>
-              <a:rPr lang="en-IN" dirty="0" err="1"/>
-              <a:t>Pthread</a:t>
-            </a:r>
-            <a:r>
               <a:rPr lang="en-IN" dirty="0"/>
-              <a:t> 2</a:t>
+              <a:t>Pthread 2</a:t>
             </a:r>
           </a:p>
         </p:txBody>
@@ -33810,12 +33952,8 @@
           <a:p>
             <a:pPr algn="ctr"/>
             <a:r>
-              <a:rPr lang="en-IN" dirty="0" err="1"/>
-              <a:t>Pthread</a:t>
-            </a:r>
-            <a:r>
               <a:rPr lang="en-IN" dirty="0"/>
-              <a:t> N</a:t>
+              <a:t>Pthread N</a:t>
             </a:r>
           </a:p>
         </p:txBody>
@@ -34380,6 +34518,100 @@
               <a:rPr lang="en-IN" sz="1000" dirty="0"/>
               <a:t>CPU Z</a:t>
             </a:r>
+          </a:p>
+        </p:txBody>
+      </p:sp>
+      <p:sp>
+        <p:nvSpPr>
+          <p:cNvPr id="4" name="Rectangle 3">
+            <a:extLst>
+              <a:ext uri="{FF2B5EF4-FFF2-40B4-BE49-F238E27FC236}">
+                <a16:creationId xmlns:a16="http://schemas.microsoft.com/office/drawing/2014/main" id="{9859D29B-87C2-D350-31F8-85A65A005825}"/>
+              </a:ext>
+            </a:extLst>
+          </p:cNvPr>
+          <p:cNvSpPr/>
+          <p:nvPr/>
+        </p:nvSpPr>
+        <p:spPr>
+          <a:xfrm>
+            <a:off x="6439301" y="2223436"/>
+            <a:ext cx="4914499" cy="1630405"/>
+          </a:xfrm>
+          <a:prstGeom prst="rect">
+            <a:avLst/>
+          </a:prstGeom>
+          <a:noFill/>
+        </p:spPr>
+        <p:style>
+          <a:lnRef idx="2">
+            <a:schemeClr val="accent1">
+              <a:shade val="50000"/>
+            </a:schemeClr>
+          </a:lnRef>
+          <a:fillRef idx="1">
+            <a:schemeClr val="accent1"/>
+          </a:fillRef>
+          <a:effectRef idx="0">
+            <a:schemeClr val="accent1"/>
+          </a:effectRef>
+          <a:fontRef idx="minor">
+            <a:schemeClr val="lt1"/>
+          </a:fontRef>
+        </p:style>
+        <p:txBody>
+          <a:bodyPr rtlCol="0" anchor="ctr"/>
+          <a:lstStyle/>
+          <a:p>
+            <a:pPr algn="ctr"/>
+            <a:endParaRPr lang="en-IN"/>
+          </a:p>
+        </p:txBody>
+      </p:sp>
+      <p:sp>
+        <p:nvSpPr>
+          <p:cNvPr id="5" name="Rectangle 4">
+            <a:extLst>
+              <a:ext uri="{FF2B5EF4-FFF2-40B4-BE49-F238E27FC236}">
+                <a16:creationId xmlns:a16="http://schemas.microsoft.com/office/drawing/2014/main" id="{12C0F8C9-8406-B0D1-F9C0-434455C1DBC5}"/>
+              </a:ext>
+            </a:extLst>
+          </p:cNvPr>
+          <p:cNvSpPr/>
+          <p:nvPr/>
+        </p:nvSpPr>
+        <p:spPr>
+          <a:xfrm>
+            <a:off x="6452908" y="4546558"/>
+            <a:ext cx="4900892" cy="2094874"/>
+          </a:xfrm>
+          <a:prstGeom prst="rect">
+            <a:avLst/>
+          </a:prstGeom>
+          <a:noFill/>
+        </p:spPr>
+        <p:style>
+          <a:lnRef idx="2">
+            <a:schemeClr val="accent1">
+              <a:shade val="50000"/>
+            </a:schemeClr>
+          </a:lnRef>
+          <a:fillRef idx="1">
+            <a:schemeClr val="accent1"/>
+          </a:fillRef>
+          <a:effectRef idx="0">
+            <a:schemeClr val="accent1"/>
+          </a:effectRef>
+          <a:fontRef idx="minor">
+            <a:schemeClr val="lt1"/>
+          </a:fontRef>
+        </p:style>
+        <p:txBody>
+          <a:bodyPr rtlCol="0" anchor="ctr"/>
+          <a:lstStyle/>
+          <a:p>
+            <a:pPr algn="ctr"/>
+            <a:endParaRPr lang="en-IN"/>
           </a:p>
         </p:txBody>
       </p:sp>
@@ -34874,12 +35106,8 @@
           <a:lstStyle/>
           <a:p>
             <a:r>
-              <a:rPr lang="en-US" sz="4400" dirty="0" err="1"/>
-              <a:t>atomic_add</a:t>
-            </a:r>
-            <a:r>
               <a:rPr lang="en-US" sz="4400" dirty="0"/>
-              <a:t>() Internals </a:t>
+              <a:t>atomic_add() Internals </a:t>
             </a:r>
             <a:endParaRPr lang="en-IN" dirty="0"/>
           </a:p>
@@ -34945,10 +35173,64 @@
                 <a:ea typeface="+mn-ea"/>
                 <a:cs typeface="+mn-cs"/>
               </a:rPr>
-              <a:t>In case of v = v +</a:t>
-            </a:r>
-            <a:r>
-              <a:rPr kumimoji="0" lang="en-US" sz="1200" b="0" i="0" u="none" strike="noStrike" kern="1200" cap="none" spc="0" normalizeH="0" baseline="0" noProof="0" dirty="0" err="1">
+              <a:t>Instead of using of v = v + I for atomic we use</a:t>
+            </a:r>
+          </a:p>
+          <a:p>
+            <a:pPr marL="0" marR="0" lvl="0" indent="0" algn="l" defTabSz="914400" rtl="0" eaLnBrk="1" fontAlgn="auto" latinLnBrk="0" hangingPunct="1">
+              <a:lnSpc>
+                <a:spcPct val="90000"/>
+              </a:lnSpc>
+              <a:spcBef>
+                <a:spcPts val="1000"/>
+              </a:spcBef>
+              <a:spcAft>
+                <a:spcPts val="0"/>
+              </a:spcAft>
+              <a:buClrTx/>
+              <a:buSzTx/>
+              <a:buNone/>
+              <a:tabLst/>
+              <a:defRPr/>
+            </a:pPr>
+            <a:r>
+              <a:rPr lang="en-US" sz="1200" dirty="0" err="1">
+                <a:solidFill>
+                  <a:prstClr val="black"/>
+                </a:solidFill>
+                <a:latin typeface="Calibri" panose="020F0502020204030204"/>
+              </a:rPr>
+              <a:t>Atomic_t</a:t>
+            </a:r>
+            <a:r>
+              <a:rPr lang="en-US" sz="1200" dirty="0">
+                <a:solidFill>
+                  <a:prstClr val="black"/>
+                </a:solidFill>
+                <a:latin typeface="Calibri" panose="020F0502020204030204"/>
+              </a:rPr>
+              <a:t>   v;</a:t>
+            </a:r>
+          </a:p>
+          <a:p>
+            <a:pPr marL="0" marR="0" lvl="0" indent="0" algn="l" defTabSz="914400" rtl="0" eaLnBrk="1" fontAlgn="auto" latinLnBrk="0" hangingPunct="1">
+              <a:lnSpc>
+                <a:spcPct val="90000"/>
+              </a:lnSpc>
+              <a:spcBef>
+                <a:spcPts val="1000"/>
+              </a:spcBef>
+              <a:spcAft>
+                <a:spcPts val="0"/>
+              </a:spcAft>
+              <a:buClrTx/>
+              <a:buSzTx/>
+              <a:buNone/>
+              <a:tabLst/>
+              <a:defRPr/>
+            </a:pPr>
+            <a:r>
+              <a:rPr kumimoji="0" lang="en-US" sz="1200" b="0" i="0" u="none" strike="noStrike" kern="1200" cap="none" spc="0" normalizeH="0" baseline="0" noProof="0" dirty="0">
                 <a:ln>
                   <a:noFill/>
                 </a:ln>
@@ -34962,8 +35244,26 @@
                 <a:ea typeface="+mn-ea"/>
                 <a:cs typeface="+mn-cs"/>
               </a:rPr>
-              <a:t>i</a:t>
-            </a:r>
+              <a:t>Atomic_add(&amp;v, 1);</a:t>
+            </a:r>
+          </a:p>
+          <a:p>
+            <a:pPr marL="0" marR="0" lvl="0" indent="0" algn="l" defTabSz="914400" rtl="0" eaLnBrk="1" fontAlgn="auto" latinLnBrk="0" hangingPunct="1">
+              <a:lnSpc>
+                <a:spcPct val="90000"/>
+              </a:lnSpc>
+              <a:spcBef>
+                <a:spcPts val="1000"/>
+              </a:spcBef>
+              <a:spcAft>
+                <a:spcPts val="0"/>
+              </a:spcAft>
+              <a:buClrTx/>
+              <a:buSzTx/>
+              <a:buNone/>
+              <a:tabLst/>
+              <a:defRPr/>
+            </a:pPr>
             <a:endParaRPr kumimoji="0" lang="en-US" sz="1200" b="0" i="0" u="none" strike="noStrike" kern="1200" cap="none" spc="0" normalizeH="0" baseline="0" noProof="0" dirty="0">
               <a:ln>
                 <a:noFill/>
@@ -35012,106 +35312,7 @@
                 <a:ea typeface="+mn-ea"/>
                 <a:cs typeface="+mn-cs"/>
               </a:rPr>
-              <a:t>compiler optimizations which lead to problems.</a:t>
-            </a:r>
-            <a:br>
-              <a:rPr kumimoji="0" lang="en-US" sz="1200" b="0" i="0" u="none" strike="noStrike" kern="1200" cap="none" spc="0" normalizeH="0" baseline="0" noProof="0" dirty="0">
-                <a:ln>
-                  <a:noFill/>
-                </a:ln>
-                <a:solidFill>
-                  <a:prstClr val="black"/>
-                </a:solidFill>
-                <a:effectLst/>
-                <a:uLnTx/>
-                <a:uFillTx/>
-                <a:latin typeface="Calibri" panose="020F0502020204030204"/>
-                <a:ea typeface="+mn-ea"/>
-                <a:cs typeface="+mn-cs"/>
-              </a:rPr>
-            </a:br>
-            <a:r>
-              <a:rPr kumimoji="0" lang="en-US" sz="1200" b="0" i="0" u="none" strike="noStrike" kern="1200" cap="none" spc="0" normalizeH="0" baseline="0" noProof="0" dirty="0">
-                <a:ln>
-                  <a:noFill/>
-                </a:ln>
-                <a:solidFill>
-                  <a:prstClr val="black"/>
-                </a:solidFill>
-                <a:effectLst/>
-                <a:uLnTx/>
-                <a:uFillTx/>
-                <a:latin typeface="Calibri" panose="020F0502020204030204"/>
-                <a:ea typeface="+mn-ea"/>
-                <a:cs typeface="+mn-cs"/>
-              </a:rPr>
-              <a:t>The first problem is Load/Store tearing, in which a multi byte load store instruction might get broken down by the compiler to process a single byte at a time, which leaves the single instruction non-atomic. </a:t>
-            </a:r>
-            <a:br>
-              <a:rPr kumimoji="0" lang="en-US" sz="1200" b="0" i="0" u="none" strike="noStrike" kern="1200" cap="none" spc="0" normalizeH="0" baseline="0" noProof="0" dirty="0">
-                <a:ln>
-                  <a:noFill/>
-                </a:ln>
-                <a:solidFill>
-                  <a:prstClr val="black"/>
-                </a:solidFill>
-                <a:effectLst/>
-                <a:uLnTx/>
-                <a:uFillTx/>
-                <a:latin typeface="Calibri" panose="020F0502020204030204"/>
-                <a:ea typeface="+mn-ea"/>
-                <a:cs typeface="+mn-cs"/>
-              </a:rPr>
-            </a:br>
-            <a:r>
-              <a:rPr kumimoji="0" lang="en-US" sz="1200" b="0" i="0" u="none" strike="noStrike" kern="1200" cap="none" spc="0" normalizeH="0" baseline="0" noProof="0" dirty="0">
-                <a:ln>
-                  <a:noFill/>
-                </a:ln>
-                <a:solidFill>
-                  <a:prstClr val="black"/>
-                </a:solidFill>
-                <a:effectLst/>
-                <a:uLnTx/>
-                <a:uFillTx/>
-                <a:latin typeface="Calibri" panose="020F0502020204030204"/>
-                <a:ea typeface="+mn-ea"/>
-                <a:cs typeface="+mn-cs"/>
-              </a:rPr>
-              <a:t>The second is more direct. C compilers nowadays do not guarantee that a word access would be atomic. </a:t>
-            </a:r>
-            <a:br>
-              <a:rPr kumimoji="0" lang="en-US" sz="1200" b="0" i="0" u="none" strike="noStrike" kern="1200" cap="none" spc="0" normalizeH="0" baseline="0" noProof="0" dirty="0">
-                <a:ln>
-                  <a:noFill/>
-                </a:ln>
-                <a:solidFill>
-                  <a:prstClr val="black"/>
-                </a:solidFill>
-                <a:effectLst/>
-                <a:uLnTx/>
-                <a:uFillTx/>
-                <a:latin typeface="Calibri" panose="020F0502020204030204"/>
-                <a:ea typeface="+mn-ea"/>
-                <a:cs typeface="+mn-cs"/>
-              </a:rPr>
-            </a:br>
-            <a:r>
-              <a:rPr kumimoji="0" lang="en-US" sz="1200" b="0" i="0" u="none" strike="noStrike" kern="1200" cap="none" spc="0" normalizeH="0" baseline="0" noProof="0" dirty="0">
-                <a:ln>
-                  <a:noFill/>
-                </a:ln>
-                <a:solidFill>
-                  <a:prstClr val="black"/>
-                </a:solidFill>
-                <a:effectLst/>
-                <a:uLnTx/>
-                <a:uFillTx/>
-                <a:latin typeface="Calibri" panose="020F0502020204030204"/>
-                <a:ea typeface="+mn-ea"/>
-                <a:cs typeface="+mn-cs"/>
-              </a:rPr>
-              <a:t>So, we need some way of instructing the compiler to avoid the above optimizations. Enter “volatile” variables.</a:t>
+              <a:t>Atomic_add calls “arch_atomic_add_return()”. </a:t>
             </a:r>
           </a:p>
           <a:p>
@@ -35147,25 +35348,27 @@
                 <a:ea typeface="+mn-ea"/>
                 <a:cs typeface="+mn-cs"/>
               </a:rPr>
-              <a:t>The function is “</a:t>
-            </a:r>
-            <a:r>
-              <a:rPr kumimoji="0" lang="en-US" sz="1200" b="0" i="0" u="none" strike="noStrike" kern="1200" cap="none" spc="0" normalizeH="0" baseline="0" noProof="0" dirty="0" err="1">
-                <a:ln>
-                  <a:noFill/>
-                </a:ln>
-                <a:solidFill>
-                  <a:prstClr val="black"/>
-                </a:solidFill>
-                <a:effectLst/>
-                <a:uLnTx/>
-                <a:uFillTx/>
-                <a:latin typeface="Calibri" panose="020F0502020204030204"/>
-                <a:ea typeface="+mn-ea"/>
-                <a:cs typeface="+mn-cs"/>
-              </a:rPr>
-              <a:t>arch_atomic_add_return</a:t>
-            </a:r>
+              <a:t>arch_atomic_add_return() function calls the function “xadd()” </a:t>
+            </a:r>
+          </a:p>
+          <a:p>
+            <a:pPr marL="0" marR="0" lvl="0" indent="0" algn="l" defTabSz="914400" rtl="0" eaLnBrk="1" fontAlgn="auto" latinLnBrk="0" hangingPunct="1">
+              <a:lnSpc>
+                <a:spcPct val="90000"/>
+              </a:lnSpc>
+              <a:spcBef>
+                <a:spcPts val="1000"/>
+              </a:spcBef>
+              <a:spcAft>
+                <a:spcPts val="0"/>
+              </a:spcAft>
+              <a:buClrTx/>
+              <a:buSzTx/>
+              <a:buFont typeface="Arial" panose="020B0604020202020204" pitchFamily="34" charset="0"/>
+              <a:buNone/>
+              <a:tabLst/>
+              <a:defRPr/>
+            </a:pPr>
             <a:r>
               <a:rPr kumimoji="0" lang="en-US" sz="1200" b="0" i="0" u="none" strike="noStrike" kern="1200" cap="none" spc="0" normalizeH="0" baseline="0" noProof="0" dirty="0">
                 <a:ln>
@@ -35181,24 +35384,44 @@
                 <a:ea typeface="+mn-ea"/>
                 <a:cs typeface="+mn-cs"/>
               </a:rPr>
-              <a:t>()”. This function calls the function “</a:t>
-            </a:r>
-            <a:r>
-              <a:rPr kumimoji="0" lang="en-US" sz="1200" b="0" i="0" u="none" strike="noStrike" kern="1200" cap="none" spc="0" normalizeH="0" baseline="0" noProof="0" dirty="0" err="1">
-                <a:ln>
-                  <a:noFill/>
-                </a:ln>
+              <a:t>“xadd” calls</a:t>
+            </a:r>
+            <a:r>
+              <a:rPr lang="en-US" sz="1200" dirty="0">
                 <a:solidFill>
                   <a:prstClr val="black"/>
                 </a:solidFill>
-                <a:effectLst/>
-                <a:uLnTx/>
-                <a:uFillTx/>
                 <a:latin typeface="Calibri" panose="020F0502020204030204"/>
-                <a:ea typeface="+mn-ea"/>
-                <a:cs typeface="+mn-cs"/>
-              </a:rPr>
-              <a:t>xadd</a:t>
+              </a:rPr>
+              <a:t>  “__xadd()”</a:t>
+            </a:r>
+          </a:p>
+          <a:p>
+            <a:pPr marL="0" marR="0" lvl="0" indent="0" algn="l" defTabSz="914400" rtl="0" eaLnBrk="1" fontAlgn="auto" latinLnBrk="0" hangingPunct="1">
+              <a:lnSpc>
+                <a:spcPct val="90000"/>
+              </a:lnSpc>
+              <a:spcBef>
+                <a:spcPts val="1000"/>
+              </a:spcBef>
+              <a:spcAft>
+                <a:spcPts val="0"/>
+              </a:spcAft>
+              <a:buClrTx/>
+              <a:buSzTx/>
+              <a:buFont typeface="Arial" panose="020B0604020202020204" pitchFamily="34" charset="0"/>
+              <a:buNone/>
+              <a:tabLst/>
+              <a:defRPr/>
+            </a:pPr>
+            <a:r>
+              <a:rPr lang="en-US" sz="1200" dirty="0">
+                <a:solidFill>
+                  <a:prstClr val="black"/>
+                </a:solidFill>
+                <a:latin typeface="Calibri" panose="020F0502020204030204"/>
+              </a:rPr>
+              <a:t>“__xadd()” calls “</a:t>
             </a:r>
             <a:r>
               <a:rPr kumimoji="0" lang="en-US" sz="1200" b="0" i="0" u="none" strike="noStrike" kern="1200" cap="none" spc="0" normalizeH="0" baseline="0" noProof="0" dirty="0">
@@ -35215,41 +35438,7 @@
                 <a:ea typeface="+mn-ea"/>
                 <a:cs typeface="+mn-cs"/>
               </a:rPr>
-              <a:t>()” which ultimately lands in the function “__</a:t>
-            </a:r>
-            <a:r>
-              <a:rPr kumimoji="0" lang="en-US" sz="1200" b="0" i="0" u="none" strike="noStrike" kern="1200" cap="none" spc="0" normalizeH="0" baseline="0" noProof="0" dirty="0" err="1">
-                <a:ln>
-                  <a:noFill/>
-                </a:ln>
-                <a:solidFill>
-                  <a:prstClr val="black"/>
-                </a:solidFill>
-                <a:effectLst/>
-                <a:uLnTx/>
-                <a:uFillTx/>
-                <a:latin typeface="Calibri" panose="020F0502020204030204"/>
-                <a:ea typeface="+mn-ea"/>
-                <a:cs typeface="+mn-cs"/>
-              </a:rPr>
-              <a:t>xchg_op</a:t>
-            </a:r>
-            <a:r>
-              <a:rPr kumimoji="0" lang="en-US" sz="1200" b="0" i="0" u="none" strike="noStrike" kern="1200" cap="none" spc="0" normalizeH="0" baseline="0" noProof="0" dirty="0">
-                <a:ln>
-                  <a:noFill/>
-                </a:ln>
-                <a:solidFill>
-                  <a:prstClr val="black"/>
-                </a:solidFill>
-                <a:effectLst/>
-                <a:uLnTx/>
-                <a:uFillTx/>
-                <a:latin typeface="Calibri" panose="020F0502020204030204"/>
-                <a:ea typeface="+mn-ea"/>
-                <a:cs typeface="+mn-cs"/>
-              </a:rPr>
-              <a:t>()” after a number of calls.</a:t>
+              <a:t>__xchg_op()”</a:t>
             </a:r>
           </a:p>
           <a:p>
@@ -35301,75 +35490,7 @@
                 <a:ea typeface="+mn-ea"/>
                 <a:cs typeface="+mn-cs"/>
               </a:rPr>
-              <a:t>“__</a:t>
-            </a:r>
-            <a:r>
-              <a:rPr kumimoji="0" lang="en-US" sz="1200" b="0" i="0" u="none" strike="noStrike" kern="1200" cap="none" spc="0" normalizeH="0" baseline="0" noProof="0" dirty="0" err="1">
-                <a:ln>
-                  <a:noFill/>
-                </a:ln>
-                <a:solidFill>
-                  <a:prstClr val="black"/>
-                </a:solidFill>
-                <a:effectLst/>
-                <a:uLnTx/>
-                <a:uFillTx/>
-                <a:latin typeface="Calibri" panose="020F0502020204030204"/>
-                <a:ea typeface="+mn-ea"/>
-                <a:cs typeface="+mn-cs"/>
-              </a:rPr>
-              <a:t>xchg_op</a:t>
-            </a:r>
-            <a:r>
-              <a:rPr kumimoji="0" lang="en-US" sz="1200" b="0" i="0" u="none" strike="noStrike" kern="1200" cap="none" spc="0" normalizeH="0" baseline="0" noProof="0" dirty="0">
-                <a:ln>
-                  <a:noFill/>
-                </a:ln>
-                <a:solidFill>
-                  <a:prstClr val="black"/>
-                </a:solidFill>
-                <a:effectLst/>
-                <a:uLnTx/>
-                <a:uFillTx/>
-                <a:latin typeface="Calibri" panose="020F0502020204030204"/>
-                <a:ea typeface="+mn-ea"/>
-                <a:cs typeface="+mn-cs"/>
-              </a:rPr>
-              <a:t>()” macro  first executes the “LOCK_PREFIX”  and after that it executes the “</a:t>
-            </a:r>
-            <a:r>
-              <a:rPr kumimoji="0" lang="en-US" sz="1200" b="0" i="0" u="none" strike="noStrike" kern="1200" cap="none" spc="0" normalizeH="0" baseline="0" noProof="0" dirty="0" err="1">
-                <a:ln>
-                  <a:noFill/>
-                </a:ln>
-                <a:solidFill>
-                  <a:prstClr val="black"/>
-                </a:solidFill>
-                <a:effectLst/>
-                <a:uLnTx/>
-                <a:uFillTx/>
-                <a:latin typeface="Calibri" panose="020F0502020204030204"/>
-                <a:ea typeface="+mn-ea"/>
-                <a:cs typeface="+mn-cs"/>
-              </a:rPr>
-              <a:t>xadd</a:t>
-            </a:r>
-            <a:r>
-              <a:rPr kumimoji="0" lang="en-US" sz="1200" b="0" i="0" u="none" strike="noStrike" kern="1200" cap="none" spc="0" normalizeH="0" baseline="0" noProof="0" dirty="0">
-                <a:ln>
-                  <a:noFill/>
-                </a:ln>
-                <a:solidFill>
-                  <a:prstClr val="black"/>
-                </a:solidFill>
-                <a:effectLst/>
-                <a:uLnTx/>
-                <a:uFillTx/>
-                <a:latin typeface="Calibri" panose="020F0502020204030204"/>
-                <a:ea typeface="+mn-ea"/>
-                <a:cs typeface="+mn-cs"/>
-              </a:rPr>
-              <a:t>” instruction on the parameters.</a:t>
+              <a:t>“__xchg_op()” macro  first executes the “LOCK_PREFIX” “lock” and after that it executes the “xadd” instruction on the parameters.</a:t>
             </a:r>
           </a:p>
           <a:p>
@@ -35391,8 +35512,8 @@
         </p:nvSpPr>
         <p:spPr>
           <a:xfrm>
-            <a:off x="6949888" y="2319617"/>
-            <a:ext cx="3700183" cy="3175228"/>
+            <a:off x="6296384" y="1934607"/>
+            <a:ext cx="4061413" cy="3327578"/>
           </a:xfrm>
           <a:prstGeom prst="rect">
             <a:avLst/>
@@ -35423,7 +35544,7 @@
               <a:defRPr/>
             </a:pPr>
             <a:r>
-              <a:rPr kumimoji="0" lang="en-US" sz="1000" b="0" i="0" u="none" strike="noStrike" kern="1200" cap="none" spc="0" normalizeH="0" baseline="0" noProof="0" dirty="0">
+              <a:rPr kumimoji="0" lang="en-US" sz="1100" b="0" i="0" u="none" strike="noStrike" kern="1200" cap="none" spc="0" normalizeH="0" baseline="0" noProof="0" dirty="0">
                 <a:ln>
                   <a:noFill/>
                 </a:ln>
@@ -35436,10 +35557,10 @@
                 <a:ea typeface="+mn-ea"/>
                 <a:cs typeface="+mn-cs"/>
               </a:rPr>
-              <a:t>#define </a:t>
-            </a:r>
-            <a:r>
-              <a:rPr kumimoji="0" lang="en-US" sz="1000" b="0" i="0" u="none" strike="noStrike" kern="1200" cap="none" spc="0" normalizeH="0" baseline="0" noProof="0" dirty="0" err="1">
+              <a:t>#define xadd(</a:t>
+            </a:r>
+            <a:r>
+              <a:rPr kumimoji="0" lang="en-US" sz="1100" b="0" i="0" u="none" strike="noStrike" kern="1200" cap="none" spc="0" normalizeH="0" baseline="0" noProof="0" dirty="0" err="1">
                 <a:ln>
                   <a:noFill/>
                 </a:ln>
@@ -35452,10 +35573,10 @@
                 <a:ea typeface="+mn-ea"/>
                 <a:cs typeface="+mn-cs"/>
               </a:rPr>
-              <a:t>xadd</a:t>
-            </a:r>
-            <a:r>
-              <a:rPr kumimoji="0" lang="en-US" sz="1000" b="0" i="0" u="none" strike="noStrike" kern="1200" cap="none" spc="0" normalizeH="0" baseline="0" noProof="0" dirty="0">
+              <a:t>ptr</a:t>
+            </a:r>
+            <a:r>
+              <a:rPr kumimoji="0" lang="en-US" sz="1100" b="0" i="0" u="none" strike="noStrike" kern="1200" cap="none" spc="0" normalizeH="0" baseline="0" noProof="0" dirty="0">
                 <a:ln>
                   <a:noFill/>
                 </a:ln>
@@ -35468,10 +35589,10 @@
                 <a:ea typeface="+mn-ea"/>
                 <a:cs typeface="+mn-cs"/>
               </a:rPr>
-              <a:t>(</a:t>
-            </a:r>
-            <a:r>
-              <a:rPr kumimoji="0" lang="en-US" sz="1000" b="0" i="0" u="none" strike="noStrike" kern="1200" cap="none" spc="0" normalizeH="0" baseline="0" noProof="0" dirty="0" err="1">
+              <a:t>, </a:t>
+            </a:r>
+            <a:r>
+              <a:rPr kumimoji="0" lang="en-US" sz="1100" b="0" i="0" u="none" strike="noStrike" kern="1200" cap="none" spc="0" normalizeH="0" baseline="0" noProof="0" dirty="0" err="1">
                 <a:ln>
                   <a:noFill/>
                 </a:ln>
@@ -35484,10 +35605,10 @@
                 <a:ea typeface="+mn-ea"/>
                 <a:cs typeface="+mn-cs"/>
               </a:rPr>
-              <a:t>ptr</a:t>
-            </a:r>
-            <a:r>
-              <a:rPr kumimoji="0" lang="en-US" sz="1000" b="0" i="0" u="none" strike="noStrike" kern="1200" cap="none" spc="0" normalizeH="0" baseline="0" noProof="0" dirty="0">
+              <a:t>inc</a:t>
+            </a:r>
+            <a:r>
+              <a:rPr kumimoji="0" lang="en-US" sz="1100" b="0" i="0" u="none" strike="noStrike" kern="1200" cap="none" spc="0" normalizeH="0" baseline="0" noProof="0" dirty="0">
                 <a:ln>
                   <a:noFill/>
                 </a:ln>
@@ -35500,10 +35621,10 @@
                 <a:ea typeface="+mn-ea"/>
                 <a:cs typeface="+mn-cs"/>
               </a:rPr>
-              <a:t>, </a:t>
-            </a:r>
-            <a:r>
-              <a:rPr kumimoji="0" lang="en-US" sz="1000" b="0" i="0" u="none" strike="noStrike" kern="1200" cap="none" spc="0" normalizeH="0" baseline="0" noProof="0" dirty="0" err="1">
+              <a:t>) __xadd((</a:t>
+            </a:r>
+            <a:r>
+              <a:rPr kumimoji="0" lang="en-US" sz="1100" b="0" i="0" u="none" strike="noStrike" kern="1200" cap="none" spc="0" normalizeH="0" baseline="0" noProof="0" dirty="0" err="1">
                 <a:ln>
                   <a:noFill/>
                 </a:ln>
@@ -35516,10 +35637,10 @@
                 <a:ea typeface="+mn-ea"/>
                 <a:cs typeface="+mn-cs"/>
               </a:rPr>
-              <a:t>inc</a:t>
-            </a:r>
-            <a:r>
-              <a:rPr kumimoji="0" lang="en-US" sz="1000" b="0" i="0" u="none" strike="noStrike" kern="1200" cap="none" spc="0" normalizeH="0" baseline="0" noProof="0" dirty="0">
+              <a:t>ptr</a:t>
+            </a:r>
+            <a:r>
+              <a:rPr kumimoji="0" lang="en-US" sz="1100" b="0" i="0" u="none" strike="noStrike" kern="1200" cap="none" spc="0" normalizeH="0" baseline="0" noProof="0" dirty="0">
                 <a:ln>
                   <a:noFill/>
                 </a:ln>
@@ -35532,10 +35653,10 @@
                 <a:ea typeface="+mn-ea"/>
                 <a:cs typeface="+mn-cs"/>
               </a:rPr>
-              <a:t>) __</a:t>
-            </a:r>
-            <a:r>
-              <a:rPr kumimoji="0" lang="en-US" sz="1000" b="0" i="0" u="none" strike="noStrike" kern="1200" cap="none" spc="0" normalizeH="0" baseline="0" noProof="0" dirty="0" err="1">
+              <a:t>), (</a:t>
+            </a:r>
+            <a:r>
+              <a:rPr kumimoji="0" lang="en-US" sz="1100" b="0" i="0" u="none" strike="noStrike" kern="1200" cap="none" spc="0" normalizeH="0" baseline="0" noProof="0" dirty="0" err="1">
                 <a:ln>
                   <a:noFill/>
                 </a:ln>
@@ -35548,74 +35669,10 @@
                 <a:ea typeface="+mn-ea"/>
                 <a:cs typeface="+mn-cs"/>
               </a:rPr>
-              <a:t>xadd</a:t>
-            </a:r>
-            <a:r>
-              <a:rPr kumimoji="0" lang="en-US" sz="1000" b="0" i="0" u="none" strike="noStrike" kern="1200" cap="none" spc="0" normalizeH="0" baseline="0" noProof="0" dirty="0">
-                <a:ln>
-                  <a:noFill/>
-                </a:ln>
-                <a:solidFill>
-                  <a:prstClr val="black"/>
-                </a:solidFill>
-                <a:effectLst/>
-                <a:uLnTx/>
-                <a:uFillTx/>
-                <a:ea typeface="+mn-ea"/>
-                <a:cs typeface="+mn-cs"/>
-              </a:rPr>
-              <a:t>((</a:t>
-            </a:r>
-            <a:r>
-              <a:rPr kumimoji="0" lang="en-US" sz="1000" b="0" i="0" u="none" strike="noStrike" kern="1200" cap="none" spc="0" normalizeH="0" baseline="0" noProof="0" dirty="0" err="1">
-                <a:ln>
-                  <a:noFill/>
-                </a:ln>
-                <a:solidFill>
-                  <a:prstClr val="black"/>
-                </a:solidFill>
-                <a:effectLst/>
-                <a:uLnTx/>
-                <a:uFillTx/>
-                <a:ea typeface="+mn-ea"/>
-                <a:cs typeface="+mn-cs"/>
-              </a:rPr>
-              <a:t>ptr</a:t>
-            </a:r>
-            <a:r>
-              <a:rPr kumimoji="0" lang="en-US" sz="1000" b="0" i="0" u="none" strike="noStrike" kern="1200" cap="none" spc="0" normalizeH="0" baseline="0" noProof="0" dirty="0">
-                <a:ln>
-                  <a:noFill/>
-                </a:ln>
-                <a:solidFill>
-                  <a:prstClr val="black"/>
-                </a:solidFill>
-                <a:effectLst/>
-                <a:uLnTx/>
-                <a:uFillTx/>
-                <a:ea typeface="+mn-ea"/>
-                <a:cs typeface="+mn-cs"/>
-              </a:rPr>
-              <a:t>), (</a:t>
-            </a:r>
-            <a:r>
-              <a:rPr kumimoji="0" lang="en-US" sz="1000" b="0" i="0" u="none" strike="noStrike" kern="1200" cap="none" spc="0" normalizeH="0" baseline="0" noProof="0" dirty="0" err="1">
-                <a:ln>
-                  <a:noFill/>
-                </a:ln>
-                <a:solidFill>
-                  <a:prstClr val="black"/>
-                </a:solidFill>
-                <a:effectLst/>
-                <a:uLnTx/>
-                <a:uFillTx/>
-                <a:ea typeface="+mn-ea"/>
-                <a:cs typeface="+mn-cs"/>
-              </a:rPr>
               <a:t>inc</a:t>
             </a:r>
             <a:r>
-              <a:rPr kumimoji="0" lang="en-US" sz="1000" b="0" i="0" u="none" strike="noStrike" kern="1200" cap="none" spc="0" normalizeH="0" baseline="0" noProof="0" dirty="0">
+              <a:rPr kumimoji="0" lang="en-US" sz="1100" b="0" i="0" u="none" strike="noStrike" kern="1200" cap="none" spc="0" normalizeH="0" baseline="0" noProof="0" dirty="0">
                 <a:ln>
                   <a:noFill/>
                 </a:ln>
@@ -35650,7 +35707,7 @@
               <a:defRPr/>
             </a:pPr>
             <a:r>
-              <a:rPr kumimoji="0" lang="en-US" sz="1000" b="0" i="0" u="none" strike="noStrike" kern="1200" cap="none" spc="0" normalizeH="0" baseline="0" noProof="0" dirty="0">
+              <a:rPr kumimoji="0" lang="en-US" sz="1100" b="0" i="0" u="none" strike="noStrike" kern="1200" cap="none" spc="0" normalizeH="0" baseline="0" noProof="0" dirty="0">
                 <a:ln>
                   <a:noFill/>
                 </a:ln>
@@ -35663,10 +35720,10 @@
                 <a:ea typeface="+mn-ea"/>
                 <a:cs typeface="+mn-cs"/>
               </a:rPr>
-              <a:t>#define __</a:t>
-            </a:r>
-            <a:r>
-              <a:rPr kumimoji="0" lang="en-US" sz="1000" b="0" i="0" u="none" strike="noStrike" kern="1200" cap="none" spc="0" normalizeH="0" baseline="0" noProof="0" dirty="0" err="1">
+              <a:t>#define __xadd(</a:t>
+            </a:r>
+            <a:r>
+              <a:rPr kumimoji="0" lang="en-US" sz="1100" b="0" i="0" u="none" strike="noStrike" kern="1200" cap="none" spc="0" normalizeH="0" baseline="0" noProof="0" dirty="0" err="1">
                 <a:ln>
                   <a:noFill/>
                 </a:ln>
@@ -35679,10 +35736,10 @@
                 <a:ea typeface="+mn-ea"/>
                 <a:cs typeface="+mn-cs"/>
               </a:rPr>
-              <a:t>xadd</a:t>
-            </a:r>
-            <a:r>
-              <a:rPr kumimoji="0" lang="en-US" sz="1000" b="0" i="0" u="none" strike="noStrike" kern="1200" cap="none" spc="0" normalizeH="0" baseline="0" noProof="0" dirty="0">
+              <a:t>ptr</a:t>
+            </a:r>
+            <a:r>
+              <a:rPr kumimoji="0" lang="en-US" sz="1100" b="0" i="0" u="none" strike="noStrike" kern="1200" cap="none" spc="0" normalizeH="0" baseline="0" noProof="0" dirty="0">
                 <a:ln>
                   <a:noFill/>
                 </a:ln>
@@ -35695,10 +35752,10 @@
                 <a:ea typeface="+mn-ea"/>
                 <a:cs typeface="+mn-cs"/>
               </a:rPr>
-              <a:t>(</a:t>
-            </a:r>
-            <a:r>
-              <a:rPr kumimoji="0" lang="en-US" sz="1000" b="0" i="0" u="none" strike="noStrike" kern="1200" cap="none" spc="0" normalizeH="0" baseline="0" noProof="0" dirty="0" err="1">
+              <a:t>, </a:t>
+            </a:r>
+            <a:r>
+              <a:rPr kumimoji="0" lang="en-US" sz="1100" b="0" i="0" u="none" strike="noStrike" kern="1200" cap="none" spc="0" normalizeH="0" baseline="0" noProof="0" dirty="0" err="1">
                 <a:ln>
                   <a:noFill/>
                 </a:ln>
@@ -35711,10 +35768,10 @@
                 <a:ea typeface="+mn-ea"/>
                 <a:cs typeface="+mn-cs"/>
               </a:rPr>
-              <a:t>ptr</a:t>
-            </a:r>
-            <a:r>
-              <a:rPr kumimoji="0" lang="en-US" sz="1000" b="0" i="0" u="none" strike="noStrike" kern="1200" cap="none" spc="0" normalizeH="0" baseline="0" noProof="0" dirty="0">
+              <a:t>inc</a:t>
+            </a:r>
+            <a:r>
+              <a:rPr kumimoji="0" lang="en-US" sz="1100" b="0" i="0" u="none" strike="noStrike" kern="1200" cap="none" spc="0" normalizeH="0" baseline="0" noProof="0" dirty="0">
                 <a:ln>
                   <a:noFill/>
                 </a:ln>
@@ -35727,10 +35784,10 @@
                 <a:ea typeface="+mn-ea"/>
                 <a:cs typeface="+mn-cs"/>
               </a:rPr>
-              <a:t>, </a:t>
-            </a:r>
-            <a:r>
-              <a:rPr kumimoji="0" lang="en-US" sz="1000" b="0" i="0" u="none" strike="noStrike" kern="1200" cap="none" spc="0" normalizeH="0" baseline="0" noProof="0" dirty="0" err="1">
+              <a:t>, lock) __xchg_op((</a:t>
+            </a:r>
+            <a:r>
+              <a:rPr kumimoji="0" lang="en-US" sz="1100" b="0" i="0" u="none" strike="noStrike" kern="1200" cap="none" spc="0" normalizeH="0" baseline="0" noProof="0" dirty="0" err="1">
                 <a:ln>
                   <a:noFill/>
                 </a:ln>
@@ -35743,10 +35800,10 @@
                 <a:ea typeface="+mn-ea"/>
                 <a:cs typeface="+mn-cs"/>
               </a:rPr>
-              <a:t>inc</a:t>
-            </a:r>
-            <a:r>
-              <a:rPr kumimoji="0" lang="en-US" sz="1000" b="0" i="0" u="none" strike="noStrike" kern="1200" cap="none" spc="0" normalizeH="0" baseline="0" noProof="0" dirty="0">
+              <a:t>ptr</a:t>
+            </a:r>
+            <a:r>
+              <a:rPr kumimoji="0" lang="en-US" sz="1100" b="0" i="0" u="none" strike="noStrike" kern="1200" cap="none" spc="0" normalizeH="0" baseline="0" noProof="0" dirty="0">
                 <a:ln>
                   <a:noFill/>
                 </a:ln>
@@ -35759,10 +35816,10 @@
                 <a:ea typeface="+mn-ea"/>
                 <a:cs typeface="+mn-cs"/>
               </a:rPr>
-              <a:t>, lock) __</a:t>
-            </a:r>
-            <a:r>
-              <a:rPr kumimoji="0" lang="en-US" sz="1000" b="0" i="0" u="none" strike="noStrike" kern="1200" cap="none" spc="0" normalizeH="0" baseline="0" noProof="0" dirty="0" err="1">
+              <a:t>), (</a:t>
+            </a:r>
+            <a:r>
+              <a:rPr kumimoji="0" lang="en-US" sz="1100" b="0" i="0" u="none" strike="noStrike" kern="1200" cap="none" spc="0" normalizeH="0" baseline="0" noProof="0" dirty="0" err="1">
                 <a:ln>
                   <a:noFill/>
                 </a:ln>
@@ -35775,10 +35832,10 @@
                 <a:ea typeface="+mn-ea"/>
                 <a:cs typeface="+mn-cs"/>
               </a:rPr>
-              <a:t>xchg_op</a:t>
-            </a:r>
-            <a:r>
-              <a:rPr kumimoji="0" lang="en-US" sz="1000" b="0" i="0" u="none" strike="noStrike" kern="1200" cap="none" spc="0" normalizeH="0" baseline="0" noProof="0" dirty="0">
+              <a:t>inc</a:t>
+            </a:r>
+            <a:r>
+              <a:rPr kumimoji="0" lang="en-US" sz="1100" b="0" i="0" u="none" strike="noStrike" kern="1200" cap="none" spc="0" normalizeH="0" baseline="0" noProof="0" dirty="0">
                 <a:ln>
                   <a:noFill/>
                 </a:ln>
@@ -35791,103 +35848,7 @@
                 <a:ea typeface="+mn-ea"/>
                 <a:cs typeface="+mn-cs"/>
               </a:rPr>
-              <a:t>((</a:t>
-            </a:r>
-            <a:r>
-              <a:rPr kumimoji="0" lang="en-US" sz="1000" b="0" i="0" u="none" strike="noStrike" kern="1200" cap="none" spc="0" normalizeH="0" baseline="0" noProof="0" dirty="0" err="1">
-                <a:ln>
-                  <a:noFill/>
-                </a:ln>
-                <a:solidFill>
-                  <a:prstClr val="black"/>
-                </a:solidFill>
-                <a:effectLst/>
-                <a:uLnTx/>
-                <a:uFillTx/>
-                <a:ea typeface="+mn-ea"/>
-                <a:cs typeface="+mn-cs"/>
-              </a:rPr>
-              <a:t>ptr</a:t>
-            </a:r>
-            <a:r>
-              <a:rPr kumimoji="0" lang="en-US" sz="1000" b="0" i="0" u="none" strike="noStrike" kern="1200" cap="none" spc="0" normalizeH="0" baseline="0" noProof="0" dirty="0">
-                <a:ln>
-                  <a:noFill/>
-                </a:ln>
-                <a:solidFill>
-                  <a:prstClr val="black"/>
-                </a:solidFill>
-                <a:effectLst/>
-                <a:uLnTx/>
-                <a:uFillTx/>
-                <a:ea typeface="+mn-ea"/>
-                <a:cs typeface="+mn-cs"/>
-              </a:rPr>
-              <a:t>), (</a:t>
-            </a:r>
-            <a:r>
-              <a:rPr kumimoji="0" lang="en-US" sz="1000" b="0" i="0" u="none" strike="noStrike" kern="1200" cap="none" spc="0" normalizeH="0" baseline="0" noProof="0" dirty="0" err="1">
-                <a:ln>
-                  <a:noFill/>
-                </a:ln>
-                <a:solidFill>
-                  <a:prstClr val="black"/>
-                </a:solidFill>
-                <a:effectLst/>
-                <a:uLnTx/>
-                <a:uFillTx/>
-                <a:ea typeface="+mn-ea"/>
-                <a:cs typeface="+mn-cs"/>
-              </a:rPr>
-              <a:t>inc</a:t>
-            </a:r>
-            <a:r>
-              <a:rPr kumimoji="0" lang="en-US" sz="1000" b="0" i="0" u="none" strike="noStrike" kern="1200" cap="none" spc="0" normalizeH="0" baseline="0" noProof="0" dirty="0">
-                <a:ln>
-                  <a:noFill/>
-                </a:ln>
-                <a:solidFill>
-                  <a:prstClr val="black"/>
-                </a:solidFill>
-                <a:effectLst/>
-                <a:uLnTx/>
-                <a:uFillTx/>
-                <a:ea typeface="+mn-ea"/>
-                <a:cs typeface="+mn-cs"/>
-              </a:rPr>
-              <a:t>), </a:t>
-            </a:r>
-            <a:r>
-              <a:rPr kumimoji="0" lang="en-US" sz="1000" b="0" i="0" u="none" strike="noStrike" kern="1200" cap="none" spc="0" normalizeH="0" baseline="0" noProof="0" dirty="0" err="1">
-                <a:ln>
-                  <a:noFill/>
-                </a:ln>
-                <a:solidFill>
-                  <a:prstClr val="black"/>
-                </a:solidFill>
-                <a:effectLst/>
-                <a:uLnTx/>
-                <a:uFillTx/>
-                <a:ea typeface="+mn-ea"/>
-                <a:cs typeface="+mn-cs"/>
-              </a:rPr>
-              <a:t>xadd</a:t>
-            </a:r>
-            <a:r>
-              <a:rPr kumimoji="0" lang="en-US" sz="1000" b="0" i="0" u="none" strike="noStrike" kern="1200" cap="none" spc="0" normalizeH="0" baseline="0" noProof="0" dirty="0">
-                <a:ln>
-                  <a:noFill/>
-                </a:ln>
-                <a:solidFill>
-                  <a:prstClr val="black"/>
-                </a:solidFill>
-                <a:effectLst/>
-                <a:uLnTx/>
-                <a:uFillTx/>
-                <a:ea typeface="+mn-ea"/>
-                <a:cs typeface="+mn-cs"/>
-              </a:rPr>
-              <a:t>, lock)</a:t>
+              <a:t>), xadd, lock)</a:t>
             </a:r>
           </a:p>
           <a:p>
@@ -35909,7 +35870,7 @@
               <a:defRPr/>
             </a:pPr>
             <a:r>
-              <a:rPr kumimoji="0" lang="en-US" sz="1000" b="0" i="0" u="none" strike="noStrike" kern="1200" cap="none" spc="0" normalizeH="0" baseline="0" noProof="0" dirty="0">
+              <a:rPr kumimoji="0" lang="en-US" sz="1100" b="0" i="0" u="none" strike="noStrike" kern="1200" cap="none" spc="0" normalizeH="0" baseline="0" noProof="0" dirty="0">
                 <a:ln>
                   <a:noFill/>
                 </a:ln>
@@ -35925,7 +35886,7 @@
               <a:t>#define __</a:t>
             </a:r>
             <a:r>
-              <a:rPr kumimoji="0" lang="en-US" sz="1000" b="0" i="0" u="none" strike="noStrike" kern="1200" cap="none" spc="0" normalizeH="0" baseline="0" noProof="0" dirty="0" err="1">
+              <a:rPr kumimoji="0" lang="en-US" sz="1100" b="0" i="0" u="none" strike="noStrike" kern="1200" cap="none" spc="0" normalizeH="0" baseline="0" noProof="0" dirty="0" err="1">
                 <a:ln>
                   <a:noFill/>
                 </a:ln>
@@ -35941,7 +35902,7 @@
               <a:t>xchg_op</a:t>
             </a:r>
             <a:r>
-              <a:rPr kumimoji="0" lang="en-US" sz="1000" b="0" i="0" u="none" strike="noStrike" kern="1200" cap="none" spc="0" normalizeH="0" baseline="0" noProof="0" dirty="0">
+              <a:rPr kumimoji="0" lang="en-US" sz="1100" b="0" i="0" u="none" strike="noStrike" kern="1200" cap="none" spc="0" normalizeH="0" baseline="0" noProof="0" dirty="0">
                 <a:ln>
                   <a:noFill/>
                 </a:ln>
@@ -35957,7 +35918,7 @@
               <a:t>(</a:t>
             </a:r>
             <a:r>
-              <a:rPr kumimoji="0" lang="en-US" sz="1000" b="0" i="0" u="none" strike="noStrike" kern="1200" cap="none" spc="0" normalizeH="0" baseline="0" noProof="0" dirty="0" err="1">
+              <a:rPr kumimoji="0" lang="en-US" sz="1100" b="0" i="0" u="none" strike="noStrike" kern="1200" cap="none" spc="0" normalizeH="0" baseline="0" noProof="0" dirty="0" err="1">
                 <a:ln>
                   <a:noFill/>
                 </a:ln>
@@ -35973,7 +35934,7 @@
               <a:t>ptr</a:t>
             </a:r>
             <a:r>
-              <a:rPr kumimoji="0" lang="en-US" sz="1000" b="0" i="0" u="none" strike="noStrike" kern="1200" cap="none" spc="0" normalizeH="0" baseline="0" noProof="0" dirty="0">
+              <a:rPr kumimoji="0" lang="en-US" sz="1100" b="0" i="0" u="none" strike="noStrike" kern="1200" cap="none" spc="0" normalizeH="0" baseline="0" noProof="0" dirty="0">
                 <a:ln>
                   <a:noFill/>
                 </a:ln>
@@ -35989,7 +35950,7 @@
               <a:t>, </a:t>
             </a:r>
             <a:r>
-              <a:rPr kumimoji="0" lang="en-US" sz="1000" b="0" i="0" u="none" strike="noStrike" kern="1200" cap="none" spc="0" normalizeH="0" baseline="0" noProof="0" dirty="0" err="1">
+              <a:rPr kumimoji="0" lang="en-US" sz="1100" b="0" i="0" u="none" strike="noStrike" kern="1200" cap="none" spc="0" normalizeH="0" baseline="0" noProof="0" dirty="0" err="1">
                 <a:ln>
                   <a:noFill/>
                 </a:ln>
@@ -36005,7 +35966,7 @@
               <a:t>arg</a:t>
             </a:r>
             <a:r>
-              <a:rPr kumimoji="0" lang="en-US" sz="1000" b="0" i="0" u="none" strike="noStrike" kern="1200" cap="none" spc="0" normalizeH="0" baseline="0" noProof="0" dirty="0">
+              <a:rPr kumimoji="0" lang="en-US" sz="1100" b="0" i="0" u="none" strike="noStrike" kern="1200" cap="none" spc="0" normalizeH="0" baseline="0" noProof="0" dirty="0">
                 <a:ln>
                   <a:noFill/>
                 </a:ln>
@@ -36040,7 +36001,7 @@
               <a:defRPr/>
             </a:pPr>
             <a:r>
-              <a:rPr kumimoji="0" lang="en-US" sz="1000" b="0" i="0" u="none" strike="noStrike" kern="1200" cap="none" spc="0" normalizeH="0" baseline="0" noProof="0" dirty="0">
+              <a:rPr kumimoji="0" lang="en-US" sz="1100" b="0" i="0" u="none" strike="noStrike" kern="1200" cap="none" spc="0" normalizeH="0" baseline="0" noProof="0" dirty="0">
                 <a:ln>
                   <a:noFill/>
                 </a:ln>
@@ -36075,7 +36036,7 @@
               <a:defRPr/>
             </a:pPr>
             <a:r>
-              <a:rPr kumimoji="0" lang="en-US" sz="1000" b="0" i="0" u="none" strike="noStrike" kern="1200" cap="none" spc="0" normalizeH="0" baseline="0" noProof="0" dirty="0">
+              <a:rPr kumimoji="0" lang="en-US" sz="1100" b="0" i="0" u="none" strike="noStrike" kern="1200" cap="none" spc="0" normalizeH="0" baseline="0" noProof="0" dirty="0">
                 <a:ln>
                   <a:noFill/>
                 </a:ln>
@@ -36091,7 +36052,7 @@
               <a:t>__</a:t>
             </a:r>
             <a:r>
-              <a:rPr kumimoji="0" lang="en-US" sz="1000" b="0" i="0" u="none" strike="noStrike" kern="1200" cap="none" spc="0" normalizeH="0" baseline="0" noProof="0" dirty="0" err="1">
+              <a:rPr kumimoji="0" lang="en-US" sz="1100" b="0" i="0" u="none" strike="noStrike" kern="1200" cap="none" spc="0" normalizeH="0" baseline="0" noProof="0" dirty="0" err="1">
                 <a:ln>
                   <a:noFill/>
                 </a:ln>
@@ -36107,7 +36068,7 @@
               <a:t>typeof</a:t>
             </a:r>
             <a:r>
-              <a:rPr kumimoji="0" lang="en-US" sz="1000" b="0" i="0" u="none" strike="noStrike" kern="1200" cap="none" spc="0" normalizeH="0" baseline="0" noProof="0" dirty="0">
+              <a:rPr kumimoji="0" lang="en-US" sz="1100" b="0" i="0" u="none" strike="noStrike" kern="1200" cap="none" spc="0" normalizeH="0" baseline="0" noProof="0" dirty="0">
                 <a:ln>
                   <a:noFill/>
                 </a:ln>
@@ -36123,7 +36084,7 @@
               <a:t>__ (*(</a:t>
             </a:r>
             <a:r>
-              <a:rPr kumimoji="0" lang="en-US" sz="1000" b="0" i="0" u="none" strike="noStrike" kern="1200" cap="none" spc="0" normalizeH="0" baseline="0" noProof="0" dirty="0" err="1">
+              <a:rPr kumimoji="0" lang="en-US" sz="1100" b="0" i="0" u="none" strike="noStrike" kern="1200" cap="none" spc="0" normalizeH="0" baseline="0" noProof="0" dirty="0" err="1">
                 <a:ln>
                   <a:noFill/>
                 </a:ln>
@@ -36139,7 +36100,7 @@
               <a:t>ptr</a:t>
             </a:r>
             <a:r>
-              <a:rPr kumimoji="0" lang="en-US" sz="1000" b="0" i="0" u="none" strike="noStrike" kern="1200" cap="none" spc="0" normalizeH="0" baseline="0" noProof="0" dirty="0">
+              <a:rPr kumimoji="0" lang="en-US" sz="1100" b="0" i="0" u="none" strike="noStrike" kern="1200" cap="none" spc="0" normalizeH="0" baseline="0" noProof="0" dirty="0">
                 <a:ln>
                   <a:noFill/>
                 </a:ln>
@@ -36155,7 +36116,7 @@
               <a:t>)) __ret = (</a:t>
             </a:r>
             <a:r>
-              <a:rPr kumimoji="0" lang="en-US" sz="1000" b="0" i="0" u="none" strike="noStrike" kern="1200" cap="none" spc="0" normalizeH="0" baseline="0" noProof="0" dirty="0" err="1">
+              <a:rPr kumimoji="0" lang="en-US" sz="1100" b="0" i="0" u="none" strike="noStrike" kern="1200" cap="none" spc="0" normalizeH="0" baseline="0" noProof="0" dirty="0" err="1">
                 <a:ln>
                   <a:noFill/>
                 </a:ln>
@@ -36171,7 +36132,7 @@
               <a:t>arg</a:t>
             </a:r>
             <a:r>
-              <a:rPr kumimoji="0" lang="en-US" sz="1000" b="0" i="0" u="none" strike="noStrike" kern="1200" cap="none" spc="0" normalizeH="0" baseline="0" noProof="0" dirty="0">
+              <a:rPr kumimoji="0" lang="en-US" sz="1100" b="0" i="0" u="none" strike="noStrike" kern="1200" cap="none" spc="0" normalizeH="0" baseline="0" noProof="0" dirty="0">
                 <a:ln>
                   <a:noFill/>
                 </a:ln>
@@ -36206,7 +36167,7 @@
               <a:defRPr/>
             </a:pPr>
             <a:r>
-              <a:rPr kumimoji="0" lang="en-US" sz="1000" b="0" i="0" u="none" strike="noStrike" kern="1200" cap="none" spc="0" normalizeH="0" baseline="0" noProof="0" dirty="0">
+              <a:rPr kumimoji="0" lang="en-US" sz="1100" b="0" i="0" u="none" strike="noStrike" kern="1200" cap="none" spc="0" normalizeH="0" baseline="0" noProof="0" dirty="0">
                 <a:ln>
                   <a:noFill/>
                 </a:ln>
@@ -36222,7 +36183,7 @@
               <a:t>switch (</a:t>
             </a:r>
             <a:r>
-              <a:rPr kumimoji="0" lang="en-US" sz="1000" b="0" i="0" u="none" strike="noStrike" kern="1200" cap="none" spc="0" normalizeH="0" baseline="0" noProof="0" dirty="0" err="1">
+              <a:rPr kumimoji="0" lang="en-US" sz="1100" b="0" i="0" u="none" strike="noStrike" kern="1200" cap="none" spc="0" normalizeH="0" baseline="0" noProof="0" dirty="0" err="1">
                 <a:ln>
                   <a:noFill/>
                 </a:ln>
@@ -36238,7 +36199,7 @@
               <a:t>sizeof</a:t>
             </a:r>
             <a:r>
-              <a:rPr kumimoji="0" lang="en-US" sz="1000" b="0" i="0" u="none" strike="noStrike" kern="1200" cap="none" spc="0" normalizeH="0" baseline="0" noProof="0" dirty="0">
+              <a:rPr kumimoji="0" lang="en-US" sz="1100" b="0" i="0" u="none" strike="noStrike" kern="1200" cap="none" spc="0" normalizeH="0" baseline="0" noProof="0" dirty="0">
                 <a:ln>
                   <a:noFill/>
                 </a:ln>
@@ -36254,7 +36215,7 @@
               <a:t>(*(</a:t>
             </a:r>
             <a:r>
-              <a:rPr kumimoji="0" lang="en-US" sz="1000" b="0" i="0" u="none" strike="noStrike" kern="1200" cap="none" spc="0" normalizeH="0" baseline="0" noProof="0" dirty="0" err="1">
+              <a:rPr kumimoji="0" lang="en-US" sz="1100" b="0" i="0" u="none" strike="noStrike" kern="1200" cap="none" spc="0" normalizeH="0" baseline="0" noProof="0" dirty="0" err="1">
                 <a:ln>
                   <a:noFill/>
                 </a:ln>
@@ -36270,7 +36231,7 @@
               <a:t>ptr</a:t>
             </a:r>
             <a:r>
-              <a:rPr kumimoji="0" lang="en-US" sz="1000" b="0" i="0" u="none" strike="noStrike" kern="1200" cap="none" spc="0" normalizeH="0" baseline="0" noProof="0" dirty="0">
+              <a:rPr kumimoji="0" lang="en-US" sz="1100" b="0" i="0" u="none" strike="noStrike" kern="1200" cap="none" spc="0" normalizeH="0" baseline="0" noProof="0" dirty="0">
                 <a:ln>
                   <a:noFill/>
                 </a:ln>
@@ -36305,7 +36266,7 @@
               <a:defRPr/>
             </a:pPr>
             <a:r>
-              <a:rPr kumimoji="0" lang="en-US" sz="1000" b="0" i="0" u="none" strike="noStrike" kern="1200" cap="none" spc="0" normalizeH="0" baseline="0" noProof="0" dirty="0">
+              <a:rPr kumimoji="0" lang="en-US" sz="1100" b="0" i="0" u="none" strike="noStrike" kern="1200" cap="none" spc="0" normalizeH="0" baseline="0" noProof="0" dirty="0">
                 <a:ln>
                   <a:noFill/>
                 </a:ln>
@@ -36340,7 +36301,7 @@
               <a:defRPr/>
             </a:pPr>
             <a:r>
-              <a:rPr kumimoji="0" lang="en-US" sz="1000" b="0" i="0" u="none" strike="noStrike" kern="1200" cap="none" spc="0" normalizeH="0" baseline="0" noProof="0" dirty="0" err="1">
+              <a:rPr kumimoji="0" lang="en-US" sz="1100" b="0" i="0" u="none" strike="noStrike" kern="1200" cap="none" spc="0" normalizeH="0" baseline="0" noProof="0" dirty="0" err="1">
                 <a:ln>
                   <a:noFill/>
                 </a:ln>
@@ -36356,7 +36317,7 @@
               <a:t>asm</a:t>
             </a:r>
             <a:r>
-              <a:rPr kumimoji="0" lang="en-US" sz="1000" b="0" i="0" u="none" strike="noStrike" kern="1200" cap="none" spc="0" normalizeH="0" baseline="0" noProof="0" dirty="0">
+              <a:rPr kumimoji="0" lang="en-US" sz="1100" b="0" i="0" u="none" strike="noStrike" kern="1200" cap="none" spc="0" normalizeH="0" baseline="0" noProof="0" dirty="0">
                 <a:ln>
                   <a:noFill/>
                 </a:ln>
@@ -36372,7 +36333,7 @@
               <a:t> </a:t>
             </a:r>
             <a:r>
-              <a:rPr kumimoji="0" lang="en-US" sz="1000" b="1" i="0" u="none" strike="noStrike" kern="1200" cap="none" spc="0" normalizeH="0" baseline="0" noProof="0" dirty="0">
+              <a:rPr kumimoji="0" lang="en-US" sz="1100" b="1" i="0" u="none" strike="noStrike" kern="1200" cap="none" spc="0" normalizeH="0" baseline="0" noProof="0" dirty="0">
                 <a:ln>
                   <a:noFill/>
                 </a:ln>
@@ -36388,7 +36349,7 @@
               <a:t>volatile (lock #op </a:t>
             </a:r>
             <a:r>
-              <a:rPr kumimoji="0" lang="en-US" sz="1000" b="0" i="0" u="none" strike="noStrike" kern="1200" cap="none" spc="0" normalizeH="0" baseline="0" noProof="0" dirty="0">
+              <a:rPr kumimoji="0" lang="en-US" sz="1100" b="0" i="0" u="none" strike="noStrike" kern="1200" cap="none" spc="0" normalizeH="0" baseline="0" noProof="0" dirty="0">
                 <a:ln>
                   <a:noFill/>
                 </a:ln>
@@ -36423,7 +36384,7 @@
               <a:defRPr/>
             </a:pPr>
             <a:r>
-              <a:rPr kumimoji="0" lang="en-US" sz="1000" b="0" i="0" u="none" strike="noStrike" kern="1200" cap="none" spc="0" normalizeH="0" baseline="0" noProof="0" dirty="0">
+              <a:rPr kumimoji="0" lang="en-US" sz="1100" b="0" i="0" u="none" strike="noStrike" kern="1200" cap="none" spc="0" normalizeH="0" baseline="0" noProof="0" dirty="0">
                 <a:ln>
                   <a:noFill/>
                 </a:ln>
@@ -36439,7 +36400,7 @@
               <a:t>: "+q" (__ret), "+m" (*(</a:t>
             </a:r>
             <a:r>
-              <a:rPr kumimoji="0" lang="en-US" sz="1000" b="0" i="0" u="none" strike="noStrike" kern="1200" cap="none" spc="0" normalizeH="0" baseline="0" noProof="0" dirty="0" err="1">
+              <a:rPr kumimoji="0" lang="en-US" sz="1100" b="0" i="0" u="none" strike="noStrike" kern="1200" cap="none" spc="0" normalizeH="0" baseline="0" noProof="0" dirty="0" err="1">
                 <a:ln>
                   <a:noFill/>
                 </a:ln>
@@ -36455,7 +36416,7 @@
               <a:t>ptr</a:t>
             </a:r>
             <a:r>
-              <a:rPr kumimoji="0" lang="en-US" sz="1000" b="0" i="0" u="none" strike="noStrike" kern="1200" cap="none" spc="0" normalizeH="0" baseline="0" noProof="0" dirty="0">
+              <a:rPr kumimoji="0" lang="en-US" sz="1100" b="0" i="0" u="none" strike="noStrike" kern="1200" cap="none" spc="0" normalizeH="0" baseline="0" noProof="0" dirty="0">
                 <a:ln>
                   <a:noFill/>
                 </a:ln>
@@ -36490,7 +36451,7 @@
               <a:defRPr/>
             </a:pPr>
             <a:r>
-              <a:rPr kumimoji="0" lang="en-US" sz="1000" b="0" i="0" u="none" strike="noStrike" kern="1200" cap="none" spc="0" normalizeH="0" baseline="0" noProof="0" dirty="0">
+              <a:rPr kumimoji="0" lang="en-US" sz="1100" b="0" i="0" u="none" strike="noStrike" kern="1200" cap="none" spc="0" normalizeH="0" baseline="0" noProof="0" dirty="0">
                 <a:ln>
                   <a:noFill/>
                 </a:ln>
@@ -36525,7 +36486,7 @@
               <a:defRPr/>
             </a:pPr>
             <a:r>
-              <a:rPr kumimoji="0" lang="en-US" sz="1000" b="0" i="0" u="none" strike="noStrike" kern="1200" cap="none" spc="0" normalizeH="0" baseline="0" noProof="0" dirty="0">
+              <a:rPr kumimoji="0" lang="en-US" sz="1100" b="0" i="0" u="none" strike="noStrike" kern="1200" cap="none" spc="0" normalizeH="0" baseline="0" noProof="0" dirty="0">
                 <a:ln>
                   <a:noFill/>
                 </a:ln>
@@ -36645,15 +36606,7 @@
             </a:pPr>
             <a:r>
               <a:rPr lang="en-US" sz="1600" dirty="0"/>
-              <a:t>The LOCK # signal is asserted during execution of the instruction following the </a:t>
-            </a:r>
-            <a:r>
-              <a:rPr lang="en-US" sz="1600" b="1" dirty="0"/>
-              <a:t>LOCK_PREFIX</a:t>
-            </a:r>
-            <a:r>
-              <a:rPr lang="en-US" sz="1600" dirty="0"/>
-              <a:t>. This signal can be used in a multiprocessor system to ensure exclusive use of shared memory while LOCK # is asserted.</a:t>
+              <a:t>The LOCK_PREFIX is the key to making the multiple instructions atomic, In this way the CPU cannot be preempted before the operation takes effect. It prevents processors from writing to the same memory location at the same time. This ensures that the processor has exclusive use of any shared memory. This makes sure that the 3 steps (READ, MODIFY and WRITE) appears as a single step to other processors.</a:t>
             </a:r>
           </a:p>
           <a:p>
@@ -36662,7 +36615,15 @@
             </a:pPr>
             <a:r>
               <a:rPr lang="en-US" sz="1600" dirty="0"/>
-              <a:t>The LOCK_PREFIX is the key to making the multiple instructions atomic, In this way the CPU cannot be preempted before the operation takes effect. It prevents processors from writing to the same memory location at the same time. This ensures that the processor has exclusive use of any shared memory. This makes sure that the 3 steps (READ, MODIFY and WRITE) appears as a single step to other processors.</a:t>
+              <a:t>The LOCK # signal is asserted during execution of the instruction following the </a:t>
+            </a:r>
+            <a:r>
+              <a:rPr lang="en-US" sz="1600" b="1" dirty="0"/>
+              <a:t>LOCK_PREFIX</a:t>
+            </a:r>
+            <a:r>
+              <a:rPr lang="en-US" sz="1600" dirty="0"/>
+              <a:t>. This signal can be used in a multiprocessor system to ensure exclusive use of shared memory while LOCK # is asserted.</a:t>
             </a:r>
           </a:p>
           <a:p>
@@ -36671,7 +36632,15 @@
             </a:pPr>
             <a:r>
               <a:rPr lang="en-US" sz="1600" dirty="0"/>
-              <a:t>In older generation architectures, the LOCK_PREFIX was executed by asserting a lock on the bus, which came with a big hit in performance. But with newer architectures, the lock is asserted on the cache line. This change, along with the cache coherency protocol, ensures that the access to the shared memory is managed. </a:t>
+              <a:t>In older generation architectures, the LOCK_PREFIX was executed by asserting a lock on the bus, which came with a big hit in performance. But with newer architectures, the lock is asserted on the cache line. This change, along with the </a:t>
+            </a:r>
+            <a:r>
+              <a:rPr lang="en-US" sz="1600" b="1" dirty="0"/>
+              <a:t>cache coherency protocol</a:t>
+            </a:r>
+            <a:r>
+              <a:rPr lang="en-US" sz="1600" dirty="0"/>
+              <a:t>, ensures that the access to the shared memory is managed. </a:t>
             </a:r>
             <a:br>
               <a:rPr lang="en-US" sz="1600" dirty="0"/>
@@ -37371,7 +37340,7 @@
         <p:spPr>
           <a:xfrm>
             <a:off x="639856" y="1469278"/>
-            <a:ext cx="3999379" cy="2865344"/>
+            <a:ext cx="3999379" cy="2398560"/>
           </a:xfrm>
         </p:spPr>
         <p:txBody>
@@ -37395,12 +37364,17 @@
             <a:endParaRPr lang="en-IN" sz="1600" dirty="0"/>
           </a:p>
           <a:p>
-            <a:endParaRPr lang="en-IN" sz="1600" dirty="0"/>
-          </a:p>
-          <a:p>
             <a:r>
               <a:rPr lang="en-IN" sz="1600" dirty="0"/>
-              <a:t>Intel Architecture mentioning the lock prefix</a:t>
+              <a:t>Intel Architecture </a:t>
+            </a:r>
+            <a:r>
+              <a:rPr lang="en-IN" sz="1600" dirty="0" err="1"/>
+              <a:t>Sofware</a:t>
+            </a:r>
+            <a:r>
+              <a:rPr lang="en-IN" sz="1600" dirty="0"/>
+              <a:t> Development manual  mentioning the lock prefix</a:t>
             </a:r>
           </a:p>
         </p:txBody>

--- a/locking_presentation.pptx
+++ b/locking_presentation.pptx
@@ -4,6 +4,9 @@
   <p:sldMasterIdLst>
     <p:sldMasterId id="2147483837" r:id="rId1"/>
   </p:sldMasterIdLst>
+  <p:notesMasterIdLst>
+    <p:notesMasterId r:id="rId23"/>
+  </p:notesMasterIdLst>
   <p:sldIdLst>
     <p:sldId id="256" r:id="rId2"/>
     <p:sldId id="257" r:id="rId3"/>
@@ -15,16 +18,16 @@
     <p:sldId id="276" r:id="rId9"/>
     <p:sldId id="277" r:id="rId10"/>
     <p:sldId id="278" r:id="rId11"/>
-    <p:sldId id="281" r:id="rId12"/>
-    <p:sldId id="267" r:id="rId13"/>
-    <p:sldId id="269" r:id="rId14"/>
-    <p:sldId id="270" r:id="rId15"/>
-    <p:sldId id="259" r:id="rId16"/>
-    <p:sldId id="261" r:id="rId17"/>
-    <p:sldId id="262" r:id="rId18"/>
-    <p:sldId id="264" r:id="rId19"/>
-    <p:sldId id="265" r:id="rId20"/>
-    <p:sldId id="266" r:id="rId21"/>
+    <p:sldId id="267" r:id="rId12"/>
+    <p:sldId id="269" r:id="rId13"/>
+    <p:sldId id="270" r:id="rId14"/>
+    <p:sldId id="259" r:id="rId15"/>
+    <p:sldId id="261" r:id="rId16"/>
+    <p:sldId id="262" r:id="rId17"/>
+    <p:sldId id="264" r:id="rId18"/>
+    <p:sldId id="265" r:id="rId19"/>
+    <p:sldId id="266" r:id="rId20"/>
+    <p:sldId id="282" r:id="rId21"/>
     <p:sldId id="260" r:id="rId22"/>
   </p:sldIdLst>
   <p:sldSz cx="12192000" cy="6858000"/>
@@ -137,6 +140,7 @@
   <p1510:revLst>
     <p1510:client id="{0C515424-EDB5-475B-B24F-ABBDA471448B}" v="18" dt="2022-09-29T10:56:02.967"/>
     <p1510:client id="{2C038B3A-F1B7-4238-B647-8AB985A1FEED}" v="12" dt="2022-09-29T14:49:27.173"/>
+    <p1510:client id="{69F5CBEB-73AA-4B42-9323-4AD42EDDED91}" v="10" dt="2022-09-30T07:02:25.273"/>
     <p1510:client id="{737009F9-D83C-476D-91FF-E926987C79A6}" v="59" dt="2022-09-29T10:42:30.627"/>
   </p1510:revLst>
 </p1510:revInfo>
@@ -2288,6 +2292,374 @@
     </pc:docChg>
   </pc:docChgLst>
   <pc:docChgLst>
+    <pc:chgData name="Kundan Kumar" userId="ab2bca91-7a91-4a33-8866-eb3a7b1ec69d" providerId="ADAL" clId="{69F5CBEB-73AA-4B42-9323-4AD42EDDED91}"/>
+    <pc:docChg chg="undo custSel addSld delSld modSld">
+      <pc:chgData name="Kundan Kumar" userId="ab2bca91-7a91-4a33-8866-eb3a7b1ec69d" providerId="ADAL" clId="{69F5CBEB-73AA-4B42-9323-4AD42EDDED91}" dt="2022-09-30T07:25:19.634" v="788" actId="47"/>
+      <pc:docMkLst>
+        <pc:docMk/>
+      </pc:docMkLst>
+      <pc:sldChg chg="modSp mod">
+        <pc:chgData name="Kundan Kumar" userId="ab2bca91-7a91-4a33-8866-eb3a7b1ec69d" providerId="ADAL" clId="{69F5CBEB-73AA-4B42-9323-4AD42EDDED91}" dt="2022-09-30T07:00:42.647" v="624" actId="20577"/>
+        <pc:sldMkLst>
+          <pc:docMk/>
+          <pc:sldMk cId="1314695903" sldId="259"/>
+        </pc:sldMkLst>
+        <pc:spChg chg="mod">
+          <ac:chgData name="Kundan Kumar" userId="ab2bca91-7a91-4a33-8866-eb3a7b1ec69d" providerId="ADAL" clId="{69F5CBEB-73AA-4B42-9323-4AD42EDDED91}" dt="2022-09-30T07:00:42.647" v="624" actId="20577"/>
+          <ac:spMkLst>
+            <pc:docMk/>
+            <pc:sldMk cId="1314695903" sldId="259"/>
+            <ac:spMk id="3" creationId="{6444B23A-E489-5E22-3602-A4FFABA64BAF}"/>
+          </ac:spMkLst>
+        </pc:spChg>
+      </pc:sldChg>
+      <pc:sldChg chg="modSp mod">
+        <pc:chgData name="Kundan Kumar" userId="ab2bca91-7a91-4a33-8866-eb3a7b1ec69d" providerId="ADAL" clId="{69F5CBEB-73AA-4B42-9323-4AD42EDDED91}" dt="2022-09-30T07:07:27.294" v="787" actId="27636"/>
+        <pc:sldMkLst>
+          <pc:docMk/>
+          <pc:sldMk cId="1265102223" sldId="260"/>
+        </pc:sldMkLst>
+        <pc:spChg chg="mod">
+          <ac:chgData name="Kundan Kumar" userId="ab2bca91-7a91-4a33-8866-eb3a7b1ec69d" providerId="ADAL" clId="{69F5CBEB-73AA-4B42-9323-4AD42EDDED91}" dt="2022-09-30T07:07:27.294" v="787" actId="27636"/>
+          <ac:spMkLst>
+            <pc:docMk/>
+            <pc:sldMk cId="1265102223" sldId="260"/>
+            <ac:spMk id="3" creationId="{2AF885F5-5805-79F8-354D-35CB7A0A7491}"/>
+          </ac:spMkLst>
+        </pc:spChg>
+      </pc:sldChg>
+      <pc:sldChg chg="modSp mod">
+        <pc:chgData name="Kundan Kumar" userId="ab2bca91-7a91-4a33-8866-eb3a7b1ec69d" providerId="ADAL" clId="{69F5CBEB-73AA-4B42-9323-4AD42EDDED91}" dt="2022-09-30T03:10:22.233" v="285" actId="20577"/>
+        <pc:sldMkLst>
+          <pc:docMk/>
+          <pc:sldMk cId="2718100792" sldId="262"/>
+        </pc:sldMkLst>
+        <pc:spChg chg="mod">
+          <ac:chgData name="Kundan Kumar" userId="ab2bca91-7a91-4a33-8866-eb3a7b1ec69d" providerId="ADAL" clId="{69F5CBEB-73AA-4B42-9323-4AD42EDDED91}" dt="2022-09-30T03:10:22.233" v="285" actId="20577"/>
+          <ac:spMkLst>
+            <pc:docMk/>
+            <pc:sldMk cId="2718100792" sldId="262"/>
+            <ac:spMk id="3" creationId="{6444B23A-E489-5E22-3602-A4FFABA64BAF}"/>
+          </ac:spMkLst>
+        </pc:spChg>
+      </pc:sldChg>
+      <pc:sldChg chg="addSp modSp mod">
+        <pc:chgData name="Kundan Kumar" userId="ab2bca91-7a91-4a33-8866-eb3a7b1ec69d" providerId="ADAL" clId="{69F5CBEB-73AA-4B42-9323-4AD42EDDED91}" dt="2022-09-30T07:03:44.605" v="691" actId="20577"/>
+        <pc:sldMkLst>
+          <pc:docMk/>
+          <pc:sldMk cId="4035161624" sldId="264"/>
+        </pc:sldMkLst>
+        <pc:spChg chg="add mod">
+          <ac:chgData name="Kundan Kumar" userId="ab2bca91-7a91-4a33-8866-eb3a7b1ec69d" providerId="ADAL" clId="{69F5CBEB-73AA-4B42-9323-4AD42EDDED91}" dt="2022-09-30T07:03:44.605" v="691" actId="20577"/>
+          <ac:spMkLst>
+            <pc:docMk/>
+            <pc:sldMk cId="4035161624" sldId="264"/>
+            <ac:spMk id="4" creationId="{2845220A-AE76-BA34-0EC9-00C3B6DE9B58}"/>
+          </ac:spMkLst>
+        </pc:spChg>
+      </pc:sldChg>
+      <pc:sldChg chg="modSp mod">
+        <pc:chgData name="Kundan Kumar" userId="ab2bca91-7a91-4a33-8866-eb3a7b1ec69d" providerId="ADAL" clId="{69F5CBEB-73AA-4B42-9323-4AD42EDDED91}" dt="2022-09-30T03:13:11.677" v="339" actId="113"/>
+        <pc:sldMkLst>
+          <pc:docMk/>
+          <pc:sldMk cId="2187130312" sldId="265"/>
+        </pc:sldMkLst>
+        <pc:spChg chg="mod">
+          <ac:chgData name="Kundan Kumar" userId="ab2bca91-7a91-4a33-8866-eb3a7b1ec69d" providerId="ADAL" clId="{69F5CBEB-73AA-4B42-9323-4AD42EDDED91}" dt="2022-09-30T03:11:44.936" v="314" actId="20577"/>
+          <ac:spMkLst>
+            <pc:docMk/>
+            <pc:sldMk cId="2187130312" sldId="265"/>
+            <ac:spMk id="2" creationId="{C2D9662A-EA21-10DC-8DA2-DFC9D65B883B}"/>
+          </ac:spMkLst>
+        </pc:spChg>
+        <pc:spChg chg="mod">
+          <ac:chgData name="Kundan Kumar" userId="ab2bca91-7a91-4a33-8866-eb3a7b1ec69d" providerId="ADAL" clId="{69F5CBEB-73AA-4B42-9323-4AD42EDDED91}" dt="2022-09-30T03:13:11.677" v="339" actId="113"/>
+          <ac:spMkLst>
+            <pc:docMk/>
+            <pc:sldMk cId="2187130312" sldId="265"/>
+            <ac:spMk id="3" creationId="{6444B23A-E489-5E22-3602-A4FFABA64BAF}"/>
+          </ac:spMkLst>
+        </pc:spChg>
+      </pc:sldChg>
+      <pc:sldChg chg="modSp mod modNotesTx">
+        <pc:chgData name="Kundan Kumar" userId="ab2bca91-7a91-4a33-8866-eb3a7b1ec69d" providerId="ADAL" clId="{69F5CBEB-73AA-4B42-9323-4AD42EDDED91}" dt="2022-09-30T03:14:12.694" v="350"/>
+        <pc:sldMkLst>
+          <pc:docMk/>
+          <pc:sldMk cId="718819398" sldId="266"/>
+        </pc:sldMkLst>
+        <pc:spChg chg="mod">
+          <ac:chgData name="Kundan Kumar" userId="ab2bca91-7a91-4a33-8866-eb3a7b1ec69d" providerId="ADAL" clId="{69F5CBEB-73AA-4B42-9323-4AD42EDDED91}" dt="2022-09-30T03:14:10.196" v="349" actId="27636"/>
+          <ac:spMkLst>
+            <pc:docMk/>
+            <pc:sldMk cId="718819398" sldId="266"/>
+            <ac:spMk id="3" creationId="{6444B23A-E489-5E22-3602-A4FFABA64BAF}"/>
+          </ac:spMkLst>
+        </pc:spChg>
+        <pc:spChg chg="mod">
+          <ac:chgData name="Kundan Kumar" userId="ab2bca91-7a91-4a33-8866-eb3a7b1ec69d" providerId="ADAL" clId="{69F5CBEB-73AA-4B42-9323-4AD42EDDED91}" dt="2022-09-30T02:54:38.847" v="251" actId="20577"/>
+          <ac:spMkLst>
+            <pc:docMk/>
+            <pc:sldMk cId="718819398" sldId="266"/>
+            <ac:spMk id="4" creationId="{9E9330EB-B43A-B519-5889-46F87CA7BDE9}"/>
+          </ac:spMkLst>
+        </pc:spChg>
+        <pc:spChg chg="mod">
+          <ac:chgData name="Kundan Kumar" userId="ab2bca91-7a91-4a33-8866-eb3a7b1ec69d" providerId="ADAL" clId="{69F5CBEB-73AA-4B42-9323-4AD42EDDED91}" dt="2022-09-30T02:54:44.610" v="259" actId="20577"/>
+          <ac:spMkLst>
+            <pc:docMk/>
+            <pc:sldMk cId="718819398" sldId="266"/>
+            <ac:spMk id="5" creationId="{AA0F6B38-875E-A347-BB9D-72FCB8D970C1}"/>
+          </ac:spMkLst>
+        </pc:spChg>
+        <pc:spChg chg="mod">
+          <ac:chgData name="Kundan Kumar" userId="ab2bca91-7a91-4a33-8866-eb3a7b1ec69d" providerId="ADAL" clId="{69F5CBEB-73AA-4B42-9323-4AD42EDDED91}" dt="2022-09-30T02:54:50.585" v="269" actId="20577"/>
+          <ac:spMkLst>
+            <pc:docMk/>
+            <pc:sldMk cId="718819398" sldId="266"/>
+            <ac:spMk id="6" creationId="{4CF13132-CD4D-F4ED-8E99-A94406DBD605}"/>
+          </ac:spMkLst>
+        </pc:spChg>
+      </pc:sldChg>
+      <pc:sldChg chg="addSp modSp mod">
+        <pc:chgData name="Kundan Kumar" userId="ab2bca91-7a91-4a33-8866-eb3a7b1ec69d" providerId="ADAL" clId="{69F5CBEB-73AA-4B42-9323-4AD42EDDED91}" dt="2022-09-30T06:59:07.102" v="576" actId="20577"/>
+        <pc:sldMkLst>
+          <pc:docMk/>
+          <pc:sldMk cId="2091726574" sldId="270"/>
+        </pc:sldMkLst>
+        <pc:spChg chg="add mod">
+          <ac:chgData name="Kundan Kumar" userId="ab2bca91-7a91-4a33-8866-eb3a7b1ec69d" providerId="ADAL" clId="{69F5CBEB-73AA-4B42-9323-4AD42EDDED91}" dt="2022-09-30T06:59:07.102" v="576" actId="20577"/>
+          <ac:spMkLst>
+            <pc:docMk/>
+            <pc:sldMk cId="2091726574" sldId="270"/>
+            <ac:spMk id="5" creationId="{9C1483CC-BBC7-B73E-E8BE-5E8B167ADA96}"/>
+          </ac:spMkLst>
+        </pc:spChg>
+      </pc:sldChg>
+      <pc:sldChg chg="del">
+        <pc:chgData name="Kundan Kumar" userId="ab2bca91-7a91-4a33-8866-eb3a7b1ec69d" providerId="ADAL" clId="{69F5CBEB-73AA-4B42-9323-4AD42EDDED91}" dt="2022-09-30T07:25:19.634" v="788" actId="47"/>
+        <pc:sldMkLst>
+          <pc:docMk/>
+          <pc:sldMk cId="4082854983" sldId="281"/>
+        </pc:sldMkLst>
+      </pc:sldChg>
+      <pc:sldChg chg="addSp delSp modSp add mod">
+        <pc:chgData name="Kundan Kumar" userId="ab2bca91-7a91-4a33-8866-eb3a7b1ec69d" providerId="ADAL" clId="{69F5CBEB-73AA-4B42-9323-4AD42EDDED91}" dt="2022-09-30T07:07:06.668" v="784" actId="20577"/>
+        <pc:sldMkLst>
+          <pc:docMk/>
+          <pc:sldMk cId="702652357" sldId="282"/>
+        </pc:sldMkLst>
+        <pc:spChg chg="mod">
+          <ac:chgData name="Kundan Kumar" userId="ab2bca91-7a91-4a33-8866-eb3a7b1ec69d" providerId="ADAL" clId="{69F5CBEB-73AA-4B42-9323-4AD42EDDED91}" dt="2022-09-29T17:05:51.973" v="20" actId="20577"/>
+          <ac:spMkLst>
+            <pc:docMk/>
+            <pc:sldMk cId="702652357" sldId="282"/>
+            <ac:spMk id="2" creationId="{C2D9662A-EA21-10DC-8DA2-DFC9D65B883B}"/>
+          </ac:spMkLst>
+        </pc:spChg>
+        <pc:spChg chg="mod">
+          <ac:chgData name="Kundan Kumar" userId="ab2bca91-7a91-4a33-8866-eb3a7b1ec69d" providerId="ADAL" clId="{69F5CBEB-73AA-4B42-9323-4AD42EDDED91}" dt="2022-09-30T07:05:45.881" v="703" actId="20577"/>
+          <ac:spMkLst>
+            <pc:docMk/>
+            <pc:sldMk cId="702652357" sldId="282"/>
+            <ac:spMk id="3" creationId="{6444B23A-E489-5E22-3602-A4FFABA64BAF}"/>
+          </ac:spMkLst>
+        </pc:spChg>
+        <pc:spChg chg="del">
+          <ac:chgData name="Kundan Kumar" userId="ab2bca91-7a91-4a33-8866-eb3a7b1ec69d" providerId="ADAL" clId="{69F5CBEB-73AA-4B42-9323-4AD42EDDED91}" dt="2022-09-29T17:06:00.622" v="22" actId="478"/>
+          <ac:spMkLst>
+            <pc:docMk/>
+            <pc:sldMk cId="702652357" sldId="282"/>
+            <ac:spMk id="4" creationId="{9E9330EB-B43A-B519-5889-46F87CA7BDE9}"/>
+          </ac:spMkLst>
+        </pc:spChg>
+        <pc:spChg chg="del">
+          <ac:chgData name="Kundan Kumar" userId="ab2bca91-7a91-4a33-8866-eb3a7b1ec69d" providerId="ADAL" clId="{69F5CBEB-73AA-4B42-9323-4AD42EDDED91}" dt="2022-09-29T17:06:00.622" v="22" actId="478"/>
+          <ac:spMkLst>
+            <pc:docMk/>
+            <pc:sldMk cId="702652357" sldId="282"/>
+            <ac:spMk id="5" creationId="{AA0F6B38-875E-A347-BB9D-72FCB8D970C1}"/>
+          </ac:spMkLst>
+        </pc:spChg>
+        <pc:spChg chg="del">
+          <ac:chgData name="Kundan Kumar" userId="ab2bca91-7a91-4a33-8866-eb3a7b1ec69d" providerId="ADAL" clId="{69F5CBEB-73AA-4B42-9323-4AD42EDDED91}" dt="2022-09-29T17:06:00.622" v="22" actId="478"/>
+          <ac:spMkLst>
+            <pc:docMk/>
+            <pc:sldMk cId="702652357" sldId="282"/>
+            <ac:spMk id="6" creationId="{4CF13132-CD4D-F4ED-8E99-A94406DBD605}"/>
+          </ac:spMkLst>
+        </pc:spChg>
+        <pc:spChg chg="del">
+          <ac:chgData name="Kundan Kumar" userId="ab2bca91-7a91-4a33-8866-eb3a7b1ec69d" providerId="ADAL" clId="{69F5CBEB-73AA-4B42-9323-4AD42EDDED91}" dt="2022-09-29T17:06:00.622" v="22" actId="478"/>
+          <ac:spMkLst>
+            <pc:docMk/>
+            <pc:sldMk cId="702652357" sldId="282"/>
+            <ac:spMk id="7" creationId="{C2FF6F62-4149-9A41-F177-F5D8D67220CC}"/>
+          </ac:spMkLst>
+        </pc:spChg>
+        <pc:spChg chg="add mod">
+          <ac:chgData name="Kundan Kumar" userId="ab2bca91-7a91-4a33-8866-eb3a7b1ec69d" providerId="ADAL" clId="{69F5CBEB-73AA-4B42-9323-4AD42EDDED91}" dt="2022-09-30T07:07:06.668" v="784" actId="20577"/>
+          <ac:spMkLst>
+            <pc:docMk/>
+            <pc:sldMk cId="702652357" sldId="282"/>
+            <ac:spMk id="8" creationId="{07196620-FF6D-CC99-DE4D-189EFDB36B59}"/>
+          </ac:spMkLst>
+        </pc:spChg>
+        <pc:spChg chg="del">
+          <ac:chgData name="Kundan Kumar" userId="ab2bca91-7a91-4a33-8866-eb3a7b1ec69d" providerId="ADAL" clId="{69F5CBEB-73AA-4B42-9323-4AD42EDDED91}" dt="2022-09-29T17:06:00.622" v="22" actId="478"/>
+          <ac:spMkLst>
+            <pc:docMk/>
+            <pc:sldMk cId="702652357" sldId="282"/>
+            <ac:spMk id="10" creationId="{ADB437ED-8609-63D3-4A90-36C9F58A1F7A}"/>
+          </ac:spMkLst>
+        </pc:spChg>
+        <pc:spChg chg="del">
+          <ac:chgData name="Kundan Kumar" userId="ab2bca91-7a91-4a33-8866-eb3a7b1ec69d" providerId="ADAL" clId="{69F5CBEB-73AA-4B42-9323-4AD42EDDED91}" dt="2022-09-29T17:06:00.622" v="22" actId="478"/>
+          <ac:spMkLst>
+            <pc:docMk/>
+            <pc:sldMk cId="702652357" sldId="282"/>
+            <ac:spMk id="11" creationId="{9AADA918-0682-2239-994F-9F415C806208}"/>
+          </ac:spMkLst>
+        </pc:spChg>
+        <pc:spChg chg="del">
+          <ac:chgData name="Kundan Kumar" userId="ab2bca91-7a91-4a33-8866-eb3a7b1ec69d" providerId="ADAL" clId="{69F5CBEB-73AA-4B42-9323-4AD42EDDED91}" dt="2022-09-29T17:06:00.622" v="22" actId="478"/>
+          <ac:spMkLst>
+            <pc:docMk/>
+            <pc:sldMk cId="702652357" sldId="282"/>
+            <ac:spMk id="12" creationId="{0790CB92-4819-ED79-CD05-4D72C8FF5E71}"/>
+          </ac:spMkLst>
+        </pc:spChg>
+        <pc:spChg chg="del">
+          <ac:chgData name="Kundan Kumar" userId="ab2bca91-7a91-4a33-8866-eb3a7b1ec69d" providerId="ADAL" clId="{69F5CBEB-73AA-4B42-9323-4AD42EDDED91}" dt="2022-09-29T17:06:00.622" v="22" actId="478"/>
+          <ac:spMkLst>
+            <pc:docMk/>
+            <pc:sldMk cId="702652357" sldId="282"/>
+            <ac:spMk id="13" creationId="{69A96D8D-5EC2-A200-5292-CD6690697B9C}"/>
+          </ac:spMkLst>
+        </pc:spChg>
+        <pc:spChg chg="del">
+          <ac:chgData name="Kundan Kumar" userId="ab2bca91-7a91-4a33-8866-eb3a7b1ec69d" providerId="ADAL" clId="{69F5CBEB-73AA-4B42-9323-4AD42EDDED91}" dt="2022-09-29T17:06:00.622" v="22" actId="478"/>
+          <ac:spMkLst>
+            <pc:docMk/>
+            <pc:sldMk cId="702652357" sldId="282"/>
+            <ac:spMk id="15" creationId="{8160DDE9-1365-59A8-CB80-1FD7EED56468}"/>
+          </ac:spMkLst>
+        </pc:spChg>
+        <pc:spChg chg="del">
+          <ac:chgData name="Kundan Kumar" userId="ab2bca91-7a91-4a33-8866-eb3a7b1ec69d" providerId="ADAL" clId="{69F5CBEB-73AA-4B42-9323-4AD42EDDED91}" dt="2022-09-29T17:06:00.622" v="22" actId="478"/>
+          <ac:spMkLst>
+            <pc:docMk/>
+            <pc:sldMk cId="702652357" sldId="282"/>
+            <ac:spMk id="16" creationId="{33ABC243-37AE-4B8B-1117-B787081E3EFB}"/>
+          </ac:spMkLst>
+        </pc:spChg>
+        <pc:spChg chg="del">
+          <ac:chgData name="Kundan Kumar" userId="ab2bca91-7a91-4a33-8866-eb3a7b1ec69d" providerId="ADAL" clId="{69F5CBEB-73AA-4B42-9323-4AD42EDDED91}" dt="2022-09-29T17:06:00.622" v="22" actId="478"/>
+          <ac:spMkLst>
+            <pc:docMk/>
+            <pc:sldMk cId="702652357" sldId="282"/>
+            <ac:spMk id="17" creationId="{EC41BDE4-CE2B-E160-7B20-51501612AD19}"/>
+          </ac:spMkLst>
+        </pc:spChg>
+        <pc:cxnChg chg="del mod">
+          <ac:chgData name="Kundan Kumar" userId="ab2bca91-7a91-4a33-8866-eb3a7b1ec69d" providerId="ADAL" clId="{69F5CBEB-73AA-4B42-9323-4AD42EDDED91}" dt="2022-09-29T17:06:00.622" v="22" actId="478"/>
+          <ac:cxnSpMkLst>
+            <pc:docMk/>
+            <pc:sldMk cId="702652357" sldId="282"/>
+            <ac:cxnSpMk id="19" creationId="{0068130E-705F-5BA5-C8CC-ADDC2FE6666C}"/>
+          </ac:cxnSpMkLst>
+        </pc:cxnChg>
+        <pc:cxnChg chg="del mod">
+          <ac:chgData name="Kundan Kumar" userId="ab2bca91-7a91-4a33-8866-eb3a7b1ec69d" providerId="ADAL" clId="{69F5CBEB-73AA-4B42-9323-4AD42EDDED91}" dt="2022-09-29T17:06:00.622" v="22" actId="478"/>
+          <ac:cxnSpMkLst>
+            <pc:docMk/>
+            <pc:sldMk cId="702652357" sldId="282"/>
+            <ac:cxnSpMk id="21" creationId="{FCDA838F-DA54-2F7B-50D2-593F540EA464}"/>
+          </ac:cxnSpMkLst>
+        </pc:cxnChg>
+        <pc:cxnChg chg="del mod">
+          <ac:chgData name="Kundan Kumar" userId="ab2bca91-7a91-4a33-8866-eb3a7b1ec69d" providerId="ADAL" clId="{69F5CBEB-73AA-4B42-9323-4AD42EDDED91}" dt="2022-09-29T17:06:00.622" v="22" actId="478"/>
+          <ac:cxnSpMkLst>
+            <pc:docMk/>
+            <pc:sldMk cId="702652357" sldId="282"/>
+            <ac:cxnSpMk id="23" creationId="{E047309C-48FF-5604-EA34-D220A2A4EE42}"/>
+          </ac:cxnSpMkLst>
+        </pc:cxnChg>
+        <pc:cxnChg chg="del mod">
+          <ac:chgData name="Kundan Kumar" userId="ab2bca91-7a91-4a33-8866-eb3a7b1ec69d" providerId="ADAL" clId="{69F5CBEB-73AA-4B42-9323-4AD42EDDED91}" dt="2022-09-29T17:06:00.622" v="22" actId="478"/>
+          <ac:cxnSpMkLst>
+            <pc:docMk/>
+            <pc:sldMk cId="702652357" sldId="282"/>
+            <ac:cxnSpMk id="25" creationId="{200FFBCB-0D7D-4D32-CF20-567684720C80}"/>
+          </ac:cxnSpMkLst>
+        </pc:cxnChg>
+        <pc:cxnChg chg="del mod">
+          <ac:chgData name="Kundan Kumar" userId="ab2bca91-7a91-4a33-8866-eb3a7b1ec69d" providerId="ADAL" clId="{69F5CBEB-73AA-4B42-9323-4AD42EDDED91}" dt="2022-09-29T17:06:00.622" v="22" actId="478"/>
+          <ac:cxnSpMkLst>
+            <pc:docMk/>
+            <pc:sldMk cId="702652357" sldId="282"/>
+            <ac:cxnSpMk id="27" creationId="{A79826C0-FBC2-FC6B-84F5-291DCE1E014D}"/>
+          </ac:cxnSpMkLst>
+        </pc:cxnChg>
+        <pc:cxnChg chg="del mod">
+          <ac:chgData name="Kundan Kumar" userId="ab2bca91-7a91-4a33-8866-eb3a7b1ec69d" providerId="ADAL" clId="{69F5CBEB-73AA-4B42-9323-4AD42EDDED91}" dt="2022-09-29T17:06:00.622" v="22" actId="478"/>
+          <ac:cxnSpMkLst>
+            <pc:docMk/>
+            <pc:sldMk cId="702652357" sldId="282"/>
+            <ac:cxnSpMk id="30" creationId="{A71A0E18-5C31-6D73-E621-B4CC1606078A}"/>
+          </ac:cxnSpMkLst>
+        </pc:cxnChg>
+        <pc:cxnChg chg="del mod">
+          <ac:chgData name="Kundan Kumar" userId="ab2bca91-7a91-4a33-8866-eb3a7b1ec69d" providerId="ADAL" clId="{69F5CBEB-73AA-4B42-9323-4AD42EDDED91}" dt="2022-09-29T17:06:00.622" v="22" actId="478"/>
+          <ac:cxnSpMkLst>
+            <pc:docMk/>
+            <pc:sldMk cId="702652357" sldId="282"/>
+            <ac:cxnSpMk id="33" creationId="{10CB5592-881F-6448-0418-0D432651CB50}"/>
+          </ac:cxnSpMkLst>
+        </pc:cxnChg>
+        <pc:cxnChg chg="del mod">
+          <ac:chgData name="Kundan Kumar" userId="ab2bca91-7a91-4a33-8866-eb3a7b1ec69d" providerId="ADAL" clId="{69F5CBEB-73AA-4B42-9323-4AD42EDDED91}" dt="2022-09-29T17:06:00.622" v="22" actId="478"/>
+          <ac:cxnSpMkLst>
+            <pc:docMk/>
+            <pc:sldMk cId="702652357" sldId="282"/>
+            <ac:cxnSpMk id="35" creationId="{DC3BC182-2322-3496-9B01-BA30E8509D30}"/>
+          </ac:cxnSpMkLst>
+        </pc:cxnChg>
+        <pc:cxnChg chg="del mod">
+          <ac:chgData name="Kundan Kumar" userId="ab2bca91-7a91-4a33-8866-eb3a7b1ec69d" providerId="ADAL" clId="{69F5CBEB-73AA-4B42-9323-4AD42EDDED91}" dt="2022-09-29T17:06:00.622" v="22" actId="478"/>
+          <ac:cxnSpMkLst>
+            <pc:docMk/>
+            <pc:sldMk cId="702652357" sldId="282"/>
+            <ac:cxnSpMk id="38" creationId="{56C77768-3A8C-9893-2F30-B1D0F8DAD3A5}"/>
+          </ac:cxnSpMkLst>
+        </pc:cxnChg>
+        <pc:cxnChg chg="del mod">
+          <ac:chgData name="Kundan Kumar" userId="ab2bca91-7a91-4a33-8866-eb3a7b1ec69d" providerId="ADAL" clId="{69F5CBEB-73AA-4B42-9323-4AD42EDDED91}" dt="2022-09-29T17:06:00.622" v="22" actId="478"/>
+          <ac:cxnSpMkLst>
+            <pc:docMk/>
+            <pc:sldMk cId="702652357" sldId="282"/>
+            <ac:cxnSpMk id="40" creationId="{B47DF95F-1A58-7D2E-585A-87CC737E0127}"/>
+          </ac:cxnSpMkLst>
+        </pc:cxnChg>
+        <pc:cxnChg chg="del mod">
+          <ac:chgData name="Kundan Kumar" userId="ab2bca91-7a91-4a33-8866-eb3a7b1ec69d" providerId="ADAL" clId="{69F5CBEB-73AA-4B42-9323-4AD42EDDED91}" dt="2022-09-29T17:06:00.622" v="22" actId="478"/>
+          <ac:cxnSpMkLst>
+            <pc:docMk/>
+            <pc:sldMk cId="702652357" sldId="282"/>
+            <ac:cxnSpMk id="42" creationId="{8FB5EC58-F865-5918-2508-0FB60B7979D6}"/>
+          </ac:cxnSpMkLst>
+        </pc:cxnChg>
+        <pc:cxnChg chg="del mod">
+          <ac:chgData name="Kundan Kumar" userId="ab2bca91-7a91-4a33-8866-eb3a7b1ec69d" providerId="ADAL" clId="{69F5CBEB-73AA-4B42-9323-4AD42EDDED91}" dt="2022-09-29T17:06:00.622" v="22" actId="478"/>
+          <ac:cxnSpMkLst>
+            <pc:docMk/>
+            <pc:sldMk cId="702652357" sldId="282"/>
+            <ac:cxnSpMk id="44" creationId="{70616D91-A473-58C2-71CF-5A29FF7E636D}"/>
+          </ac:cxnSpMkLst>
+        </pc:cxnChg>
+      </pc:sldChg>
+    </pc:docChg>
+  </pc:docChgLst>
+  <pc:docChgLst>
     <pc:chgData name="Kundan Kumar" userId="ab2bca91-7a91-4a33-8866-eb3a7b1ec69d" providerId="ADAL" clId="{737009F9-D83C-476D-91FF-E926987C79A6}"/>
     <pc:docChg chg="undo redo custSel addSld delSld modSld sldOrd">
       <pc:chgData name="Kundan Kumar" userId="ab2bca91-7a91-4a33-8866-eb3a7b1ec69d" providerId="ADAL" clId="{737009F9-D83C-476D-91FF-E926987C79A6}" dt="2022-09-29T10:42:31.065" v="1829" actId="27636"/>
@@ -3507,6 +3879,472 @@
 </pc:chgInfo>
 </file>
 
+<file path=ppt/notesMasters/notesMaster1.xml><?xml version="1.0" encoding="utf-8"?>
+<p:notesMaster xmlns:a="http://schemas.openxmlformats.org/drawingml/2006/main" xmlns:r="http://schemas.openxmlformats.org/officeDocument/2006/relationships" xmlns:p="http://schemas.openxmlformats.org/presentationml/2006/main">
+  <p:cSld>
+    <p:bg>
+      <p:bgRef idx="1001">
+        <a:schemeClr val="bg1"/>
+      </p:bgRef>
+    </p:bg>
+    <p:spTree>
+      <p:nvGrpSpPr>
+        <p:cNvPr id="1" name=""/>
+        <p:cNvGrpSpPr/>
+        <p:nvPr/>
+      </p:nvGrpSpPr>
+      <p:grpSpPr>
+        <a:xfrm>
+          <a:off x="0" y="0"/>
+          <a:ext cx="0" cy="0"/>
+          <a:chOff x="0" y="0"/>
+          <a:chExt cx="0" cy="0"/>
+        </a:xfrm>
+      </p:grpSpPr>
+      <p:sp>
+        <p:nvSpPr>
+          <p:cNvPr id="2" name="Header Placeholder 1"/>
+          <p:cNvSpPr>
+            <a:spLocks noGrp="1"/>
+          </p:cNvSpPr>
+          <p:nvPr>
+            <p:ph type="hdr" sz="quarter"/>
+          </p:nvPr>
+        </p:nvSpPr>
+        <p:spPr>
+          <a:xfrm>
+            <a:off x="0" y="0"/>
+            <a:ext cx="2971800" cy="458788"/>
+          </a:xfrm>
+          <a:prstGeom prst="rect">
+            <a:avLst/>
+          </a:prstGeom>
+        </p:spPr>
+        <p:txBody>
+          <a:bodyPr vert="horz" lIns="91440" tIns="45720" rIns="91440" bIns="45720" rtlCol="0"/>
+          <a:lstStyle>
+            <a:lvl1pPr algn="l">
+              <a:defRPr sz="1200"/>
+            </a:lvl1pPr>
+          </a:lstStyle>
+          <a:p>
+            <a:endParaRPr lang="en-IN"/>
+          </a:p>
+        </p:txBody>
+      </p:sp>
+      <p:sp>
+        <p:nvSpPr>
+          <p:cNvPr id="3" name="Date Placeholder 2"/>
+          <p:cNvSpPr>
+            <a:spLocks noGrp="1"/>
+          </p:cNvSpPr>
+          <p:nvPr>
+            <p:ph type="dt" idx="1"/>
+          </p:nvPr>
+        </p:nvSpPr>
+        <p:spPr>
+          <a:xfrm>
+            <a:off x="3884613" y="0"/>
+            <a:ext cx="2971800" cy="458788"/>
+          </a:xfrm>
+          <a:prstGeom prst="rect">
+            <a:avLst/>
+          </a:prstGeom>
+        </p:spPr>
+        <p:txBody>
+          <a:bodyPr vert="horz" lIns="91440" tIns="45720" rIns="91440" bIns="45720" rtlCol="0"/>
+          <a:lstStyle>
+            <a:lvl1pPr algn="r">
+              <a:defRPr sz="1200"/>
+            </a:lvl1pPr>
+          </a:lstStyle>
+          <a:p>
+            <a:fld id="{9CBBC698-2507-47A5-A32B-96BEF1019024}" type="datetimeFigureOut">
+              <a:rPr lang="en-IN" smtClean="0"/>
+              <a:t>30-09-2022</a:t>
+            </a:fld>
+            <a:endParaRPr lang="en-IN"/>
+          </a:p>
+        </p:txBody>
+      </p:sp>
+      <p:sp>
+        <p:nvSpPr>
+          <p:cNvPr id="4" name="Slide Image Placeholder 3"/>
+          <p:cNvSpPr>
+            <a:spLocks noGrp="1" noRot="1" noChangeAspect="1"/>
+          </p:cNvSpPr>
+          <p:nvPr>
+            <p:ph type="sldImg" idx="2"/>
+          </p:nvPr>
+        </p:nvSpPr>
+        <p:spPr>
+          <a:xfrm>
+            <a:off x="685800" y="1143000"/>
+            <a:ext cx="5486400" cy="3086100"/>
+          </a:xfrm>
+          <a:prstGeom prst="rect">
+            <a:avLst/>
+          </a:prstGeom>
+          <a:noFill/>
+          <a:ln w="12700">
+            <a:solidFill>
+              <a:prstClr val="black"/>
+            </a:solidFill>
+          </a:ln>
+        </p:spPr>
+        <p:txBody>
+          <a:bodyPr vert="horz" lIns="91440" tIns="45720" rIns="91440" bIns="45720" rtlCol="0" anchor="ctr"/>
+          <a:lstStyle/>
+          <a:p>
+            <a:endParaRPr lang="en-IN"/>
+          </a:p>
+        </p:txBody>
+      </p:sp>
+      <p:sp>
+        <p:nvSpPr>
+          <p:cNvPr id="5" name="Notes Placeholder 4"/>
+          <p:cNvSpPr>
+            <a:spLocks noGrp="1"/>
+          </p:cNvSpPr>
+          <p:nvPr>
+            <p:ph type="body" sz="quarter" idx="3"/>
+          </p:nvPr>
+        </p:nvSpPr>
+        <p:spPr>
+          <a:xfrm>
+            <a:off x="685800" y="4400550"/>
+            <a:ext cx="5486400" cy="3600450"/>
+          </a:xfrm>
+          <a:prstGeom prst="rect">
+            <a:avLst/>
+          </a:prstGeom>
+        </p:spPr>
+        <p:txBody>
+          <a:bodyPr vert="horz" lIns="91440" tIns="45720" rIns="91440" bIns="45720" rtlCol="0"/>
+          <a:lstStyle/>
+          <a:p>
+            <a:pPr lvl="0"/>
+            <a:r>
+              <a:rPr lang="en-US"/>
+              <a:t>Click to edit Master text styles</a:t>
+            </a:r>
+          </a:p>
+          <a:p>
+            <a:pPr lvl="1"/>
+            <a:r>
+              <a:rPr lang="en-US"/>
+              <a:t>Second level</a:t>
+            </a:r>
+          </a:p>
+          <a:p>
+            <a:pPr lvl="2"/>
+            <a:r>
+              <a:rPr lang="en-US"/>
+              <a:t>Third level</a:t>
+            </a:r>
+          </a:p>
+          <a:p>
+            <a:pPr lvl="3"/>
+            <a:r>
+              <a:rPr lang="en-US"/>
+              <a:t>Fourth level</a:t>
+            </a:r>
+          </a:p>
+          <a:p>
+            <a:pPr lvl="4"/>
+            <a:r>
+              <a:rPr lang="en-US"/>
+              <a:t>Fifth level</a:t>
+            </a:r>
+            <a:endParaRPr lang="en-IN"/>
+          </a:p>
+        </p:txBody>
+      </p:sp>
+      <p:sp>
+        <p:nvSpPr>
+          <p:cNvPr id="6" name="Footer Placeholder 5"/>
+          <p:cNvSpPr>
+            <a:spLocks noGrp="1"/>
+          </p:cNvSpPr>
+          <p:nvPr>
+            <p:ph type="ftr" sz="quarter" idx="4"/>
+          </p:nvPr>
+        </p:nvSpPr>
+        <p:spPr>
+          <a:xfrm>
+            <a:off x="0" y="8685213"/>
+            <a:ext cx="2971800" cy="458787"/>
+          </a:xfrm>
+          <a:prstGeom prst="rect">
+            <a:avLst/>
+          </a:prstGeom>
+        </p:spPr>
+        <p:txBody>
+          <a:bodyPr vert="horz" lIns="91440" tIns="45720" rIns="91440" bIns="45720" rtlCol="0" anchor="b"/>
+          <a:lstStyle>
+            <a:lvl1pPr algn="l">
+              <a:defRPr sz="1200"/>
+            </a:lvl1pPr>
+          </a:lstStyle>
+          <a:p>
+            <a:endParaRPr lang="en-IN"/>
+          </a:p>
+        </p:txBody>
+      </p:sp>
+      <p:sp>
+        <p:nvSpPr>
+          <p:cNvPr id="7" name="Slide Number Placeholder 6"/>
+          <p:cNvSpPr>
+            <a:spLocks noGrp="1"/>
+          </p:cNvSpPr>
+          <p:nvPr>
+            <p:ph type="sldNum" sz="quarter" idx="5"/>
+          </p:nvPr>
+        </p:nvSpPr>
+        <p:spPr>
+          <a:xfrm>
+            <a:off x="3884613" y="8685213"/>
+            <a:ext cx="2971800" cy="458787"/>
+          </a:xfrm>
+          <a:prstGeom prst="rect">
+            <a:avLst/>
+          </a:prstGeom>
+        </p:spPr>
+        <p:txBody>
+          <a:bodyPr vert="horz" lIns="91440" tIns="45720" rIns="91440" bIns="45720" rtlCol="0" anchor="b"/>
+          <a:lstStyle>
+            <a:lvl1pPr algn="r">
+              <a:defRPr sz="1200"/>
+            </a:lvl1pPr>
+          </a:lstStyle>
+          <a:p>
+            <a:fld id="{823C9A4A-9D5E-4FD5-8D00-E81A61847EF8}" type="slidenum">
+              <a:rPr lang="en-IN" smtClean="0"/>
+              <a:t>‹#›</a:t>
+            </a:fld>
+            <a:endParaRPr lang="en-IN"/>
+          </a:p>
+        </p:txBody>
+      </p:sp>
+    </p:spTree>
+    <p:extLst>
+      <p:ext uri="{BB962C8B-B14F-4D97-AF65-F5344CB8AC3E}">
+        <p14:creationId xmlns:p14="http://schemas.microsoft.com/office/powerpoint/2010/main" val="1939804543"/>
+      </p:ext>
+    </p:extLst>
+  </p:cSld>
+  <p:clrMap bg1="lt1" tx1="dk1" bg2="lt2" tx2="dk2" accent1="accent1" accent2="accent2" accent3="accent3" accent4="accent4" accent5="accent5" accent6="accent6" hlink="hlink" folHlink="folHlink"/>
+  <p:notesStyle>
+    <a:lvl1pPr marL="0" algn="l" defTabSz="914400" rtl="0" eaLnBrk="1" latinLnBrk="0" hangingPunct="1">
+      <a:defRPr sz="1200" kern="1200">
+        <a:solidFill>
+          <a:schemeClr val="tx1"/>
+        </a:solidFill>
+        <a:latin typeface="+mn-lt"/>
+        <a:ea typeface="+mn-ea"/>
+        <a:cs typeface="+mn-cs"/>
+      </a:defRPr>
+    </a:lvl1pPr>
+    <a:lvl2pPr marL="457200" algn="l" defTabSz="914400" rtl="0" eaLnBrk="1" latinLnBrk="0" hangingPunct="1">
+      <a:defRPr sz="1200" kern="1200">
+        <a:solidFill>
+          <a:schemeClr val="tx1"/>
+        </a:solidFill>
+        <a:latin typeface="+mn-lt"/>
+        <a:ea typeface="+mn-ea"/>
+        <a:cs typeface="+mn-cs"/>
+      </a:defRPr>
+    </a:lvl2pPr>
+    <a:lvl3pPr marL="914400" algn="l" defTabSz="914400" rtl="0" eaLnBrk="1" latinLnBrk="0" hangingPunct="1">
+      <a:defRPr sz="1200" kern="1200">
+        <a:solidFill>
+          <a:schemeClr val="tx1"/>
+        </a:solidFill>
+        <a:latin typeface="+mn-lt"/>
+        <a:ea typeface="+mn-ea"/>
+        <a:cs typeface="+mn-cs"/>
+      </a:defRPr>
+    </a:lvl3pPr>
+    <a:lvl4pPr marL="1371600" algn="l" defTabSz="914400" rtl="0" eaLnBrk="1" latinLnBrk="0" hangingPunct="1">
+      <a:defRPr sz="1200" kern="1200">
+        <a:solidFill>
+          <a:schemeClr val="tx1"/>
+        </a:solidFill>
+        <a:latin typeface="+mn-lt"/>
+        <a:ea typeface="+mn-ea"/>
+        <a:cs typeface="+mn-cs"/>
+      </a:defRPr>
+    </a:lvl4pPr>
+    <a:lvl5pPr marL="1828800" algn="l" defTabSz="914400" rtl="0" eaLnBrk="1" latinLnBrk="0" hangingPunct="1">
+      <a:defRPr sz="1200" kern="1200">
+        <a:solidFill>
+          <a:schemeClr val="tx1"/>
+        </a:solidFill>
+        <a:latin typeface="+mn-lt"/>
+        <a:ea typeface="+mn-ea"/>
+        <a:cs typeface="+mn-cs"/>
+      </a:defRPr>
+    </a:lvl5pPr>
+    <a:lvl6pPr marL="2286000" algn="l" defTabSz="914400" rtl="0" eaLnBrk="1" latinLnBrk="0" hangingPunct="1">
+      <a:defRPr sz="1200" kern="1200">
+        <a:solidFill>
+          <a:schemeClr val="tx1"/>
+        </a:solidFill>
+        <a:latin typeface="+mn-lt"/>
+        <a:ea typeface="+mn-ea"/>
+        <a:cs typeface="+mn-cs"/>
+      </a:defRPr>
+    </a:lvl6pPr>
+    <a:lvl7pPr marL="2743200" algn="l" defTabSz="914400" rtl="0" eaLnBrk="1" latinLnBrk="0" hangingPunct="1">
+      <a:defRPr sz="1200" kern="1200">
+        <a:solidFill>
+          <a:schemeClr val="tx1"/>
+        </a:solidFill>
+        <a:latin typeface="+mn-lt"/>
+        <a:ea typeface="+mn-ea"/>
+        <a:cs typeface="+mn-cs"/>
+      </a:defRPr>
+    </a:lvl7pPr>
+    <a:lvl8pPr marL="3200400" algn="l" defTabSz="914400" rtl="0" eaLnBrk="1" latinLnBrk="0" hangingPunct="1">
+      <a:defRPr sz="1200" kern="1200">
+        <a:solidFill>
+          <a:schemeClr val="tx1"/>
+        </a:solidFill>
+        <a:latin typeface="+mn-lt"/>
+        <a:ea typeface="+mn-ea"/>
+        <a:cs typeface="+mn-cs"/>
+      </a:defRPr>
+    </a:lvl8pPr>
+    <a:lvl9pPr marL="3657600" algn="l" defTabSz="914400" rtl="0" eaLnBrk="1" latinLnBrk="0" hangingPunct="1">
+      <a:defRPr sz="1200" kern="1200">
+        <a:solidFill>
+          <a:schemeClr val="tx1"/>
+        </a:solidFill>
+        <a:latin typeface="+mn-lt"/>
+        <a:ea typeface="+mn-ea"/>
+        <a:cs typeface="+mn-cs"/>
+      </a:defRPr>
+    </a:lvl9pPr>
+  </p:notesStyle>
+</p:notesMaster>
+</file>
+
+<file path=ppt/notesSlides/notesSlide1.xml><?xml version="1.0" encoding="utf-8"?>
+<p:notes xmlns:a="http://schemas.openxmlformats.org/drawingml/2006/main" xmlns:r="http://schemas.openxmlformats.org/officeDocument/2006/relationships" xmlns:p="http://schemas.openxmlformats.org/presentationml/2006/main">
+  <p:cSld>
+    <p:spTree>
+      <p:nvGrpSpPr>
+        <p:cNvPr id="1" name=""/>
+        <p:cNvGrpSpPr/>
+        <p:nvPr/>
+      </p:nvGrpSpPr>
+      <p:grpSpPr>
+        <a:xfrm>
+          <a:off x="0" y="0"/>
+          <a:ext cx="0" cy="0"/>
+          <a:chOff x="0" y="0"/>
+          <a:chExt cx="0" cy="0"/>
+        </a:xfrm>
+      </p:grpSpPr>
+      <p:sp>
+        <p:nvSpPr>
+          <p:cNvPr id="2" name="Slide Image Placeholder 1"/>
+          <p:cNvSpPr>
+            <a:spLocks noGrp="1" noRot="1" noChangeAspect="1"/>
+          </p:cNvSpPr>
+          <p:nvPr>
+            <p:ph type="sldImg"/>
+          </p:nvPr>
+        </p:nvSpPr>
+        <p:spPr/>
+      </p:sp>
+      <p:sp>
+        <p:nvSpPr>
+          <p:cNvPr id="3" name="Notes Placeholder 2"/>
+          <p:cNvSpPr>
+            <a:spLocks noGrp="1"/>
+          </p:cNvSpPr>
+          <p:nvPr>
+            <p:ph type="body" idx="1"/>
+          </p:nvPr>
+        </p:nvSpPr>
+        <p:spPr/>
+        <p:txBody>
+          <a:bodyPr/>
+          <a:lstStyle/>
+          <a:p>
+            <a:pPr rtl="0">
+              <a:spcBef>
+                <a:spcPts val="0"/>
+              </a:spcBef>
+              <a:spcAft>
+                <a:spcPts val="0"/>
+              </a:spcAft>
+            </a:pPr>
+            <a:r>
+              <a:rPr lang="en-US" sz="1200" b="0" dirty="0">
+                <a:effectLst/>
+              </a:rPr>
+              <a:t>Use event per thread mechanism. Say in case we get an event for new namespace addition, then this event is sent to each IO submission thread. </a:t>
+            </a:r>
+          </a:p>
+          <a:p>
+            <a:pPr rtl="0">
+              <a:spcBef>
+                <a:spcPts val="0"/>
+              </a:spcBef>
+              <a:spcAft>
+                <a:spcPts val="0"/>
+              </a:spcAft>
+            </a:pPr>
+            <a:r>
+              <a:rPr lang="en-US" sz="1200" b="0" dirty="0">
+                <a:effectLst/>
+              </a:rPr>
+              <a:t>Each thread then creates its own list of namespaces.</a:t>
+            </a:r>
+          </a:p>
+          <a:p>
+            <a:endParaRPr lang="en-IN" dirty="0"/>
+          </a:p>
+        </p:txBody>
+      </p:sp>
+      <p:sp>
+        <p:nvSpPr>
+          <p:cNvPr id="4" name="Slide Number Placeholder 3"/>
+          <p:cNvSpPr>
+            <a:spLocks noGrp="1"/>
+          </p:cNvSpPr>
+          <p:nvPr>
+            <p:ph type="sldNum" sz="quarter" idx="5"/>
+          </p:nvPr>
+        </p:nvSpPr>
+        <p:spPr/>
+        <p:txBody>
+          <a:bodyPr/>
+          <a:lstStyle/>
+          <a:p>
+            <a:fld id="{823C9A4A-9D5E-4FD5-8D00-E81A61847EF8}" type="slidenum">
+              <a:rPr lang="en-IN" smtClean="0"/>
+              <a:t>19</a:t>
+            </a:fld>
+            <a:endParaRPr lang="en-IN"/>
+          </a:p>
+        </p:txBody>
+      </p:sp>
+    </p:spTree>
+    <p:extLst>
+      <p:ext uri="{BB962C8B-B14F-4D97-AF65-F5344CB8AC3E}">
+        <p14:creationId xmlns:p14="http://schemas.microsoft.com/office/powerpoint/2010/main" val="1170407744"/>
+      </p:ext>
+    </p:extLst>
+  </p:cSld>
+  <p:clrMapOvr>
+    <a:masterClrMapping/>
+  </p:clrMapOvr>
+</p:notes>
+</file>
+
 <file path=ppt/slideLayouts/slideLayout1.xml><?xml version="1.0" encoding="utf-8"?>
 <p:sldLayout xmlns:a="http://schemas.openxmlformats.org/drawingml/2006/main" xmlns:r="http://schemas.openxmlformats.org/officeDocument/2006/relationships" xmlns:p="http://schemas.openxmlformats.org/presentationml/2006/main" showMasterSp="0" type="title" preserve="1">
   <p:cSld name="Title Slide">
@@ -25042,7 +25880,7 @@
           <p:cNvPr id="2" name="Title 1">
             <a:extLst>
               <a:ext uri="{FF2B5EF4-FFF2-40B4-BE49-F238E27FC236}">
-                <a16:creationId xmlns:a16="http://schemas.microsoft.com/office/drawing/2014/main" id="{674727BF-3D0D-CF41-5F97-EC6B413629E9}"/>
+                <a16:creationId xmlns:a16="http://schemas.microsoft.com/office/drawing/2014/main" id="{C2D9662A-EA21-10DC-8DA2-DFC9D65B883B}"/>
               </a:ext>
             </a:extLst>
           </p:cNvPr>
@@ -25055,30 +25893,379 @@
         </p:nvSpPr>
         <p:spPr>
           <a:xfrm>
-            <a:off x="838200" y="365126"/>
-            <a:ext cx="10515600" cy="1221284"/>
+            <a:off x="1024128" y="585216"/>
+            <a:ext cx="9720072" cy="981611"/>
+          </a:xfrm>
+        </p:spPr>
+        <p:txBody>
+          <a:bodyPr/>
+          <a:lstStyle/>
+          <a:p>
+            <a:r>
+              <a:rPr lang="en-IN" dirty="0"/>
+              <a:t>Userspace SYNCHRONIZATION primitives </a:t>
+            </a:r>
+          </a:p>
+        </p:txBody>
+      </p:sp>
+      <p:sp>
+        <p:nvSpPr>
+          <p:cNvPr id="3" name="Content Placeholder 2">
+            <a:extLst>
+              <a:ext uri="{FF2B5EF4-FFF2-40B4-BE49-F238E27FC236}">
+                <a16:creationId xmlns:a16="http://schemas.microsoft.com/office/drawing/2014/main" id="{6444B23A-E489-5E22-3602-A4FFABA64BAF}"/>
+              </a:ext>
+            </a:extLst>
+          </p:cNvPr>
+          <p:cNvSpPr>
+            <a:spLocks noGrp="1"/>
+          </p:cNvSpPr>
+          <p:nvPr>
+            <p:ph idx="1"/>
+          </p:nvPr>
+        </p:nvSpPr>
+        <p:spPr>
+          <a:xfrm>
+            <a:off x="628650" y="1566827"/>
+            <a:ext cx="10515600" cy="4926048"/>
           </a:xfrm>
         </p:spPr>
         <p:txBody>
           <a:bodyPr>
-            <a:normAutofit/>
+            <a:normAutofit fontScale="92500" lnSpcReduction="20000"/>
           </a:bodyPr>
           <a:lstStyle/>
           <a:p>
-            <a:r>
-              <a:rPr lang="en-US" sz="3600" dirty="0"/>
-              <a:t>Spinlock shared across multiple CPUS becomes a point of contention</a:t>
-            </a:r>
-            <a:endParaRPr lang="en-IN" sz="3600" dirty="0"/>
+            <a:pPr rtl="0">
+              <a:spcBef>
+                <a:spcPts val="0"/>
+              </a:spcBef>
+              <a:spcAft>
+                <a:spcPts val="0"/>
+              </a:spcAft>
+            </a:pPr>
+            <a:endParaRPr lang="en-US" sz="1800" b="0" dirty="0">
+              <a:effectLst/>
+            </a:endParaRPr>
+          </a:p>
+          <a:p>
+            <a:pPr rtl="0">
+              <a:spcBef>
+                <a:spcPts val="0"/>
+              </a:spcBef>
+              <a:spcAft>
+                <a:spcPts val="0"/>
+              </a:spcAft>
+            </a:pPr>
+            <a:r>
+              <a:rPr lang="en-US" sz="1800" dirty="0"/>
+              <a:t>Let's write see the behavior of a  program with 2 threads modifying same variable. Without any locks the modification leads to undefined values for the resultant variable.</a:t>
+            </a:r>
+          </a:p>
+          <a:p>
+            <a:pPr rtl="0">
+              <a:spcBef>
+                <a:spcPts val="0"/>
+              </a:spcBef>
+              <a:spcAft>
+                <a:spcPts val="0"/>
+              </a:spcAft>
+            </a:pPr>
+            <a:endParaRPr lang="en-US" sz="1800" dirty="0"/>
+          </a:p>
+          <a:p>
+            <a:pPr rtl="0">
+              <a:spcBef>
+                <a:spcPts val="0"/>
+              </a:spcBef>
+              <a:spcAft>
+                <a:spcPts val="0"/>
+              </a:spcAft>
+            </a:pPr>
+            <a:endParaRPr lang="en-US" sz="1800" dirty="0"/>
+          </a:p>
+          <a:p>
+            <a:pPr rtl="0">
+              <a:spcBef>
+                <a:spcPts val="0"/>
+              </a:spcBef>
+              <a:spcAft>
+                <a:spcPts val="0"/>
+              </a:spcAft>
+            </a:pPr>
+            <a:r>
+              <a:rPr lang="en-US" sz="1800" dirty="0"/>
+              <a:t>Pthread 1 				Pthread2</a:t>
+            </a:r>
+          </a:p>
+          <a:p>
+            <a:pPr marL="0" indent="0" rtl="0">
+              <a:spcBef>
+                <a:spcPts val="0"/>
+              </a:spcBef>
+              <a:spcAft>
+                <a:spcPts val="0"/>
+              </a:spcAft>
+              <a:buNone/>
+            </a:pPr>
+            <a:endParaRPr lang="en-US" sz="1800" dirty="0"/>
+          </a:p>
+          <a:p>
+            <a:pPr marL="0" indent="0" rtl="0">
+              <a:spcBef>
+                <a:spcPts val="0"/>
+              </a:spcBef>
+              <a:spcAft>
+                <a:spcPts val="0"/>
+              </a:spcAft>
+              <a:buNone/>
+            </a:pPr>
+            <a:endParaRPr lang="en-US" sz="1800" dirty="0"/>
+          </a:p>
+          <a:p>
+            <a:pPr marL="0" indent="0" rtl="0">
+              <a:spcBef>
+                <a:spcPts val="0"/>
+              </a:spcBef>
+              <a:spcAft>
+                <a:spcPts val="0"/>
+              </a:spcAft>
+              <a:buNone/>
+            </a:pPr>
+            <a:endParaRPr lang="en-US" sz="1800" dirty="0"/>
+          </a:p>
+          <a:p>
+            <a:pPr marL="0" indent="0" rtl="0">
+              <a:spcBef>
+                <a:spcPts val="0"/>
+              </a:spcBef>
+              <a:spcAft>
+                <a:spcPts val="0"/>
+              </a:spcAft>
+              <a:buNone/>
+            </a:pPr>
+            <a:endParaRPr lang="en-US" sz="1800" dirty="0"/>
+          </a:p>
+          <a:p>
+            <a:pPr marL="0" indent="0" rtl="0">
+              <a:spcBef>
+                <a:spcPts val="0"/>
+              </a:spcBef>
+              <a:spcAft>
+                <a:spcPts val="0"/>
+              </a:spcAft>
+              <a:buNone/>
+            </a:pPr>
+            <a:endParaRPr lang="en-US" sz="1800" dirty="0"/>
+          </a:p>
+          <a:p>
+            <a:pPr marL="0" indent="0" rtl="0">
+              <a:spcBef>
+                <a:spcPts val="0"/>
+              </a:spcBef>
+              <a:spcAft>
+                <a:spcPts val="0"/>
+              </a:spcAft>
+              <a:buNone/>
+            </a:pPr>
+            <a:endParaRPr lang="en-US" sz="1800" dirty="0"/>
+          </a:p>
+          <a:p>
+            <a:pPr marL="0" indent="0" rtl="0">
+              <a:spcBef>
+                <a:spcPts val="0"/>
+              </a:spcBef>
+              <a:spcAft>
+                <a:spcPts val="0"/>
+              </a:spcAft>
+              <a:buNone/>
+            </a:pPr>
+            <a:endParaRPr lang="en-US" sz="1800" dirty="0"/>
+          </a:p>
+          <a:p>
+            <a:pPr marL="0" indent="0" rtl="0">
+              <a:spcBef>
+                <a:spcPts val="0"/>
+              </a:spcBef>
+              <a:spcAft>
+                <a:spcPts val="0"/>
+              </a:spcAft>
+              <a:buNone/>
+            </a:pPr>
+            <a:endParaRPr lang="en-US" sz="1800" dirty="0"/>
+          </a:p>
+          <a:p>
+            <a:pPr marL="0" indent="0" rtl="0">
+              <a:spcBef>
+                <a:spcPts val="0"/>
+              </a:spcBef>
+              <a:spcAft>
+                <a:spcPts val="0"/>
+              </a:spcAft>
+              <a:buNone/>
+            </a:pPr>
+            <a:endParaRPr lang="en-US" sz="1800" dirty="0"/>
+          </a:p>
+          <a:p>
+            <a:pPr marL="0" indent="0" rtl="0">
+              <a:spcBef>
+                <a:spcPts val="0"/>
+              </a:spcBef>
+              <a:spcAft>
+                <a:spcPts val="0"/>
+              </a:spcAft>
+              <a:buNone/>
+            </a:pPr>
+            <a:endParaRPr lang="en-US" sz="1800" dirty="0"/>
+          </a:p>
+          <a:p>
+            <a:pPr marL="0" indent="0" rtl="0">
+              <a:spcBef>
+                <a:spcPts val="0"/>
+              </a:spcBef>
+              <a:spcAft>
+                <a:spcPts val="0"/>
+              </a:spcAft>
+              <a:buNone/>
+            </a:pPr>
+            <a:endParaRPr lang="en-US" sz="1800" dirty="0"/>
+          </a:p>
+          <a:p>
+            <a:pPr rtl="0">
+              <a:spcBef>
+                <a:spcPts val="0"/>
+              </a:spcBef>
+              <a:spcAft>
+                <a:spcPts val="0"/>
+              </a:spcAft>
+            </a:pPr>
+            <a:endParaRPr lang="en-US" sz="1800" dirty="0"/>
+          </a:p>
+          <a:p>
+            <a:pPr rtl="0">
+              <a:spcBef>
+                <a:spcPts val="0"/>
+              </a:spcBef>
+              <a:spcAft>
+                <a:spcPts val="0"/>
+              </a:spcAft>
+            </a:pPr>
+            <a:r>
+              <a:rPr lang="en-US" sz="1800" dirty="0"/>
+              <a:t>Output is :</a:t>
+            </a:r>
+            <a:br>
+              <a:rPr lang="en-US" sz="1800" dirty="0"/>
+            </a:br>
+            <a:r>
+              <a:rPr lang="en-US" sz="1800" dirty="0"/>
+              <a:t>Thread 1</a:t>
+            </a:r>
+            <a:br>
+              <a:rPr lang="en-US" sz="1800" dirty="0"/>
+            </a:br>
+            <a:r>
+              <a:rPr lang="en-US" sz="1800" dirty="0"/>
+              <a:t>Thread 2</a:t>
+            </a:r>
+            <a:br>
+              <a:rPr lang="en-US" sz="1800" dirty="0"/>
+            </a:br>
+            <a:r>
+              <a:rPr lang="en-US" sz="1800" dirty="0"/>
+              <a:t>time taken 0.001365 secs</a:t>
+            </a:r>
+            <a:br>
+              <a:rPr lang="en-US" sz="1800" dirty="0"/>
+            </a:br>
+            <a:r>
+              <a:rPr lang="en-US" sz="1800" dirty="0"/>
+              <a:t>Thread 1 returns: 0</a:t>
+            </a:r>
+            <a:br>
+              <a:rPr lang="en-US" sz="1800" dirty="0"/>
+            </a:br>
+            <a:r>
+              <a:rPr lang="en-US" sz="1800" dirty="0"/>
+              <a:t>Thread 2 returns: 0</a:t>
+            </a:r>
+            <a:br>
+              <a:rPr lang="en-US" sz="1800" dirty="0"/>
+            </a:br>
+            <a:r>
+              <a:rPr lang="en-US" sz="1800" dirty="0"/>
+              <a:t>counter = </a:t>
+            </a:r>
+            <a:r>
+              <a:rPr lang="en-US" sz="1800" dirty="0">
+                <a:solidFill>
+                  <a:srgbClr val="FF0000"/>
+                </a:solidFill>
+              </a:rPr>
+              <a:t>100602             --- this shall be 200000</a:t>
+            </a:r>
+          </a:p>
+          <a:p>
+            <a:pPr rtl="0">
+              <a:spcBef>
+                <a:spcPts val="0"/>
+              </a:spcBef>
+              <a:spcAft>
+                <a:spcPts val="0"/>
+              </a:spcAft>
+            </a:pPr>
+            <a:endParaRPr lang="en-US" sz="1800" dirty="0"/>
+          </a:p>
+          <a:p>
+            <a:pPr rtl="0">
+              <a:spcBef>
+                <a:spcPts val="0"/>
+              </a:spcBef>
+              <a:spcAft>
+                <a:spcPts val="0"/>
+              </a:spcAft>
+            </a:pPr>
+            <a:endParaRPr lang="en-US" sz="1800" dirty="0"/>
+          </a:p>
+          <a:p>
+            <a:pPr marL="0" indent="0">
+              <a:spcBef>
+                <a:spcPts val="0"/>
+              </a:spcBef>
+              <a:buNone/>
+            </a:pPr>
+            <a:endParaRPr lang="en-US" sz="1800" b="0" dirty="0">
+              <a:effectLst/>
+            </a:endParaRPr>
+          </a:p>
+          <a:p>
+            <a:pPr marL="0" indent="0">
+              <a:spcBef>
+                <a:spcPts val="0"/>
+              </a:spcBef>
+              <a:buNone/>
+            </a:pPr>
+            <a:endParaRPr lang="en-US" sz="1800" dirty="0"/>
+          </a:p>
+          <a:p>
+            <a:pPr marL="0" indent="0">
+              <a:spcBef>
+                <a:spcPts val="0"/>
+              </a:spcBef>
+              <a:buNone/>
+            </a:pPr>
+            <a:endParaRPr lang="en-US" sz="1800" b="0" dirty="0">
+              <a:effectLst/>
+            </a:endParaRPr>
           </a:p>
         </p:txBody>
       </p:sp>
       <p:sp>
         <p:nvSpPr>
-          <p:cNvPr id="7" name="Rectangle 6">
+          <p:cNvPr id="4" name="Rectangle 3">
             <a:extLst>
               <a:ext uri="{FF2B5EF4-FFF2-40B4-BE49-F238E27FC236}">
-                <a16:creationId xmlns:a16="http://schemas.microsoft.com/office/drawing/2014/main" id="{CBF1FE94-E562-2D7B-4604-06496DC551C1}"/>
+                <a16:creationId xmlns:a16="http://schemas.microsoft.com/office/drawing/2014/main" id="{724C4006-0E30-557E-557F-2EE68C34A3EE}"/>
               </a:ext>
             </a:extLst>
           </p:cNvPr>
@@ -25087,598 +26274,8 @@
         </p:nvSpPr>
         <p:spPr>
           <a:xfrm>
-            <a:off x="2230528" y="4297031"/>
-            <a:ext cx="2684372" cy="428345"/>
-          </a:xfrm>
-          <a:prstGeom prst="rect">
-            <a:avLst/>
-          </a:prstGeom>
-          <a:solidFill>
-            <a:srgbClr val="7030A0"/>
-          </a:solidFill>
-        </p:spPr>
-        <p:style>
-          <a:lnRef idx="2">
-            <a:schemeClr val="accent1">
-              <a:shade val="50000"/>
-            </a:schemeClr>
-          </a:lnRef>
-          <a:fillRef idx="1">
-            <a:schemeClr val="accent1"/>
-          </a:fillRef>
-          <a:effectRef idx="0">
-            <a:schemeClr val="accent1"/>
-          </a:effectRef>
-          <a:fontRef idx="minor">
-            <a:schemeClr val="lt1"/>
-          </a:fontRef>
-        </p:style>
-        <p:txBody>
-          <a:bodyPr rtlCol="0" anchor="ctr"/>
-          <a:lstStyle/>
-          <a:p>
-            <a:r>
-              <a:rPr lang="en-IN" sz="1000" dirty="0"/>
-              <a:t>Spinlock lock atomic variable(RAM) 0xffffffff824c7be0 </a:t>
-            </a:r>
-          </a:p>
-        </p:txBody>
-      </p:sp>
-      <p:sp>
-        <p:nvSpPr>
-          <p:cNvPr id="8" name="Rectangle 7">
-            <a:extLst>
-              <a:ext uri="{FF2B5EF4-FFF2-40B4-BE49-F238E27FC236}">
-                <a16:creationId xmlns:a16="http://schemas.microsoft.com/office/drawing/2014/main" id="{A13117C2-8DDB-2651-106F-58E14AF2B8F7}"/>
-              </a:ext>
-            </a:extLst>
-          </p:cNvPr>
-          <p:cNvSpPr/>
-          <p:nvPr/>
-        </p:nvSpPr>
-        <p:spPr>
-          <a:xfrm>
-            <a:off x="695881" y="3040135"/>
-            <a:ext cx="1119467" cy="321630"/>
-          </a:xfrm>
-          <a:prstGeom prst="rect">
-            <a:avLst/>
-          </a:prstGeom>
-          <a:solidFill>
-            <a:srgbClr val="92D050"/>
-          </a:solidFill>
-        </p:spPr>
-        <p:style>
-          <a:lnRef idx="2">
-            <a:schemeClr val="accent1">
-              <a:shade val="50000"/>
-            </a:schemeClr>
-          </a:lnRef>
-          <a:fillRef idx="1">
-            <a:schemeClr val="accent1"/>
-          </a:fillRef>
-          <a:effectRef idx="0">
-            <a:schemeClr val="accent1"/>
-          </a:effectRef>
-          <a:fontRef idx="minor">
-            <a:schemeClr val="lt1"/>
-          </a:fontRef>
-        </p:style>
-        <p:txBody>
-          <a:bodyPr rtlCol="0" anchor="ctr"/>
-          <a:lstStyle/>
-          <a:p>
-            <a:pPr algn="ctr"/>
-            <a:r>
-              <a:rPr lang="en-IN" sz="1000" dirty="0"/>
-              <a:t>CPU 0</a:t>
-            </a:r>
-          </a:p>
-        </p:txBody>
-      </p:sp>
-      <p:sp>
-        <p:nvSpPr>
-          <p:cNvPr id="9" name="Rectangle 8">
-            <a:extLst>
-              <a:ext uri="{FF2B5EF4-FFF2-40B4-BE49-F238E27FC236}">
-                <a16:creationId xmlns:a16="http://schemas.microsoft.com/office/drawing/2014/main" id="{06ABF866-1EC2-219B-9D7C-223A30442F7D}"/>
-              </a:ext>
-            </a:extLst>
-          </p:cNvPr>
-          <p:cNvSpPr/>
-          <p:nvPr/>
-        </p:nvSpPr>
-        <p:spPr>
-          <a:xfrm>
-            <a:off x="2495549" y="3040135"/>
-            <a:ext cx="1119467" cy="321630"/>
-          </a:xfrm>
-          <a:prstGeom prst="rect">
-            <a:avLst/>
-          </a:prstGeom>
-          <a:solidFill>
-            <a:srgbClr val="92D050"/>
-          </a:solidFill>
-        </p:spPr>
-        <p:style>
-          <a:lnRef idx="2">
-            <a:schemeClr val="accent1">
-              <a:shade val="50000"/>
-            </a:schemeClr>
-          </a:lnRef>
-          <a:fillRef idx="1">
-            <a:schemeClr val="accent1"/>
-          </a:fillRef>
-          <a:effectRef idx="0">
-            <a:schemeClr val="accent1"/>
-          </a:effectRef>
-          <a:fontRef idx="minor">
-            <a:schemeClr val="lt1"/>
-          </a:fontRef>
-        </p:style>
-        <p:txBody>
-          <a:bodyPr rtlCol="0" anchor="ctr"/>
-          <a:lstStyle/>
-          <a:p>
-            <a:pPr algn="ctr"/>
-            <a:r>
-              <a:rPr lang="en-IN" sz="1000" dirty="0"/>
-              <a:t>CPU 1</a:t>
-            </a:r>
-          </a:p>
-        </p:txBody>
-      </p:sp>
-      <p:sp>
-        <p:nvSpPr>
-          <p:cNvPr id="10" name="Rectangle 9">
-            <a:extLst>
-              <a:ext uri="{FF2B5EF4-FFF2-40B4-BE49-F238E27FC236}">
-                <a16:creationId xmlns:a16="http://schemas.microsoft.com/office/drawing/2014/main" id="{FDADCF19-2EC8-8621-ABBF-075BCBCD01F0}"/>
-              </a:ext>
-            </a:extLst>
-          </p:cNvPr>
-          <p:cNvSpPr/>
-          <p:nvPr/>
-        </p:nvSpPr>
-        <p:spPr>
-          <a:xfrm>
-            <a:off x="4651561" y="3040133"/>
-            <a:ext cx="1119467" cy="321631"/>
-          </a:xfrm>
-          <a:prstGeom prst="rect">
-            <a:avLst/>
-          </a:prstGeom>
-          <a:solidFill>
-            <a:srgbClr val="92D050"/>
-          </a:solidFill>
-        </p:spPr>
-        <p:style>
-          <a:lnRef idx="2">
-            <a:schemeClr val="accent1">
-              <a:shade val="50000"/>
-            </a:schemeClr>
-          </a:lnRef>
-          <a:fillRef idx="1">
-            <a:schemeClr val="accent1"/>
-          </a:fillRef>
-          <a:effectRef idx="0">
-            <a:schemeClr val="accent1"/>
-          </a:effectRef>
-          <a:fontRef idx="minor">
-            <a:schemeClr val="lt1"/>
-          </a:fontRef>
-        </p:style>
-        <p:txBody>
-          <a:bodyPr rtlCol="0" anchor="ctr"/>
-          <a:lstStyle/>
-          <a:p>
-            <a:pPr algn="ctr"/>
-            <a:r>
-              <a:rPr lang="en-IN" sz="1000" dirty="0"/>
-              <a:t>CPU N</a:t>
-            </a:r>
-          </a:p>
-        </p:txBody>
-      </p:sp>
-      <p:sp>
-        <p:nvSpPr>
-          <p:cNvPr id="11" name="Rectangle 10">
-            <a:extLst>
-              <a:ext uri="{FF2B5EF4-FFF2-40B4-BE49-F238E27FC236}">
-                <a16:creationId xmlns:a16="http://schemas.microsoft.com/office/drawing/2014/main" id="{C4F9995C-D453-1D1B-6DD8-293A73E1D7AE}"/>
-              </a:ext>
-            </a:extLst>
-          </p:cNvPr>
-          <p:cNvSpPr/>
-          <p:nvPr/>
-        </p:nvSpPr>
-        <p:spPr>
-          <a:xfrm>
-            <a:off x="695881" y="3361764"/>
-            <a:ext cx="1401857" cy="524907"/>
-          </a:xfrm>
-          <a:prstGeom prst="rect">
-            <a:avLst/>
-          </a:prstGeom>
-          <a:solidFill>
-            <a:srgbClr val="7030A0"/>
-          </a:solidFill>
-        </p:spPr>
-        <p:style>
-          <a:lnRef idx="2">
-            <a:schemeClr val="accent1">
-              <a:shade val="50000"/>
-            </a:schemeClr>
-          </a:lnRef>
-          <a:fillRef idx="1">
-            <a:schemeClr val="accent1"/>
-          </a:fillRef>
-          <a:effectRef idx="0">
-            <a:schemeClr val="accent1"/>
-          </a:effectRef>
-          <a:fontRef idx="minor">
-            <a:schemeClr val="lt1"/>
-          </a:fontRef>
-        </p:style>
-        <p:txBody>
-          <a:bodyPr rtlCol="0" anchor="ctr"/>
-          <a:lstStyle/>
-          <a:p>
-            <a:r>
-              <a:rPr lang="en-IN" sz="1000" dirty="0"/>
-              <a:t>Cache</a:t>
-            </a:r>
-          </a:p>
-          <a:p>
-            <a:r>
-              <a:rPr lang="en-IN" sz="1000" dirty="0"/>
-              <a:t>Spinlock shared variable(Copy in cache) </a:t>
-            </a:r>
-          </a:p>
-        </p:txBody>
-      </p:sp>
-      <p:sp>
-        <p:nvSpPr>
-          <p:cNvPr id="12" name="Rectangle 11">
-            <a:extLst>
-              <a:ext uri="{FF2B5EF4-FFF2-40B4-BE49-F238E27FC236}">
-                <a16:creationId xmlns:a16="http://schemas.microsoft.com/office/drawing/2014/main" id="{891E6651-3DEC-DC37-8564-0F0E85FBEA02}"/>
-              </a:ext>
-            </a:extLst>
-          </p:cNvPr>
-          <p:cNvSpPr/>
-          <p:nvPr/>
-        </p:nvSpPr>
-        <p:spPr>
-          <a:xfrm>
-            <a:off x="2495549" y="3368959"/>
-            <a:ext cx="1401857" cy="524907"/>
-          </a:xfrm>
-          <a:prstGeom prst="rect">
-            <a:avLst/>
-          </a:prstGeom>
-          <a:solidFill>
-            <a:srgbClr val="7030A0"/>
-          </a:solidFill>
-        </p:spPr>
-        <p:style>
-          <a:lnRef idx="2">
-            <a:schemeClr val="accent1">
-              <a:shade val="50000"/>
-            </a:schemeClr>
-          </a:lnRef>
-          <a:fillRef idx="1">
-            <a:schemeClr val="accent1"/>
-          </a:fillRef>
-          <a:effectRef idx="0">
-            <a:schemeClr val="accent1"/>
-          </a:effectRef>
-          <a:fontRef idx="minor">
-            <a:schemeClr val="lt1"/>
-          </a:fontRef>
-        </p:style>
-        <p:txBody>
-          <a:bodyPr rtlCol="0" anchor="ctr"/>
-          <a:lstStyle/>
-          <a:p>
-            <a:r>
-              <a:rPr lang="en-IN" sz="1000" dirty="0"/>
-              <a:t>Cache</a:t>
-            </a:r>
-          </a:p>
-          <a:p>
-            <a:r>
-              <a:rPr lang="en-IN" sz="1000" dirty="0"/>
-              <a:t>Spinlock shared variable(Copy in cache) </a:t>
-            </a:r>
-          </a:p>
-        </p:txBody>
-      </p:sp>
-      <p:sp>
-        <p:nvSpPr>
-          <p:cNvPr id="13" name="Rectangle 12">
-            <a:extLst>
-              <a:ext uri="{FF2B5EF4-FFF2-40B4-BE49-F238E27FC236}">
-                <a16:creationId xmlns:a16="http://schemas.microsoft.com/office/drawing/2014/main" id="{C85B94F0-1F3E-68E3-4C1C-EEFF4F2F7A37}"/>
-              </a:ext>
-            </a:extLst>
-          </p:cNvPr>
-          <p:cNvSpPr/>
-          <p:nvPr/>
-        </p:nvSpPr>
-        <p:spPr>
-          <a:xfrm>
-            <a:off x="4651561" y="3361763"/>
-            <a:ext cx="1401857" cy="524907"/>
-          </a:xfrm>
-          <a:prstGeom prst="rect">
-            <a:avLst/>
-          </a:prstGeom>
-          <a:solidFill>
-            <a:srgbClr val="7030A0"/>
-          </a:solidFill>
-        </p:spPr>
-        <p:style>
-          <a:lnRef idx="2">
-            <a:schemeClr val="accent1">
-              <a:shade val="50000"/>
-            </a:schemeClr>
-          </a:lnRef>
-          <a:fillRef idx="1">
-            <a:schemeClr val="accent1"/>
-          </a:fillRef>
-          <a:effectRef idx="0">
-            <a:schemeClr val="accent1"/>
-          </a:effectRef>
-          <a:fontRef idx="minor">
-            <a:schemeClr val="lt1"/>
-          </a:fontRef>
-        </p:style>
-        <p:txBody>
-          <a:bodyPr rtlCol="0" anchor="ctr"/>
-          <a:lstStyle/>
-          <a:p>
-            <a:r>
-              <a:rPr lang="en-IN" sz="1000" dirty="0"/>
-              <a:t>Cache</a:t>
-            </a:r>
-          </a:p>
-          <a:p>
-            <a:r>
-              <a:rPr lang="en-IN" sz="1000" dirty="0"/>
-              <a:t>Spinlock shared variable(Copy in cache) </a:t>
-            </a:r>
-          </a:p>
-        </p:txBody>
-      </p:sp>
-      <p:sp>
-        <p:nvSpPr>
-          <p:cNvPr id="14" name="Arrow: Left-Right 13">
-            <a:extLst>
-              <a:ext uri="{FF2B5EF4-FFF2-40B4-BE49-F238E27FC236}">
-                <a16:creationId xmlns:a16="http://schemas.microsoft.com/office/drawing/2014/main" id="{E6E52CE3-EAA7-89A4-4C7D-1F97B8A0389F}"/>
-              </a:ext>
-            </a:extLst>
-          </p:cNvPr>
-          <p:cNvSpPr/>
-          <p:nvPr/>
-        </p:nvSpPr>
-        <p:spPr>
-          <a:xfrm>
-            <a:off x="2024899" y="3557217"/>
-            <a:ext cx="556936" cy="188259"/>
-          </a:xfrm>
-          <a:prstGeom prst="leftRightArrow">
-            <a:avLst/>
-          </a:prstGeom>
-        </p:spPr>
-        <p:style>
-          <a:lnRef idx="2">
-            <a:schemeClr val="accent1">
-              <a:shade val="50000"/>
-            </a:schemeClr>
-          </a:lnRef>
-          <a:fillRef idx="1">
-            <a:schemeClr val="accent1"/>
-          </a:fillRef>
-          <a:effectRef idx="0">
-            <a:schemeClr val="accent1"/>
-          </a:effectRef>
-          <a:fontRef idx="minor">
-            <a:schemeClr val="lt1"/>
-          </a:fontRef>
-        </p:style>
-        <p:txBody>
-          <a:bodyPr rtlCol="0" anchor="ctr"/>
-          <a:lstStyle/>
-          <a:p>
-            <a:pPr algn="ctr"/>
-            <a:endParaRPr lang="en-IN"/>
-          </a:p>
-        </p:txBody>
-      </p:sp>
-      <p:sp>
-        <p:nvSpPr>
-          <p:cNvPr id="15" name="Arrow: Left-Right 14">
-            <a:extLst>
-              <a:ext uri="{FF2B5EF4-FFF2-40B4-BE49-F238E27FC236}">
-                <a16:creationId xmlns:a16="http://schemas.microsoft.com/office/drawing/2014/main" id="{998D0EF2-6426-F1CF-350D-2B5BAC83FEFF}"/>
-              </a:ext>
-            </a:extLst>
-          </p:cNvPr>
-          <p:cNvSpPr/>
-          <p:nvPr/>
-        </p:nvSpPr>
-        <p:spPr>
-          <a:xfrm>
-            <a:off x="3836890" y="3530086"/>
-            <a:ext cx="909922" cy="188259"/>
-          </a:xfrm>
-          <a:prstGeom prst="leftRightArrow">
-            <a:avLst/>
-          </a:prstGeom>
-        </p:spPr>
-        <p:style>
-          <a:lnRef idx="2">
-            <a:schemeClr val="accent1">
-              <a:shade val="50000"/>
-            </a:schemeClr>
-          </a:lnRef>
-          <a:fillRef idx="1">
-            <a:schemeClr val="accent1"/>
-          </a:fillRef>
-          <a:effectRef idx="0">
-            <a:schemeClr val="accent1"/>
-          </a:effectRef>
-          <a:fontRef idx="minor">
-            <a:schemeClr val="lt1"/>
-          </a:fontRef>
-        </p:style>
-        <p:txBody>
-          <a:bodyPr rtlCol="0" anchor="ctr"/>
-          <a:lstStyle/>
-          <a:p>
-            <a:pPr algn="ctr"/>
-            <a:endParaRPr lang="en-IN"/>
-          </a:p>
-        </p:txBody>
-      </p:sp>
-      <p:cxnSp>
-        <p:nvCxnSpPr>
-          <p:cNvPr id="16" name="Connector: Curved 15">
-            <a:extLst>
-              <a:ext uri="{FF2B5EF4-FFF2-40B4-BE49-F238E27FC236}">
-                <a16:creationId xmlns:a16="http://schemas.microsoft.com/office/drawing/2014/main" id="{BC8B0E3E-C8B4-DDF6-A8BB-022D8D733FDD}"/>
-              </a:ext>
-            </a:extLst>
-          </p:cNvPr>
-          <p:cNvCxnSpPr>
-            <a:cxnSpLocks/>
-            <a:stCxn id="14" idx="1"/>
-          </p:cNvCxnSpPr>
-          <p:nvPr/>
-        </p:nvCxnSpPr>
-        <p:spPr>
-          <a:xfrm rot="5400000" flipH="1" flipV="1">
-            <a:off x="1847333" y="3010974"/>
-            <a:ext cx="1049342" cy="137274"/>
-          </a:xfrm>
-          <a:prstGeom prst="curvedConnector3">
-            <a:avLst>
-              <a:gd name="adj1" fmla="val 50000"/>
-            </a:avLst>
-          </a:prstGeom>
-          <a:ln>
-            <a:tailEnd type="triangle"/>
-          </a:ln>
-        </p:spPr>
-        <p:style>
-          <a:lnRef idx="1">
-            <a:schemeClr val="accent1"/>
-          </a:lnRef>
-          <a:fillRef idx="0">
-            <a:schemeClr val="accent1"/>
-          </a:fillRef>
-          <a:effectRef idx="0">
-            <a:schemeClr val="accent1"/>
-          </a:effectRef>
-          <a:fontRef idx="minor">
-            <a:schemeClr val="tx1"/>
-          </a:fontRef>
-        </p:style>
-      </p:cxnSp>
-      <p:cxnSp>
-        <p:nvCxnSpPr>
-          <p:cNvPr id="17" name="Connector: Curved 16">
-            <a:extLst>
-              <a:ext uri="{FF2B5EF4-FFF2-40B4-BE49-F238E27FC236}">
-                <a16:creationId xmlns:a16="http://schemas.microsoft.com/office/drawing/2014/main" id="{8E6F5076-1D1B-B13E-C35D-2E4EE66B26A2}"/>
-              </a:ext>
-            </a:extLst>
-          </p:cNvPr>
-          <p:cNvCxnSpPr>
-            <a:stCxn id="15" idx="1"/>
-          </p:cNvCxnSpPr>
-          <p:nvPr/>
-        </p:nvCxnSpPr>
-        <p:spPr>
-          <a:xfrm rot="16200000" flipV="1">
-            <a:off x="3357722" y="2643022"/>
-            <a:ext cx="1015487" cy="852772"/>
-          </a:xfrm>
-          <a:prstGeom prst="curvedConnector3">
-            <a:avLst/>
-          </a:prstGeom>
-          <a:ln>
-            <a:tailEnd type="triangle"/>
-          </a:ln>
-        </p:spPr>
-        <p:style>
-          <a:lnRef idx="1">
-            <a:schemeClr val="accent1"/>
-          </a:lnRef>
-          <a:fillRef idx="0">
-            <a:schemeClr val="accent1"/>
-          </a:fillRef>
-          <a:effectRef idx="0">
-            <a:schemeClr val="accent1"/>
-          </a:effectRef>
-          <a:fontRef idx="minor">
-            <a:schemeClr val="tx1"/>
-          </a:fontRef>
-        </p:style>
-      </p:cxnSp>
-      <p:sp>
-        <p:nvSpPr>
-          <p:cNvPr id="18" name="TextBox 17">
-            <a:extLst>
-              <a:ext uri="{FF2B5EF4-FFF2-40B4-BE49-F238E27FC236}">
-                <a16:creationId xmlns:a16="http://schemas.microsoft.com/office/drawing/2014/main" id="{78934AE2-467E-4594-AC36-FD821778D087}"/>
-              </a:ext>
-            </a:extLst>
-          </p:cNvPr>
-          <p:cNvSpPr txBox="1"/>
-          <p:nvPr/>
-        </p:nvSpPr>
-        <p:spPr>
-          <a:xfrm>
-            <a:off x="1815348" y="2225488"/>
-            <a:ext cx="2420476" cy="369332"/>
-          </a:xfrm>
-          <a:prstGeom prst="rect">
-            <a:avLst/>
-          </a:prstGeom>
-          <a:noFill/>
-        </p:spPr>
-        <p:txBody>
-          <a:bodyPr wrap="square" rtlCol="0">
-            <a:spAutoFit/>
-          </a:bodyPr>
-          <a:lstStyle/>
-          <a:p>
-            <a:r>
-              <a:rPr lang="en-IN" dirty="0"/>
-              <a:t>Cache Synchronization</a:t>
-            </a:r>
-          </a:p>
-        </p:txBody>
-      </p:sp>
-      <p:sp>
-        <p:nvSpPr>
-          <p:cNvPr id="19" name="Rectangle 18">
-            <a:extLst>
-              <a:ext uri="{FF2B5EF4-FFF2-40B4-BE49-F238E27FC236}">
-                <a16:creationId xmlns:a16="http://schemas.microsoft.com/office/drawing/2014/main" id="{374D6DF6-133E-6B24-DC2E-B684DF752CC2}"/>
-              </a:ext>
-            </a:extLst>
-          </p:cNvPr>
-          <p:cNvSpPr/>
-          <p:nvPr/>
-        </p:nvSpPr>
-        <p:spPr>
-          <a:xfrm>
-            <a:off x="7178490" y="2308803"/>
-            <a:ext cx="1116106" cy="1221284"/>
+            <a:off x="984250" y="3134501"/>
+            <a:ext cx="2540000" cy="895350"/>
           </a:xfrm>
           <a:prstGeom prst="rect">
             <a:avLst/>
@@ -25704,26 +26301,66 @@
           <a:bodyPr rtlCol="0" anchor="ctr"/>
           <a:lstStyle/>
           <a:p>
-            <a:pPr algn="ctr"/>
-            <a:r>
-              <a:rPr lang="en-IN" dirty="0"/>
-              <a:t>Thread 1</a:t>
-            </a:r>
-          </a:p>
-          <a:p>
-            <a:r>
-              <a:rPr lang="en-IN" sz="1000" dirty="0"/>
-              <a:t>Spinlock acquisition will  invalidate other copies in other CPUS</a:t>
+            <a:r>
+              <a:rPr lang="en-IN" sz="800" dirty="0"/>
+              <a:t>Volatile int counter = 0;</a:t>
+            </a:r>
+          </a:p>
+          <a:p>
+            <a:r>
+              <a:rPr lang="en-IN" sz="800" dirty="0"/>
+              <a:t>Thread_func1()</a:t>
+            </a:r>
+          </a:p>
+          <a:p>
+            <a:r>
+              <a:rPr lang="en-IN" sz="800" dirty="0"/>
+              <a:t>{</a:t>
+            </a:r>
+          </a:p>
+          <a:p>
+            <a:r>
+              <a:rPr lang="en-US" sz="800" dirty="0"/>
+              <a:t>for (int </a:t>
+            </a:r>
+            <a:r>
+              <a:rPr lang="en-US" sz="800" dirty="0" err="1"/>
+              <a:t>i</a:t>
+            </a:r>
+            <a:r>
+              <a:rPr lang="en-US" sz="800" dirty="0"/>
+              <a:t> = 0;i &lt; 100000; </a:t>
+            </a:r>
+            <a:r>
+              <a:rPr lang="en-US" sz="800" dirty="0" err="1"/>
+              <a:t>i</a:t>
+            </a:r>
+            <a:r>
+              <a:rPr lang="en-US" sz="800" dirty="0"/>
+              <a:t>++)</a:t>
+            </a:r>
+          </a:p>
+          <a:p>
+            <a:r>
+              <a:rPr lang="en-US" sz="800" dirty="0"/>
+              <a:t>                counter = counter + 1;</a:t>
+            </a:r>
+            <a:endParaRPr lang="en-IN" sz="800" dirty="0"/>
+          </a:p>
+          <a:p>
+            <a:r>
+              <a:rPr lang="en-IN" sz="800" dirty="0"/>
+              <a:t>}</a:t>
             </a:r>
           </a:p>
         </p:txBody>
       </p:sp>
       <p:sp>
         <p:nvSpPr>
-          <p:cNvPr id="22" name="Rectangle 21">
+          <p:cNvPr id="6" name="Rectangle 5">
             <a:extLst>
               <a:ext uri="{FF2B5EF4-FFF2-40B4-BE49-F238E27FC236}">
-                <a16:creationId xmlns:a16="http://schemas.microsoft.com/office/drawing/2014/main" id="{19913436-2640-5377-CCE6-2913CAD5DCE6}"/>
+                <a16:creationId xmlns:a16="http://schemas.microsoft.com/office/drawing/2014/main" id="{1F5C3F10-7D84-1074-B5C0-842F01F32BAD}"/>
               </a:ext>
             </a:extLst>
           </p:cNvPr>
@@ -25732,216 +26369,8 @@
         </p:nvSpPr>
         <p:spPr>
           <a:xfrm>
-            <a:off x="8455960" y="4049057"/>
-            <a:ext cx="1741394" cy="428345"/>
-          </a:xfrm>
-          <a:prstGeom prst="rect">
-            <a:avLst/>
-          </a:prstGeom>
-          <a:solidFill>
-            <a:srgbClr val="7030A0"/>
-          </a:solidFill>
-        </p:spPr>
-        <p:style>
-          <a:lnRef idx="2">
-            <a:schemeClr val="accent1">
-              <a:shade val="50000"/>
-            </a:schemeClr>
-          </a:lnRef>
-          <a:fillRef idx="1">
-            <a:schemeClr val="accent1"/>
-          </a:fillRef>
-          <a:effectRef idx="0">
-            <a:schemeClr val="accent1"/>
-          </a:effectRef>
-          <a:fontRef idx="minor">
-            <a:schemeClr val="lt1"/>
-          </a:fontRef>
-        </p:style>
-        <p:txBody>
-          <a:bodyPr rtlCol="0" anchor="ctr"/>
-          <a:lstStyle/>
-          <a:p>
-            <a:pPr algn="ctr"/>
-            <a:r>
-              <a:rPr lang="en-IN" dirty="0"/>
-              <a:t>Shared memory </a:t>
-            </a:r>
-          </a:p>
-        </p:txBody>
-      </p:sp>
-      <p:sp>
-        <p:nvSpPr>
-          <p:cNvPr id="23" name="Rectangle 22">
-            <a:extLst>
-              <a:ext uri="{FF2B5EF4-FFF2-40B4-BE49-F238E27FC236}">
-                <a16:creationId xmlns:a16="http://schemas.microsoft.com/office/drawing/2014/main" id="{03EA32E7-9080-752A-A814-756EDFDDF90B}"/>
-              </a:ext>
-            </a:extLst>
-          </p:cNvPr>
-          <p:cNvSpPr/>
-          <p:nvPr/>
-        </p:nvSpPr>
-        <p:spPr>
-          <a:xfrm>
-            <a:off x="7178490" y="3530086"/>
-            <a:ext cx="618564" cy="316005"/>
-          </a:xfrm>
-          <a:prstGeom prst="rect">
-            <a:avLst/>
-          </a:prstGeom>
-          <a:solidFill>
-            <a:srgbClr val="92D050"/>
-          </a:solidFill>
-        </p:spPr>
-        <p:style>
-          <a:lnRef idx="2">
-            <a:schemeClr val="accent1">
-              <a:shade val="50000"/>
-            </a:schemeClr>
-          </a:lnRef>
-          <a:fillRef idx="1">
-            <a:schemeClr val="accent1"/>
-          </a:fillRef>
-          <a:effectRef idx="0">
-            <a:schemeClr val="accent1"/>
-          </a:effectRef>
-          <a:fontRef idx="minor">
-            <a:schemeClr val="lt1"/>
-          </a:fontRef>
-        </p:style>
-        <p:txBody>
-          <a:bodyPr rtlCol="0" anchor="ctr"/>
-          <a:lstStyle/>
-          <a:p>
-            <a:pPr algn="ctr"/>
-            <a:r>
-              <a:rPr lang="en-IN" sz="1000" dirty="0"/>
-              <a:t>CPU 0</a:t>
-            </a:r>
-          </a:p>
-        </p:txBody>
-      </p:sp>
-      <p:sp>
-        <p:nvSpPr>
-          <p:cNvPr id="24" name="Rectangle 23">
-            <a:extLst>
-              <a:ext uri="{FF2B5EF4-FFF2-40B4-BE49-F238E27FC236}">
-                <a16:creationId xmlns:a16="http://schemas.microsoft.com/office/drawing/2014/main" id="{6DF54B67-6E17-B277-574F-2F3F917E2A5C}"/>
-              </a:ext>
-            </a:extLst>
-          </p:cNvPr>
-          <p:cNvSpPr/>
-          <p:nvPr/>
-        </p:nvSpPr>
-        <p:spPr>
-          <a:xfrm>
-            <a:off x="8704730" y="3530086"/>
-            <a:ext cx="618564" cy="316005"/>
-          </a:xfrm>
-          <a:prstGeom prst="rect">
-            <a:avLst/>
-          </a:prstGeom>
-          <a:solidFill>
-            <a:srgbClr val="92D050"/>
-          </a:solidFill>
-        </p:spPr>
-        <p:style>
-          <a:lnRef idx="2">
-            <a:schemeClr val="accent1">
-              <a:shade val="50000"/>
-            </a:schemeClr>
-          </a:lnRef>
-          <a:fillRef idx="1">
-            <a:schemeClr val="accent1"/>
-          </a:fillRef>
-          <a:effectRef idx="0">
-            <a:schemeClr val="accent1"/>
-          </a:effectRef>
-          <a:fontRef idx="minor">
-            <a:schemeClr val="lt1"/>
-          </a:fontRef>
-        </p:style>
-        <p:txBody>
-          <a:bodyPr rtlCol="0" anchor="ctr"/>
-          <a:lstStyle/>
-          <a:p>
-            <a:pPr algn="ctr"/>
-            <a:r>
-              <a:rPr lang="en-IN" sz="1000" dirty="0"/>
-              <a:t>CPU 2</a:t>
-            </a:r>
-          </a:p>
-        </p:txBody>
-      </p:sp>
-      <p:sp>
-        <p:nvSpPr>
-          <p:cNvPr id="25" name="Rectangle 24">
-            <a:extLst>
-              <a:ext uri="{FF2B5EF4-FFF2-40B4-BE49-F238E27FC236}">
-                <a16:creationId xmlns:a16="http://schemas.microsoft.com/office/drawing/2014/main" id="{540949BA-7FD4-6EC3-7194-779B740E63E6}"/>
-              </a:ext>
-            </a:extLst>
-          </p:cNvPr>
-          <p:cNvSpPr/>
-          <p:nvPr/>
-        </p:nvSpPr>
-        <p:spPr>
-          <a:xfrm>
-            <a:off x="10432681" y="3530086"/>
-            <a:ext cx="618564" cy="316005"/>
-          </a:xfrm>
-          <a:prstGeom prst="rect">
-            <a:avLst/>
-          </a:prstGeom>
-          <a:solidFill>
-            <a:srgbClr val="92D050"/>
-          </a:solidFill>
-        </p:spPr>
-        <p:style>
-          <a:lnRef idx="2">
-            <a:schemeClr val="accent1">
-              <a:shade val="50000"/>
-            </a:schemeClr>
-          </a:lnRef>
-          <a:fillRef idx="1">
-            <a:schemeClr val="accent1"/>
-          </a:fillRef>
-          <a:effectRef idx="0">
-            <a:schemeClr val="accent1"/>
-          </a:effectRef>
-          <a:fontRef idx="minor">
-            <a:schemeClr val="lt1"/>
-          </a:fontRef>
-        </p:style>
-        <p:txBody>
-          <a:bodyPr rtlCol="0" anchor="ctr"/>
-          <a:lstStyle/>
-          <a:p>
-            <a:pPr algn="ctr"/>
-            <a:r>
-              <a:rPr lang="en-IN" sz="1000" dirty="0"/>
-              <a:t>CPU M</a:t>
-            </a:r>
-          </a:p>
-        </p:txBody>
-      </p:sp>
-      <p:sp>
-        <p:nvSpPr>
-          <p:cNvPr id="26" name="Rectangle 25">
-            <a:extLst>
-              <a:ext uri="{FF2B5EF4-FFF2-40B4-BE49-F238E27FC236}">
-                <a16:creationId xmlns:a16="http://schemas.microsoft.com/office/drawing/2014/main" id="{2AC53DD9-9CDC-3C28-417D-82AF5F7C1DE2}"/>
-              </a:ext>
-            </a:extLst>
-          </p:cNvPr>
-          <p:cNvSpPr/>
-          <p:nvPr/>
-        </p:nvSpPr>
-        <p:spPr>
-          <a:xfrm>
-            <a:off x="8713694" y="2308802"/>
-            <a:ext cx="1116106" cy="1221284"/>
+            <a:off x="5156200" y="3134501"/>
+            <a:ext cx="2540000" cy="895350"/>
           </a:xfrm>
           <a:prstGeom prst="rect">
             <a:avLst/>
@@ -25967,73 +26396,56 @@
           <a:bodyPr rtlCol="0" anchor="ctr"/>
           <a:lstStyle/>
           <a:p>
-            <a:pPr algn="ctr"/>
-            <a:r>
-              <a:rPr lang="en-IN" dirty="0"/>
-              <a:t>Thread 2</a:t>
-            </a:r>
-          </a:p>
-          <a:p>
-            <a:pPr algn="ctr"/>
-            <a:r>
-              <a:rPr lang="en-IN" sz="1000" dirty="0"/>
-              <a:t>Will invalidate other copies in other CPUS</a:t>
-            </a:r>
-          </a:p>
-        </p:txBody>
-      </p:sp>
-      <p:sp>
-        <p:nvSpPr>
-          <p:cNvPr id="27" name="Rectangle 26">
-            <a:extLst>
-              <a:ext uri="{FF2B5EF4-FFF2-40B4-BE49-F238E27FC236}">
-                <a16:creationId xmlns:a16="http://schemas.microsoft.com/office/drawing/2014/main" id="{EA3596FD-CF86-F3CA-6989-E5B5ED25FA45}"/>
-              </a:ext>
-            </a:extLst>
-          </p:cNvPr>
-          <p:cNvSpPr/>
-          <p:nvPr/>
-        </p:nvSpPr>
-        <p:spPr>
-          <a:xfrm>
-            <a:off x="10432681" y="2308802"/>
-            <a:ext cx="1116106" cy="1221284"/>
-          </a:xfrm>
-          <a:prstGeom prst="rect">
-            <a:avLst/>
-          </a:prstGeom>
-        </p:spPr>
-        <p:style>
-          <a:lnRef idx="2">
-            <a:schemeClr val="accent1">
-              <a:shade val="50000"/>
-            </a:schemeClr>
-          </a:lnRef>
-          <a:fillRef idx="1">
-            <a:schemeClr val="accent1"/>
-          </a:fillRef>
-          <a:effectRef idx="0">
-            <a:schemeClr val="accent1"/>
-          </a:effectRef>
-          <a:fontRef idx="minor">
-            <a:schemeClr val="lt1"/>
-          </a:fontRef>
-        </p:style>
-        <p:txBody>
-          <a:bodyPr rtlCol="0" anchor="ctr"/>
-          <a:lstStyle/>
-          <a:p>
-            <a:pPr algn="ctr"/>
-            <a:r>
-              <a:rPr lang="en-IN" dirty="0"/>
-              <a:t>Thread 3</a:t>
-            </a:r>
-          </a:p>
-          <a:p>
-            <a:pPr algn="ctr"/>
-            <a:r>
-              <a:rPr lang="en-IN" sz="1000" dirty="0"/>
-              <a:t>Will invalidate other copies in other CPUS</a:t>
+            <a:r>
+              <a:rPr lang="en-IN" sz="800" dirty="0"/>
+              <a:t>Volatile int counter = 0;</a:t>
+            </a:r>
+          </a:p>
+          <a:p>
+            <a:r>
+              <a:rPr lang="en-IN" sz="800" dirty="0"/>
+              <a:t>Thread_func2()</a:t>
+            </a:r>
+          </a:p>
+          <a:p>
+            <a:r>
+              <a:rPr lang="en-IN" sz="800" dirty="0"/>
+              <a:t>{</a:t>
+            </a:r>
+          </a:p>
+          <a:p>
+            <a:r>
+              <a:rPr lang="en-US" sz="800" dirty="0"/>
+              <a:t>for (int </a:t>
+            </a:r>
+            <a:r>
+              <a:rPr lang="en-US" sz="800" dirty="0" err="1"/>
+              <a:t>i</a:t>
+            </a:r>
+            <a:r>
+              <a:rPr lang="en-US" sz="800" dirty="0"/>
+              <a:t> = 0;i &lt; 100000; </a:t>
+            </a:r>
+            <a:r>
+              <a:rPr lang="en-US" sz="800" dirty="0" err="1"/>
+              <a:t>i</a:t>
+            </a:r>
+            <a:r>
+              <a:rPr lang="en-US" sz="800" dirty="0"/>
+              <a:t>++)</a:t>
+            </a:r>
+          </a:p>
+          <a:p>
+            <a:r>
+              <a:rPr lang="en-US" sz="800" dirty="0"/>
+              <a:t>                counter = counter + 1;</a:t>
+            </a:r>
+            <a:endParaRPr lang="en-IN" sz="800" dirty="0"/>
+          </a:p>
+          <a:p>
+            <a:r>
+              <a:rPr lang="en-IN" sz="800" dirty="0"/>
+              <a:t>}</a:t>
             </a:r>
           </a:p>
         </p:txBody>
@@ -26041,7 +26453,7 @@
     </p:spTree>
     <p:extLst>
       <p:ext uri="{BB962C8B-B14F-4D97-AF65-F5344CB8AC3E}">
-        <p14:creationId xmlns:p14="http://schemas.microsoft.com/office/powerpoint/2010/main" val="4082854983"/>
+        <p14:creationId xmlns:p14="http://schemas.microsoft.com/office/powerpoint/2010/main" val="2384022613"/>
       </p:ext>
     </p:extLst>
   </p:cSld>
@@ -26084,19 +26496,14 @@
             <p:ph type="title"/>
           </p:nvPr>
         </p:nvSpPr>
-        <p:spPr>
-          <a:xfrm>
-            <a:off x="1024128" y="585216"/>
-            <a:ext cx="9720072" cy="981611"/>
-          </a:xfrm>
-        </p:spPr>
+        <p:spPr/>
         <p:txBody>
           <a:bodyPr/>
           <a:lstStyle/>
           <a:p>
             <a:r>
               <a:rPr lang="en-IN" dirty="0"/>
-              <a:t>Userspace SYNCHRONIZATION primitives </a:t>
+              <a:t>Userspace primitives (Atomic variable )</a:t>
             </a:r>
           </a:p>
         </p:txBody>
@@ -26125,7 +26532,7 @@
         </p:spPr>
         <p:txBody>
           <a:bodyPr>
-            <a:normAutofit fontScale="92500" lnSpcReduction="20000"/>
+            <a:normAutofit/>
           </a:bodyPr>
           <a:lstStyle/>
           <a:p>
@@ -26152,19 +26559,8 @@
             </a:pPr>
             <a:r>
               <a:rPr lang="en-US" sz="1800" dirty="0"/>
-              <a:t>Let's write see the behavior of a  program with 2 threads modifying same variable. Without any locks the modification leads to undefined values for the resultant variable.</a:t>
-            </a:r>
-          </a:p>
-          <a:p>
-            <a:pPr rtl="0">
-              <a:spcBef>
-                <a:spcPts val="0"/>
-              </a:spcBef>
-              <a:spcAft>
-                <a:spcPts val="0"/>
-              </a:spcAft>
-            </a:pPr>
-            <a:endParaRPr lang="en-US" sz="1800" dirty="0"/>
+              <a:t>Let's protect the global variable using the atomic primitive</a:t>
+            </a:r>
           </a:p>
           <a:p>
             <a:pPr rtl="0">
@@ -26240,88 +26636,68 @@
             <a:endParaRPr lang="en-US" sz="1800" dirty="0"/>
           </a:p>
           <a:p>
-            <a:pPr marL="0" indent="0" rtl="0">
+            <a:pPr rtl="0">
               <a:spcBef>
                 <a:spcPts val="0"/>
               </a:spcBef>
               <a:spcAft>
                 <a:spcPts val="0"/>
               </a:spcAft>
-              <a:buNone/>
             </a:pPr>
-            <a:endParaRPr lang="en-US" sz="1800" dirty="0"/>
-          </a:p>
-          <a:p>
-            <a:pPr marL="0" indent="0" rtl="0">
-              <a:spcBef>
-                <a:spcPts val="0"/>
-              </a:spcBef>
-              <a:spcAft>
-                <a:spcPts val="0"/>
-              </a:spcAft>
-              <a:buNone/>
-            </a:pPr>
-            <a:endParaRPr lang="en-US" sz="1800" dirty="0"/>
-          </a:p>
-          <a:p>
-            <a:pPr marL="0" indent="0" rtl="0">
-              <a:spcBef>
-                <a:spcPts val="0"/>
-              </a:spcBef>
-              <a:spcAft>
-                <a:spcPts val="0"/>
-              </a:spcAft>
-              <a:buNone/>
-            </a:pPr>
-            <a:endParaRPr lang="en-US" sz="1800" dirty="0"/>
-          </a:p>
-          <a:p>
-            <a:pPr marL="0" indent="0" rtl="0">
-              <a:spcBef>
-                <a:spcPts val="0"/>
-              </a:spcBef>
-              <a:spcAft>
-                <a:spcPts val="0"/>
-              </a:spcAft>
-              <a:buNone/>
-            </a:pPr>
-            <a:endParaRPr lang="en-US" sz="1800" dirty="0"/>
-          </a:p>
-          <a:p>
-            <a:pPr marL="0" indent="0" rtl="0">
-              <a:spcBef>
-                <a:spcPts val="0"/>
-              </a:spcBef>
-              <a:spcAft>
-                <a:spcPts val="0"/>
-              </a:spcAft>
-              <a:buNone/>
-            </a:pPr>
-            <a:endParaRPr lang="en-US" sz="1800" dirty="0"/>
-          </a:p>
-          <a:p>
-            <a:pPr marL="0" indent="0" rtl="0">
-              <a:spcBef>
-                <a:spcPts val="0"/>
-              </a:spcBef>
-              <a:spcAft>
-                <a:spcPts val="0"/>
-              </a:spcAft>
-              <a:buNone/>
-            </a:pPr>
-            <a:endParaRPr lang="en-US" sz="1800" dirty="0"/>
-          </a:p>
-          <a:p>
-            <a:pPr marL="0" indent="0" rtl="0">
-              <a:spcBef>
-                <a:spcPts val="0"/>
-              </a:spcBef>
-              <a:spcAft>
-                <a:spcPts val="0"/>
-              </a:spcAft>
-              <a:buNone/>
-            </a:pPr>
-            <a:endParaRPr lang="en-US" sz="1800" dirty="0"/>
+            <a:r>
+              <a:rPr lang="en-US" sz="1800" dirty="0"/>
+              <a:t>Output is :</a:t>
+            </a:r>
+            <a:br>
+              <a:rPr lang="en-US" sz="1800" dirty="0"/>
+            </a:br>
+            <a:r>
+              <a:rPr lang="en-US" sz="1000" dirty="0"/>
+              <a:t>Thread 1</a:t>
+            </a:r>
+            <a:br>
+              <a:rPr lang="en-US" sz="1000" dirty="0"/>
+            </a:br>
+            <a:r>
+              <a:rPr lang="en-US" sz="1000" dirty="0"/>
+              <a:t>Thread 2</a:t>
+            </a:r>
+            <a:br>
+              <a:rPr lang="en-US" sz="1000" dirty="0"/>
+            </a:br>
+            <a:r>
+              <a:rPr lang="en-US" sz="1000" dirty="0"/>
+              <a:t>time taken 0.007320 secs     --- </a:t>
+            </a:r>
+            <a:r>
+              <a:rPr lang="en-US" sz="1000" dirty="0">
+                <a:solidFill>
+                  <a:srgbClr val="FF0000"/>
+                </a:solidFill>
+              </a:rPr>
+              <a:t>7 times more if we use atomic</a:t>
+            </a:r>
+            <a:br>
+              <a:rPr lang="en-US" sz="1000" dirty="0"/>
+            </a:br>
+            <a:r>
+              <a:rPr lang="en-US" sz="1000" dirty="0"/>
+              <a:t>Thread 1 returns: 0</a:t>
+            </a:r>
+            <a:br>
+              <a:rPr lang="en-US" sz="1000" dirty="0"/>
+            </a:br>
+            <a:r>
+              <a:rPr lang="en-US" sz="1000" dirty="0"/>
+              <a:t>Thread 2 returns: 0</a:t>
+            </a:r>
+            <a:br>
+              <a:rPr lang="en-US" sz="1000" dirty="0"/>
+            </a:br>
+            <a:r>
+              <a:rPr lang="en-US" sz="1000" dirty="0"/>
+              <a:t>counter = 200000</a:t>
+            </a:r>
           </a:p>
           <a:p>
             <a:pPr rtl="0">
@@ -26335,79 +26711,199 @@
             <a:endParaRPr lang="en-US" sz="1800" dirty="0"/>
           </a:p>
           <a:p>
-            <a:pPr rtl="0">
+            <a:pPr>
               <a:spcBef>
                 <a:spcPts val="0"/>
               </a:spcBef>
-              <a:spcAft>
-                <a:spcPts val="0"/>
-              </a:spcAft>
             </a:pPr>
             <a:r>
               <a:rPr lang="en-US" sz="1800" dirty="0"/>
-              <a:t>Output is :</a:t>
+              <a:t>Let's do a disassembly of __sync_add_and_fetch and see </a:t>
             </a:r>
             <a:br>
               <a:rPr lang="en-US" sz="1800" dirty="0"/>
             </a:br>
             <a:r>
-              <a:rPr lang="en-US" sz="1800" dirty="0"/>
-              <a:t>Thread 1</a:t>
+              <a:rPr lang="en-US" sz="1000" b="0" dirty="0">
+                <a:effectLst/>
+              </a:rPr>
+              <a:t>return __sync_add_and_fetch(atomic, </a:t>
+            </a:r>
+            <a:r>
+              <a:rPr lang="en-US" sz="1000" b="0" dirty="0" err="1">
+                <a:effectLst/>
+              </a:rPr>
+              <a:t>val</a:t>
+            </a:r>
+            <a:r>
+              <a:rPr lang="en-US" sz="1000" b="0" dirty="0">
+                <a:effectLst/>
+              </a:rPr>
+              <a:t>);</a:t>
             </a:r>
             <a:br>
-              <a:rPr lang="en-US" sz="1800" dirty="0"/>
+              <a:rPr lang="en-US" sz="1000" b="0" dirty="0">
+                <a:effectLst/>
+              </a:rPr>
             </a:br>
             <a:r>
-              <a:rPr lang="en-US" sz="1800" dirty="0"/>
-              <a:t>Thread 2</a:t>
+              <a:rPr lang="en-US" sz="1000" b="0" dirty="0">
+                <a:effectLst/>
+              </a:rPr>
+              <a:t>11d8:       8b 4d f4                mov    -0xc(%</a:t>
+            </a:r>
+            <a:r>
+              <a:rPr lang="en-US" sz="1000" b="0" dirty="0" err="1">
+                <a:effectLst/>
+              </a:rPr>
+              <a:t>rbp</a:t>
+            </a:r>
+            <a:r>
+              <a:rPr lang="en-US" sz="1000" b="0" dirty="0">
+                <a:effectLst/>
+              </a:rPr>
+              <a:t>),%</a:t>
+            </a:r>
+            <a:r>
+              <a:rPr lang="en-US" sz="1000" b="0" dirty="0" err="1">
+                <a:effectLst/>
+              </a:rPr>
+              <a:t>ecx</a:t>
             </a:r>
             <a:br>
-              <a:rPr lang="en-US" sz="1800" dirty="0"/>
+              <a:rPr lang="en-US" sz="1000" b="0" dirty="0">
+                <a:effectLst/>
+              </a:rPr>
             </a:br>
             <a:r>
-              <a:rPr lang="en-US" sz="1800" dirty="0"/>
-              <a:t>time taken 0.001365 secs</a:t>
+              <a:rPr lang="en-US" sz="1000" b="0" dirty="0">
+                <a:effectLst/>
+              </a:rPr>
+              <a:t>11db:       48 8b 55 f8             mov    -0x8(%</a:t>
+            </a:r>
+            <a:r>
+              <a:rPr lang="en-US" sz="1000" b="0" dirty="0" err="1">
+                <a:effectLst/>
+              </a:rPr>
+              <a:t>rbp</a:t>
+            </a:r>
+            <a:r>
+              <a:rPr lang="en-US" sz="1000" b="0" dirty="0">
+                <a:effectLst/>
+              </a:rPr>
+              <a:t>),%</a:t>
+            </a:r>
+            <a:r>
+              <a:rPr lang="en-US" sz="1000" b="0" dirty="0" err="1">
+                <a:effectLst/>
+              </a:rPr>
+              <a:t>rdx</a:t>
             </a:r>
             <a:br>
-              <a:rPr lang="en-US" sz="1800" dirty="0"/>
+              <a:rPr lang="en-US" sz="1000" b="0" dirty="0">
+                <a:effectLst/>
+              </a:rPr>
             </a:br>
             <a:r>
-              <a:rPr lang="en-US" sz="1800" dirty="0"/>
-              <a:t>Thread 1 returns: 0</a:t>
+              <a:rPr lang="en-US" sz="1000" b="0" dirty="0">
+                <a:effectLst/>
+              </a:rPr>
+              <a:t>11df:       89 c8                   mov    %</a:t>
+            </a:r>
+            <a:r>
+              <a:rPr lang="en-US" sz="1000" b="0" dirty="0" err="1">
+                <a:effectLst/>
+              </a:rPr>
+              <a:t>ecx</a:t>
+            </a:r>
+            <a:r>
+              <a:rPr lang="en-US" sz="1000" b="0" dirty="0">
+                <a:effectLst/>
+              </a:rPr>
+              <a:t>,%</a:t>
+            </a:r>
+            <a:r>
+              <a:rPr lang="en-US" sz="1000" b="0" dirty="0" err="1">
+                <a:effectLst/>
+              </a:rPr>
+              <a:t>eax</a:t>
             </a:r>
             <a:br>
-              <a:rPr lang="en-US" sz="1800" dirty="0"/>
+              <a:rPr lang="en-US" sz="1000" b="0" dirty="0">
+                <a:effectLst/>
+              </a:rPr>
             </a:br>
             <a:r>
-              <a:rPr lang="en-US" sz="1800" dirty="0"/>
-              <a:t>Thread 2 returns: 0</a:t>
-            </a:r>
-            <a:br>
-              <a:rPr lang="en-US" sz="1800" dirty="0"/>
-            </a:br>
-            <a:r>
-              <a:rPr lang="en-US" sz="1800" dirty="0"/>
-              <a:t>counter = </a:t>
-            </a:r>
-            <a:r>
-              <a:rPr lang="en-US" sz="1800" dirty="0">
+              <a:rPr lang="en-US" sz="1000" b="0" dirty="0">
+                <a:effectLst/>
+              </a:rPr>
+              <a:t>11e1:       f0 0f c1 02             lock xadd %</a:t>
+            </a:r>
+            <a:r>
+              <a:rPr lang="en-US" sz="1000" b="0" dirty="0" err="1">
+                <a:effectLst/>
+              </a:rPr>
+              <a:t>eax</a:t>
+            </a:r>
+            <a:r>
+              <a:rPr lang="en-US" sz="1000" b="0" dirty="0">
+                <a:effectLst/>
+              </a:rPr>
+              <a:t>,(%</a:t>
+            </a:r>
+            <a:r>
+              <a:rPr lang="en-US" sz="1000" b="0" dirty="0" err="1">
+                <a:effectLst/>
+              </a:rPr>
+              <a:t>rdx</a:t>
+            </a:r>
+            <a:r>
+              <a:rPr lang="en-US" sz="1000" b="0" dirty="0">
+                <a:effectLst/>
+              </a:rPr>
+              <a:t>)         </a:t>
+            </a:r>
+            <a:r>
+              <a:rPr lang="en-US" sz="1000" b="0" dirty="0">
                 <a:solidFill>
                   <a:srgbClr val="FF0000"/>
                 </a:solidFill>
-              </a:rPr>
-              <a:t>100602             --- this shall be 200000</a:t>
-            </a:r>
-          </a:p>
-          <a:p>
-            <a:pPr rtl="0">
-              <a:spcBef>
-                <a:spcPts val="0"/>
-              </a:spcBef>
-              <a:spcAft>
-                <a:spcPts val="0"/>
-              </a:spcAft>
-            </a:pPr>
-            <a:endParaRPr lang="en-US" sz="1800" dirty="0"/>
+                <a:effectLst/>
+              </a:rPr>
+              <a:t>--- lock prefix usage </a:t>
+            </a:r>
+            <a:br>
+              <a:rPr lang="en-US" sz="1000" b="0" dirty="0">
+                <a:effectLst/>
+              </a:rPr>
+            </a:br>
+            <a:r>
+              <a:rPr lang="en-US" sz="1000" b="0" dirty="0">
+                <a:effectLst/>
+              </a:rPr>
+              <a:t>11e5:       01 c8                   add    %</a:t>
+            </a:r>
+            <a:r>
+              <a:rPr lang="en-US" sz="1000" b="0" dirty="0" err="1">
+                <a:effectLst/>
+              </a:rPr>
+              <a:t>ecx</a:t>
+            </a:r>
+            <a:r>
+              <a:rPr lang="en-US" sz="1000" b="0" dirty="0">
+                <a:effectLst/>
+              </a:rPr>
+              <a:t>,%</a:t>
+            </a:r>
+            <a:r>
+              <a:rPr lang="en-US" sz="1000" b="0" dirty="0" err="1">
+                <a:effectLst/>
+              </a:rPr>
+              <a:t>eax</a:t>
+            </a:r>
+            <a:endParaRPr lang="en-US" sz="1000" b="0" dirty="0">
+              <a:effectLst/>
+            </a:endParaRPr>
           </a:p>
           <a:p>
             <a:pPr rtl="0">
@@ -26467,7 +26963,7 @@
         </p:nvSpPr>
         <p:spPr>
           <a:xfrm>
-            <a:off x="984250" y="3134501"/>
+            <a:off x="1155700" y="2588401"/>
             <a:ext cx="2540000" cy="895350"/>
           </a:xfrm>
           <a:prstGeom prst="rect">
@@ -26496,7 +26992,7 @@
           <a:p>
             <a:r>
               <a:rPr lang="en-IN" sz="800" dirty="0"/>
-              <a:t>Volatile int counter = 0;</a:t>
+              <a:t>int counter = 0;</a:t>
             </a:r>
           </a:p>
           <a:p>
@@ -26514,7 +27010,7 @@
           <a:p>
             <a:r>
               <a:rPr lang="en-US" sz="800" dirty="0"/>
-              <a:t>for (int </a:t>
+              <a:t>        for (int </a:t>
             </a:r>
             <a:r>
               <a:rPr lang="en-US" sz="800" dirty="0" err="1"/>
@@ -26536,7 +27032,15 @@
           <a:p>
             <a:r>
               <a:rPr lang="en-US" sz="800" dirty="0"/>
-              <a:t>                counter = counter + 1;</a:t>
+              <a:t>                __</a:t>
+            </a:r>
+            <a:r>
+              <a:rPr lang="en-US" sz="800" dirty="0" err="1"/>
+              <a:t>sync_add_and_fetch</a:t>
+            </a:r>
+            <a:r>
+              <a:rPr lang="en-US" sz="800" dirty="0"/>
+              <a:t>(&amp;counter, 1);</a:t>
             </a:r>
             <a:endParaRPr lang="en-IN" sz="800" dirty="0"/>
           </a:p>
@@ -26562,7 +27066,7 @@
         </p:nvSpPr>
         <p:spPr>
           <a:xfrm>
-            <a:off x="5156200" y="3134501"/>
+            <a:off x="5130800" y="2588401"/>
             <a:ext cx="2540000" cy="895350"/>
           </a:xfrm>
           <a:prstGeom prst="rect">
@@ -26591,7 +27095,7 @@
           <a:p>
             <a:r>
               <a:rPr lang="en-IN" sz="800" dirty="0"/>
-              <a:t>Volatile int counter = 0;</a:t>
+              <a:t>int counter = 0;</a:t>
             </a:r>
           </a:p>
           <a:p>
@@ -26609,7 +27113,7 @@
           <a:p>
             <a:r>
               <a:rPr lang="en-US" sz="800" dirty="0"/>
-              <a:t>for (int </a:t>
+              <a:t>        for (int </a:t>
             </a:r>
             <a:r>
               <a:rPr lang="en-US" sz="800" dirty="0" err="1"/>
@@ -26631,7 +27135,15 @@
           <a:p>
             <a:r>
               <a:rPr lang="en-US" sz="800" dirty="0"/>
-              <a:t>                counter = counter + 1;</a:t>
+              <a:t>                __</a:t>
+            </a:r>
+            <a:r>
+              <a:rPr lang="en-US" sz="800" dirty="0" err="1"/>
+              <a:t>sync_add_and_fetch</a:t>
+            </a:r>
+            <a:r>
+              <a:rPr lang="en-US" sz="800" dirty="0"/>
+              <a:t>(&amp;counter, 1);</a:t>
             </a:r>
             <a:endParaRPr lang="en-IN" sz="800" dirty="0"/>
           </a:p>
@@ -26646,7 +27158,7 @@
     </p:spTree>
     <p:extLst>
       <p:ext uri="{BB962C8B-B14F-4D97-AF65-F5344CB8AC3E}">
-        <p14:creationId xmlns:p14="http://schemas.microsoft.com/office/powerpoint/2010/main" val="2384022613"/>
+        <p14:creationId xmlns:p14="http://schemas.microsoft.com/office/powerpoint/2010/main" val="3974192820"/>
       </p:ext>
     </p:extLst>
   </p:cSld>
@@ -26689,711 +27201,6 @@
             <p:ph type="title"/>
           </p:nvPr>
         </p:nvSpPr>
-        <p:spPr/>
-        <p:txBody>
-          <a:bodyPr/>
-          <a:lstStyle/>
-          <a:p>
-            <a:r>
-              <a:rPr lang="en-IN" dirty="0"/>
-              <a:t>Userspace primitives (Atomic variable )</a:t>
-            </a:r>
-          </a:p>
-        </p:txBody>
-      </p:sp>
-      <p:sp>
-        <p:nvSpPr>
-          <p:cNvPr id="3" name="Content Placeholder 2">
-            <a:extLst>
-              <a:ext uri="{FF2B5EF4-FFF2-40B4-BE49-F238E27FC236}">
-                <a16:creationId xmlns:a16="http://schemas.microsoft.com/office/drawing/2014/main" id="{6444B23A-E489-5E22-3602-A4FFABA64BAF}"/>
-              </a:ext>
-            </a:extLst>
-          </p:cNvPr>
-          <p:cNvSpPr>
-            <a:spLocks noGrp="1"/>
-          </p:cNvSpPr>
-          <p:nvPr>
-            <p:ph idx="1"/>
-          </p:nvPr>
-        </p:nvSpPr>
-        <p:spPr>
-          <a:xfrm>
-            <a:off x="628650" y="1566827"/>
-            <a:ext cx="10515600" cy="4926048"/>
-          </a:xfrm>
-        </p:spPr>
-        <p:txBody>
-          <a:bodyPr>
-            <a:normAutofit/>
-          </a:bodyPr>
-          <a:lstStyle/>
-          <a:p>
-            <a:pPr rtl="0">
-              <a:spcBef>
-                <a:spcPts val="0"/>
-              </a:spcBef>
-              <a:spcAft>
-                <a:spcPts val="0"/>
-              </a:spcAft>
-            </a:pPr>
-            <a:endParaRPr lang="en-US" sz="1800" b="0" dirty="0">
-              <a:effectLst/>
-            </a:endParaRPr>
-          </a:p>
-          <a:p>
-            <a:pPr rtl="0">
-              <a:spcBef>
-                <a:spcPts val="0"/>
-              </a:spcBef>
-              <a:spcAft>
-                <a:spcPts val="0"/>
-              </a:spcAft>
-            </a:pPr>
-            <a:r>
-              <a:rPr lang="en-US" sz="1800" dirty="0"/>
-              <a:t>Let's protect the global variable using the atomic primitive</a:t>
-            </a:r>
-          </a:p>
-          <a:p>
-            <a:pPr rtl="0">
-              <a:spcBef>
-                <a:spcPts val="0"/>
-              </a:spcBef>
-              <a:spcAft>
-                <a:spcPts val="0"/>
-              </a:spcAft>
-            </a:pPr>
-            <a:endParaRPr lang="en-US" sz="1800" dirty="0"/>
-          </a:p>
-          <a:p>
-            <a:pPr rtl="0">
-              <a:spcBef>
-                <a:spcPts val="0"/>
-              </a:spcBef>
-              <a:spcAft>
-                <a:spcPts val="0"/>
-              </a:spcAft>
-            </a:pPr>
-            <a:r>
-              <a:rPr lang="en-US" sz="1800" dirty="0"/>
-              <a:t>Pthread 1 				Pthread2</a:t>
-            </a:r>
-          </a:p>
-          <a:p>
-            <a:pPr marL="0" indent="0" rtl="0">
-              <a:spcBef>
-                <a:spcPts val="0"/>
-              </a:spcBef>
-              <a:spcAft>
-                <a:spcPts val="0"/>
-              </a:spcAft>
-              <a:buNone/>
-            </a:pPr>
-            <a:endParaRPr lang="en-US" sz="1800" dirty="0"/>
-          </a:p>
-          <a:p>
-            <a:pPr marL="0" indent="0" rtl="0">
-              <a:spcBef>
-                <a:spcPts val="0"/>
-              </a:spcBef>
-              <a:spcAft>
-                <a:spcPts val="0"/>
-              </a:spcAft>
-              <a:buNone/>
-            </a:pPr>
-            <a:endParaRPr lang="en-US" sz="1800" dirty="0"/>
-          </a:p>
-          <a:p>
-            <a:pPr marL="0" indent="0" rtl="0">
-              <a:spcBef>
-                <a:spcPts val="0"/>
-              </a:spcBef>
-              <a:spcAft>
-                <a:spcPts val="0"/>
-              </a:spcAft>
-              <a:buNone/>
-            </a:pPr>
-            <a:endParaRPr lang="en-US" sz="1800" dirty="0"/>
-          </a:p>
-          <a:p>
-            <a:pPr marL="0" indent="0" rtl="0">
-              <a:spcBef>
-                <a:spcPts val="0"/>
-              </a:spcBef>
-              <a:spcAft>
-                <a:spcPts val="0"/>
-              </a:spcAft>
-              <a:buNone/>
-            </a:pPr>
-            <a:endParaRPr lang="en-US" sz="1800" dirty="0"/>
-          </a:p>
-          <a:p>
-            <a:pPr rtl="0">
-              <a:spcBef>
-                <a:spcPts val="0"/>
-              </a:spcBef>
-              <a:spcAft>
-                <a:spcPts val="0"/>
-              </a:spcAft>
-            </a:pPr>
-            <a:r>
-              <a:rPr lang="en-US" sz="1800" dirty="0"/>
-              <a:t>Output is :</a:t>
-            </a:r>
-            <a:br>
-              <a:rPr lang="en-US" sz="1800" dirty="0"/>
-            </a:br>
-            <a:r>
-              <a:rPr lang="en-US" sz="1000" dirty="0"/>
-              <a:t>Thread 1</a:t>
-            </a:r>
-            <a:br>
-              <a:rPr lang="en-US" sz="1000" dirty="0"/>
-            </a:br>
-            <a:r>
-              <a:rPr lang="en-US" sz="1000" dirty="0"/>
-              <a:t>Thread 2</a:t>
-            </a:r>
-            <a:br>
-              <a:rPr lang="en-US" sz="1000" dirty="0"/>
-            </a:br>
-            <a:r>
-              <a:rPr lang="en-US" sz="1000" dirty="0"/>
-              <a:t>time taken 0.007320 secs     --- </a:t>
-            </a:r>
-            <a:r>
-              <a:rPr lang="en-US" sz="1000" dirty="0">
-                <a:solidFill>
-                  <a:srgbClr val="FF0000"/>
-                </a:solidFill>
-              </a:rPr>
-              <a:t>7 times more if we use atomic</a:t>
-            </a:r>
-            <a:br>
-              <a:rPr lang="en-US" sz="1000" dirty="0"/>
-            </a:br>
-            <a:r>
-              <a:rPr lang="en-US" sz="1000" dirty="0"/>
-              <a:t>Thread 1 returns: 0</a:t>
-            </a:r>
-            <a:br>
-              <a:rPr lang="en-US" sz="1000" dirty="0"/>
-            </a:br>
-            <a:r>
-              <a:rPr lang="en-US" sz="1000" dirty="0"/>
-              <a:t>Thread 2 returns: 0</a:t>
-            </a:r>
-            <a:br>
-              <a:rPr lang="en-US" sz="1000" dirty="0"/>
-            </a:br>
-            <a:r>
-              <a:rPr lang="en-US" sz="1000" dirty="0"/>
-              <a:t>counter = 200000</a:t>
-            </a:r>
-          </a:p>
-          <a:p>
-            <a:pPr rtl="0">
-              <a:spcBef>
-                <a:spcPts val="0"/>
-              </a:spcBef>
-              <a:spcAft>
-                <a:spcPts val="0"/>
-              </a:spcAft>
-            </a:pPr>
-            <a:endParaRPr lang="en-US" sz="1800" dirty="0"/>
-          </a:p>
-          <a:p>
-            <a:pPr>
-              <a:spcBef>
-                <a:spcPts val="0"/>
-              </a:spcBef>
-            </a:pPr>
-            <a:r>
-              <a:rPr lang="en-US" sz="1800" dirty="0"/>
-              <a:t>Let's do a disassembly of __sync_add_and_fetch and see </a:t>
-            </a:r>
-            <a:br>
-              <a:rPr lang="en-US" sz="1800" dirty="0"/>
-            </a:br>
-            <a:r>
-              <a:rPr lang="en-US" sz="1000" b="0" dirty="0">
-                <a:effectLst/>
-              </a:rPr>
-              <a:t>return __sync_add_and_fetch(atomic, </a:t>
-            </a:r>
-            <a:r>
-              <a:rPr lang="en-US" sz="1000" b="0" dirty="0" err="1">
-                <a:effectLst/>
-              </a:rPr>
-              <a:t>val</a:t>
-            </a:r>
-            <a:r>
-              <a:rPr lang="en-US" sz="1000" b="0" dirty="0">
-                <a:effectLst/>
-              </a:rPr>
-              <a:t>);</a:t>
-            </a:r>
-            <a:br>
-              <a:rPr lang="en-US" sz="1000" b="0" dirty="0">
-                <a:effectLst/>
-              </a:rPr>
-            </a:br>
-            <a:r>
-              <a:rPr lang="en-US" sz="1000" b="0" dirty="0">
-                <a:effectLst/>
-              </a:rPr>
-              <a:t>11d8:       8b 4d f4                mov    -0xc(%</a:t>
-            </a:r>
-            <a:r>
-              <a:rPr lang="en-US" sz="1000" b="0" dirty="0" err="1">
-                <a:effectLst/>
-              </a:rPr>
-              <a:t>rbp</a:t>
-            </a:r>
-            <a:r>
-              <a:rPr lang="en-US" sz="1000" b="0" dirty="0">
-                <a:effectLst/>
-              </a:rPr>
-              <a:t>),%</a:t>
-            </a:r>
-            <a:r>
-              <a:rPr lang="en-US" sz="1000" b="0" dirty="0" err="1">
-                <a:effectLst/>
-              </a:rPr>
-              <a:t>ecx</a:t>
-            </a:r>
-            <a:br>
-              <a:rPr lang="en-US" sz="1000" b="0" dirty="0">
-                <a:effectLst/>
-              </a:rPr>
-            </a:br>
-            <a:r>
-              <a:rPr lang="en-US" sz="1000" b="0" dirty="0">
-                <a:effectLst/>
-              </a:rPr>
-              <a:t>11db:       48 8b 55 f8             mov    -0x8(%</a:t>
-            </a:r>
-            <a:r>
-              <a:rPr lang="en-US" sz="1000" b="0" dirty="0" err="1">
-                <a:effectLst/>
-              </a:rPr>
-              <a:t>rbp</a:t>
-            </a:r>
-            <a:r>
-              <a:rPr lang="en-US" sz="1000" b="0" dirty="0">
-                <a:effectLst/>
-              </a:rPr>
-              <a:t>),%</a:t>
-            </a:r>
-            <a:r>
-              <a:rPr lang="en-US" sz="1000" b="0" dirty="0" err="1">
-                <a:effectLst/>
-              </a:rPr>
-              <a:t>rdx</a:t>
-            </a:r>
-            <a:br>
-              <a:rPr lang="en-US" sz="1000" b="0" dirty="0">
-                <a:effectLst/>
-              </a:rPr>
-            </a:br>
-            <a:r>
-              <a:rPr lang="en-US" sz="1000" b="0" dirty="0">
-                <a:effectLst/>
-              </a:rPr>
-              <a:t>11df:       89 c8                   mov    %</a:t>
-            </a:r>
-            <a:r>
-              <a:rPr lang="en-US" sz="1000" b="0" dirty="0" err="1">
-                <a:effectLst/>
-              </a:rPr>
-              <a:t>ecx</a:t>
-            </a:r>
-            <a:r>
-              <a:rPr lang="en-US" sz="1000" b="0" dirty="0">
-                <a:effectLst/>
-              </a:rPr>
-              <a:t>,%</a:t>
-            </a:r>
-            <a:r>
-              <a:rPr lang="en-US" sz="1000" b="0" dirty="0" err="1">
-                <a:effectLst/>
-              </a:rPr>
-              <a:t>eax</a:t>
-            </a:r>
-            <a:br>
-              <a:rPr lang="en-US" sz="1000" b="0" dirty="0">
-                <a:effectLst/>
-              </a:rPr>
-            </a:br>
-            <a:r>
-              <a:rPr lang="en-US" sz="1000" b="0" dirty="0">
-                <a:effectLst/>
-              </a:rPr>
-              <a:t>11e1:       f0 0f c1 02             lock xadd %</a:t>
-            </a:r>
-            <a:r>
-              <a:rPr lang="en-US" sz="1000" b="0" dirty="0" err="1">
-                <a:effectLst/>
-              </a:rPr>
-              <a:t>eax</a:t>
-            </a:r>
-            <a:r>
-              <a:rPr lang="en-US" sz="1000" b="0" dirty="0">
-                <a:effectLst/>
-              </a:rPr>
-              <a:t>,(%</a:t>
-            </a:r>
-            <a:r>
-              <a:rPr lang="en-US" sz="1000" b="0" dirty="0" err="1">
-                <a:effectLst/>
-              </a:rPr>
-              <a:t>rdx</a:t>
-            </a:r>
-            <a:r>
-              <a:rPr lang="en-US" sz="1000" b="0" dirty="0">
-                <a:effectLst/>
-              </a:rPr>
-              <a:t>)         </a:t>
-            </a:r>
-            <a:r>
-              <a:rPr lang="en-US" sz="1000" b="0" dirty="0">
-                <a:solidFill>
-                  <a:srgbClr val="FF0000"/>
-                </a:solidFill>
-                <a:effectLst/>
-              </a:rPr>
-              <a:t>--- lock prefix usage </a:t>
-            </a:r>
-            <a:br>
-              <a:rPr lang="en-US" sz="1000" b="0" dirty="0">
-                <a:effectLst/>
-              </a:rPr>
-            </a:br>
-            <a:r>
-              <a:rPr lang="en-US" sz="1000" b="0" dirty="0">
-                <a:effectLst/>
-              </a:rPr>
-              <a:t>11e5:       01 c8                   add    %</a:t>
-            </a:r>
-            <a:r>
-              <a:rPr lang="en-US" sz="1000" b="0" dirty="0" err="1">
-                <a:effectLst/>
-              </a:rPr>
-              <a:t>ecx</a:t>
-            </a:r>
-            <a:r>
-              <a:rPr lang="en-US" sz="1000" b="0" dirty="0">
-                <a:effectLst/>
-              </a:rPr>
-              <a:t>,%</a:t>
-            </a:r>
-            <a:r>
-              <a:rPr lang="en-US" sz="1000" b="0" dirty="0" err="1">
-                <a:effectLst/>
-              </a:rPr>
-              <a:t>eax</a:t>
-            </a:r>
-            <a:endParaRPr lang="en-US" sz="1000" b="0" dirty="0">
-              <a:effectLst/>
-            </a:endParaRPr>
-          </a:p>
-          <a:p>
-            <a:pPr rtl="0">
-              <a:spcBef>
-                <a:spcPts val="0"/>
-              </a:spcBef>
-              <a:spcAft>
-                <a:spcPts val="0"/>
-              </a:spcAft>
-            </a:pPr>
-            <a:endParaRPr lang="en-US" sz="1800" dirty="0"/>
-          </a:p>
-          <a:p>
-            <a:pPr marL="0" indent="0">
-              <a:spcBef>
-                <a:spcPts val="0"/>
-              </a:spcBef>
-              <a:buNone/>
-            </a:pPr>
-            <a:endParaRPr lang="en-US" sz="1800" b="0" dirty="0">
-              <a:effectLst/>
-            </a:endParaRPr>
-          </a:p>
-          <a:p>
-            <a:pPr marL="0" indent="0">
-              <a:spcBef>
-                <a:spcPts val="0"/>
-              </a:spcBef>
-              <a:buNone/>
-            </a:pPr>
-            <a:endParaRPr lang="en-US" sz="1800" dirty="0"/>
-          </a:p>
-          <a:p>
-            <a:pPr marL="0" indent="0">
-              <a:spcBef>
-                <a:spcPts val="0"/>
-              </a:spcBef>
-              <a:buNone/>
-            </a:pPr>
-            <a:endParaRPr lang="en-US" sz="1800" b="0" dirty="0">
-              <a:effectLst/>
-            </a:endParaRPr>
-          </a:p>
-        </p:txBody>
-      </p:sp>
-      <p:sp>
-        <p:nvSpPr>
-          <p:cNvPr id="4" name="Rectangle 3">
-            <a:extLst>
-              <a:ext uri="{FF2B5EF4-FFF2-40B4-BE49-F238E27FC236}">
-                <a16:creationId xmlns:a16="http://schemas.microsoft.com/office/drawing/2014/main" id="{724C4006-0E30-557E-557F-2EE68C34A3EE}"/>
-              </a:ext>
-            </a:extLst>
-          </p:cNvPr>
-          <p:cNvSpPr/>
-          <p:nvPr/>
-        </p:nvSpPr>
-        <p:spPr>
-          <a:xfrm>
-            <a:off x="1155700" y="2588401"/>
-            <a:ext cx="2540000" cy="895350"/>
-          </a:xfrm>
-          <a:prstGeom prst="rect">
-            <a:avLst/>
-          </a:prstGeom>
-        </p:spPr>
-        <p:style>
-          <a:lnRef idx="2">
-            <a:schemeClr val="accent1">
-              <a:shade val="50000"/>
-            </a:schemeClr>
-          </a:lnRef>
-          <a:fillRef idx="1">
-            <a:schemeClr val="accent1"/>
-          </a:fillRef>
-          <a:effectRef idx="0">
-            <a:schemeClr val="accent1"/>
-          </a:effectRef>
-          <a:fontRef idx="minor">
-            <a:schemeClr val="lt1"/>
-          </a:fontRef>
-        </p:style>
-        <p:txBody>
-          <a:bodyPr rtlCol="0" anchor="ctr"/>
-          <a:lstStyle/>
-          <a:p>
-            <a:r>
-              <a:rPr lang="en-IN" sz="800" dirty="0"/>
-              <a:t>int counter = 0;</a:t>
-            </a:r>
-          </a:p>
-          <a:p>
-            <a:r>
-              <a:rPr lang="en-IN" sz="800" dirty="0"/>
-              <a:t>Thread_func1()</a:t>
-            </a:r>
-          </a:p>
-          <a:p>
-            <a:r>
-              <a:rPr lang="en-IN" sz="800" dirty="0"/>
-              <a:t>{</a:t>
-            </a:r>
-          </a:p>
-          <a:p>
-            <a:r>
-              <a:rPr lang="en-US" sz="800" dirty="0"/>
-              <a:t>        for (int </a:t>
-            </a:r>
-            <a:r>
-              <a:rPr lang="en-US" sz="800" dirty="0" err="1"/>
-              <a:t>i</a:t>
-            </a:r>
-            <a:r>
-              <a:rPr lang="en-US" sz="800" dirty="0"/>
-              <a:t> = 0;i &lt; 100000; </a:t>
-            </a:r>
-            <a:r>
-              <a:rPr lang="en-US" sz="800" dirty="0" err="1"/>
-              <a:t>i</a:t>
-            </a:r>
-            <a:r>
-              <a:rPr lang="en-US" sz="800" dirty="0"/>
-              <a:t>++)</a:t>
-            </a:r>
-          </a:p>
-          <a:p>
-            <a:r>
-              <a:rPr lang="en-US" sz="800" dirty="0"/>
-              <a:t>                __</a:t>
-            </a:r>
-            <a:r>
-              <a:rPr lang="en-US" sz="800" dirty="0" err="1"/>
-              <a:t>sync_add_and_fetch</a:t>
-            </a:r>
-            <a:r>
-              <a:rPr lang="en-US" sz="800" dirty="0"/>
-              <a:t>(&amp;counter, 1);</a:t>
-            </a:r>
-            <a:endParaRPr lang="en-IN" sz="800" dirty="0"/>
-          </a:p>
-          <a:p>
-            <a:r>
-              <a:rPr lang="en-IN" sz="800" dirty="0"/>
-              <a:t>}</a:t>
-            </a:r>
-          </a:p>
-        </p:txBody>
-      </p:sp>
-      <p:sp>
-        <p:nvSpPr>
-          <p:cNvPr id="6" name="Rectangle 5">
-            <a:extLst>
-              <a:ext uri="{FF2B5EF4-FFF2-40B4-BE49-F238E27FC236}">
-                <a16:creationId xmlns:a16="http://schemas.microsoft.com/office/drawing/2014/main" id="{1F5C3F10-7D84-1074-B5C0-842F01F32BAD}"/>
-              </a:ext>
-            </a:extLst>
-          </p:cNvPr>
-          <p:cNvSpPr/>
-          <p:nvPr/>
-        </p:nvSpPr>
-        <p:spPr>
-          <a:xfrm>
-            <a:off x="5130800" y="2588401"/>
-            <a:ext cx="2540000" cy="895350"/>
-          </a:xfrm>
-          <a:prstGeom prst="rect">
-            <a:avLst/>
-          </a:prstGeom>
-        </p:spPr>
-        <p:style>
-          <a:lnRef idx="2">
-            <a:schemeClr val="accent1">
-              <a:shade val="50000"/>
-            </a:schemeClr>
-          </a:lnRef>
-          <a:fillRef idx="1">
-            <a:schemeClr val="accent1"/>
-          </a:fillRef>
-          <a:effectRef idx="0">
-            <a:schemeClr val="accent1"/>
-          </a:effectRef>
-          <a:fontRef idx="minor">
-            <a:schemeClr val="lt1"/>
-          </a:fontRef>
-        </p:style>
-        <p:txBody>
-          <a:bodyPr rtlCol="0" anchor="ctr"/>
-          <a:lstStyle/>
-          <a:p>
-            <a:r>
-              <a:rPr lang="en-IN" sz="800" dirty="0"/>
-              <a:t>int counter = 0;</a:t>
-            </a:r>
-          </a:p>
-          <a:p>
-            <a:r>
-              <a:rPr lang="en-IN" sz="800" dirty="0"/>
-              <a:t>Thread_func2()</a:t>
-            </a:r>
-          </a:p>
-          <a:p>
-            <a:r>
-              <a:rPr lang="en-IN" sz="800" dirty="0"/>
-              <a:t>{</a:t>
-            </a:r>
-          </a:p>
-          <a:p>
-            <a:r>
-              <a:rPr lang="en-US" sz="800" dirty="0"/>
-              <a:t>        for (int </a:t>
-            </a:r>
-            <a:r>
-              <a:rPr lang="en-US" sz="800" dirty="0" err="1"/>
-              <a:t>i</a:t>
-            </a:r>
-            <a:r>
-              <a:rPr lang="en-US" sz="800" dirty="0"/>
-              <a:t> = 0;i &lt; 100000; </a:t>
-            </a:r>
-            <a:r>
-              <a:rPr lang="en-US" sz="800" dirty="0" err="1"/>
-              <a:t>i</a:t>
-            </a:r>
-            <a:r>
-              <a:rPr lang="en-US" sz="800" dirty="0"/>
-              <a:t>++)</a:t>
-            </a:r>
-          </a:p>
-          <a:p>
-            <a:r>
-              <a:rPr lang="en-US" sz="800" dirty="0"/>
-              <a:t>                __</a:t>
-            </a:r>
-            <a:r>
-              <a:rPr lang="en-US" sz="800" dirty="0" err="1"/>
-              <a:t>sync_add_and_fetch</a:t>
-            </a:r>
-            <a:r>
-              <a:rPr lang="en-US" sz="800" dirty="0"/>
-              <a:t>(&amp;counter, 1);</a:t>
-            </a:r>
-            <a:endParaRPr lang="en-IN" sz="800" dirty="0"/>
-          </a:p>
-          <a:p>
-            <a:r>
-              <a:rPr lang="en-IN" sz="800" dirty="0"/>
-              <a:t>}</a:t>
-            </a:r>
-          </a:p>
-        </p:txBody>
-      </p:sp>
-    </p:spTree>
-    <p:extLst>
-      <p:ext uri="{BB962C8B-B14F-4D97-AF65-F5344CB8AC3E}">
-        <p14:creationId xmlns:p14="http://schemas.microsoft.com/office/powerpoint/2010/main" val="3974192820"/>
-      </p:ext>
-    </p:extLst>
-  </p:cSld>
-  <p:clrMapOvr>
-    <a:masterClrMapping/>
-  </p:clrMapOvr>
-</p:sld>
-</file>
-
-<file path=ppt/slides/slide14.xml><?xml version="1.0" encoding="utf-8"?>
-<p:sld xmlns:a="http://schemas.openxmlformats.org/drawingml/2006/main" xmlns:r="http://schemas.openxmlformats.org/officeDocument/2006/relationships" xmlns:p="http://schemas.openxmlformats.org/presentationml/2006/main">
-  <p:cSld>
-    <p:spTree>
-      <p:nvGrpSpPr>
-        <p:cNvPr id="1" name=""/>
-        <p:cNvGrpSpPr/>
-        <p:nvPr/>
-      </p:nvGrpSpPr>
-      <p:grpSpPr>
-        <a:xfrm>
-          <a:off x="0" y="0"/>
-          <a:ext cx="0" cy="0"/>
-          <a:chOff x="0" y="0"/>
-          <a:chExt cx="0" cy="0"/>
-        </a:xfrm>
-      </p:grpSpPr>
-      <p:sp>
-        <p:nvSpPr>
-          <p:cNvPr id="2" name="Title 1">
-            <a:extLst>
-              <a:ext uri="{FF2B5EF4-FFF2-40B4-BE49-F238E27FC236}">
-                <a16:creationId xmlns:a16="http://schemas.microsoft.com/office/drawing/2014/main" id="{C2D9662A-EA21-10DC-8DA2-DFC9D65B883B}"/>
-              </a:ext>
-            </a:extLst>
-          </p:cNvPr>
-          <p:cNvSpPr>
-            <a:spLocks noGrp="1"/>
-          </p:cNvSpPr>
-          <p:nvPr>
-            <p:ph type="title"/>
-          </p:nvPr>
-        </p:nvSpPr>
         <p:spPr>
           <a:xfrm>
             <a:off x="838200" y="365125"/>
@@ -28312,6 +28119,50 @@
           </a:p>
         </p:txBody>
       </p:sp>
+      <p:sp>
+        <p:nvSpPr>
+          <p:cNvPr id="5" name="TextBox 4">
+            <a:extLst>
+              <a:ext uri="{FF2B5EF4-FFF2-40B4-BE49-F238E27FC236}">
+                <a16:creationId xmlns:a16="http://schemas.microsoft.com/office/drawing/2014/main" id="{9C1483CC-BBC7-B73E-E8BE-5E8B167ADA96}"/>
+              </a:ext>
+            </a:extLst>
+          </p:cNvPr>
+          <p:cNvSpPr txBox="1"/>
+          <p:nvPr/>
+        </p:nvSpPr>
+        <p:spPr>
+          <a:xfrm>
+            <a:off x="6394450" y="4438985"/>
+            <a:ext cx="4033253" cy="1754326"/>
+          </a:xfrm>
+          <a:prstGeom prst="rect">
+            <a:avLst/>
+          </a:prstGeom>
+          <a:noFill/>
+        </p:spPr>
+        <p:txBody>
+          <a:bodyPr wrap="square" rtlCol="0">
+            <a:spAutoFit/>
+          </a:bodyPr>
+          <a:lstStyle/>
+          <a:p>
+            <a:r>
+              <a:rPr lang="en-IN" dirty="0"/>
+              <a:t>Summary :</a:t>
+            </a:r>
+          </a:p>
+          <a:p>
+            <a:r>
+              <a:rPr lang="en-IN" dirty="0"/>
+              <a:t>In userspace also the performance deteriorates because of lock prefix usage which leads to synchronization across multiple CPUs </a:t>
+            </a:r>
+          </a:p>
+          <a:p>
+            <a:endParaRPr lang="en-IN" dirty="0"/>
+          </a:p>
+        </p:txBody>
+      </p:sp>
     </p:spTree>
     <p:extLst>
       <p:ext uri="{BB962C8B-B14F-4D97-AF65-F5344CB8AC3E}">
@@ -28325,7 +28176,7 @@
 </p:sld>
 </file>
 
-<file path=ppt/slides/slide15.xml><?xml version="1.0" encoding="utf-8"?>
+<file path=ppt/slides/slide14.xml><?xml version="1.0" encoding="utf-8"?>
 <p:sld xmlns:a="http://schemas.openxmlformats.org/drawingml/2006/main" xmlns:r="http://schemas.openxmlformats.org/officeDocument/2006/relationships" xmlns:p="http://schemas.openxmlformats.org/presentationml/2006/main">
   <p:cSld>
     <p:bg>
@@ -28409,7 +28260,7 @@
         </p:spPr>
         <p:txBody>
           <a:bodyPr>
-            <a:normAutofit/>
+            <a:normAutofit lnSpcReduction="10000"/>
           </a:bodyPr>
           <a:lstStyle/>
           <a:p>
@@ -28435,7 +28286,7 @@
                 <a:effectLst/>
                 <a:latin typeface="Arial" panose="020B0604020202020204" pitchFamily="34" charset="0"/>
               </a:rPr>
-              <a:t>RCU locks work in a way that all the reads happen without any locks.</a:t>
+              <a:t>RCU locks work in a way that all the reads happen without usage of atomic variables.</a:t>
             </a:r>
             <a:br>
               <a:rPr lang="en-US" sz="2000" dirty="0">
@@ -28747,7 +28598,7 @@
 </p:sld>
 </file>
 
-<file path=ppt/slides/slide16.xml><?xml version="1.0" encoding="utf-8"?>
+<file path=ppt/slides/slide15.xml><?xml version="1.0" encoding="utf-8"?>
 <p:sld xmlns:a="http://schemas.openxmlformats.org/drawingml/2006/main" xmlns:r="http://schemas.openxmlformats.org/officeDocument/2006/relationships" xmlns:p="http://schemas.openxmlformats.org/presentationml/2006/main">
   <p:cSld>
     <p:spTree>
@@ -29786,7 +29637,7 @@
 </p:sld>
 </file>
 
-<file path=ppt/slides/slide17.xml><?xml version="1.0" encoding="utf-8"?>
+<file path=ppt/slides/slide16.xml><?xml version="1.0" encoding="utf-8"?>
 <p:sld xmlns:a="http://schemas.openxmlformats.org/drawingml/2006/main" xmlns:r="http://schemas.openxmlformats.org/officeDocument/2006/relationships" xmlns:p="http://schemas.openxmlformats.org/presentationml/2006/main">
   <p:cSld>
     <p:bg>
@@ -29875,112 +29726,118 @@
           <a:lstStyle/>
           <a:p>
             <a:r>
-              <a:rPr lang="en-US" sz="1500" b="0" i="0" u="none" strike="noStrike">
-                <a:effectLst/>
+              <a:rPr lang="en-US" sz="1500" dirty="0">
                 <a:latin typeface="Arial" panose="020B0604020202020204" pitchFamily="34" charset="0"/>
               </a:rPr>
-              <a:t>writes need to be protected using any normal lock</a:t>
-            </a:r>
-          </a:p>
-          <a:p>
-            <a:r>
-              <a:rPr lang="en-US" sz="1500" b="0" i="0" u="none" strike="noStrike">
+              <a:t>W</a:t>
+            </a:r>
+            <a:r>
+              <a:rPr lang="en-US" sz="1500" b="0" i="0" u="none" strike="noStrike" dirty="0">
                 <a:effectLst/>
                 <a:latin typeface="Arial" panose="020B0604020202020204" pitchFamily="34" charset="0"/>
               </a:rPr>
-              <a:t>reads we just need to take the </a:t>
-            </a:r>
-            <a:r>
-              <a:rPr lang="en-US" sz="1500" b="0" i="0" u="none" strike="noStrike" err="1">
+              <a:t>rites need to be protected using any normal lock</a:t>
+            </a:r>
+          </a:p>
+          <a:p>
+            <a:r>
+              <a:rPr lang="en-US" sz="1500" b="0" i="0" u="none" strike="noStrike" dirty="0">
                 <a:effectLst/>
                 <a:latin typeface="Arial" panose="020B0604020202020204" pitchFamily="34" charset="0"/>
               </a:rPr>
+              <a:t>Reads we just need to take the </a:t>
+            </a:r>
+            <a:r>
+              <a:rPr lang="en-US" sz="1500" b="0" i="0" u="none" strike="noStrike" dirty="0" err="1">
+                <a:effectLst/>
+                <a:latin typeface="Arial" panose="020B0604020202020204" pitchFamily="34" charset="0"/>
+              </a:rPr>
               <a:t>rcu_read_lock</a:t>
             </a:r>
             <a:r>
-              <a:rPr lang="en-US" sz="1500" b="0" i="0" u="none" strike="noStrike">
+              <a:rPr lang="en-US" sz="1500" b="0" i="0" u="none" strike="noStrike" dirty="0">
                 <a:effectLst/>
                 <a:latin typeface="Arial" panose="020B0604020202020204" pitchFamily="34" charset="0"/>
               </a:rPr>
               <a:t>(). As </a:t>
             </a:r>
             <a:r>
-              <a:rPr lang="en-US" sz="1500" b="0" i="0" u="none" strike="noStrike" err="1">
+              <a:rPr lang="en-US" sz="1500" b="0" i="0" u="none" strike="noStrike" dirty="0" err="1">
                 <a:effectLst/>
                 <a:latin typeface="Arial" panose="020B0604020202020204" pitchFamily="34" charset="0"/>
               </a:rPr>
               <a:t>rcu_read_lock</a:t>
             </a:r>
             <a:r>
-              <a:rPr lang="en-US" sz="1500" b="0" i="0" u="none" strike="noStrike">
+              <a:rPr lang="en-US" sz="1500" b="0" i="0" u="none" strike="noStrike" dirty="0">
                 <a:effectLst/>
                 <a:latin typeface="Arial" panose="020B0604020202020204" pitchFamily="34" charset="0"/>
               </a:rPr>
               <a:t> </a:t>
             </a:r>
             <a:r>
-              <a:rPr lang="en-US" sz="1500" b="0" i="0" u="none" strike="noStrike" err="1">
+              <a:rPr lang="en-US" sz="1500" b="0" i="0" u="none" strike="noStrike" dirty="0" err="1">
                 <a:effectLst/>
                 <a:latin typeface="Arial" panose="020B0604020202020204" pitchFamily="34" charset="0"/>
               </a:rPr>
               <a:t>doesnt</a:t>
             </a:r>
             <a:r>
-              <a:rPr lang="en-US" sz="1500" b="0" i="0" u="none" strike="noStrike">
+              <a:rPr lang="en-US" sz="1500" b="0" i="0" u="none" strike="noStrike" dirty="0">
                 <a:effectLst/>
                 <a:latin typeface="Arial" panose="020B0604020202020204" pitchFamily="34" charset="0"/>
               </a:rPr>
               <a:t> use any atomic variables, it can scale good</a:t>
             </a:r>
-            <a:endParaRPr lang="en-US" sz="1500">
+            <a:endParaRPr lang="en-US" sz="1500" dirty="0">
               <a:latin typeface="Arial" panose="020B0604020202020204" pitchFamily="34" charset="0"/>
             </a:endParaRPr>
           </a:p>
           <a:p>
             <a:r>
-              <a:rPr lang="en-US" sz="1500" b="0" i="0" u="none" strike="noStrike">
+              <a:rPr lang="en-US" sz="1500" b="0" i="0" u="none" strike="noStrike" dirty="0">
                 <a:effectLst/>
                 <a:latin typeface="Arial" panose="020B0604020202020204" pitchFamily="34" charset="0"/>
               </a:rPr>
-              <a:t>update/write a variable we protect the same with locks.</a:t>
-            </a:r>
-          </a:p>
-          <a:p>
-            <a:r>
-              <a:rPr lang="en-US" sz="1500" b="0" i="0" u="none" strike="noStrike">
+              <a:t>Update/write a variable we protect the same with locks.</a:t>
+            </a:r>
+          </a:p>
+          <a:p>
+            <a:r>
+              <a:rPr lang="en-US" sz="1500" b="0" i="0" u="none" strike="noStrike" dirty="0">
                 <a:effectLst/>
                 <a:latin typeface="Arial" panose="020B0604020202020204" pitchFamily="34" charset="0"/>
               </a:rPr>
               <a:t>After we are done with write, we call </a:t>
             </a:r>
             <a:r>
-              <a:rPr lang="en-US" sz="1500" b="0" i="0" u="none" strike="noStrike" err="1">
+              <a:rPr lang="en-US" sz="1500" b="0" i="0" u="none" strike="noStrike" dirty="0" err="1">
                 <a:effectLst/>
                 <a:latin typeface="Arial" panose="020B0604020202020204" pitchFamily="34" charset="0"/>
               </a:rPr>
               <a:t>synchronize_rcu</a:t>
             </a:r>
             <a:r>
-              <a:rPr lang="en-US" sz="1500" b="0" i="0" u="none" strike="noStrike">
+              <a:rPr lang="en-US" sz="1500" b="0" i="0" u="none" strike="noStrike" dirty="0">
                 <a:effectLst/>
                 <a:latin typeface="Arial" panose="020B0604020202020204" pitchFamily="34" charset="0"/>
               </a:rPr>
               <a:t>()</a:t>
             </a:r>
-            <a:endParaRPr lang="en-US" sz="1500">
+            <a:endParaRPr lang="en-US" sz="1500" dirty="0">
               <a:latin typeface="Arial" panose="020B0604020202020204" pitchFamily="34" charset="0"/>
             </a:endParaRPr>
           </a:p>
           <a:p>
             <a:r>
-              <a:rPr lang="en-US" sz="1500" b="0" i="0" u="none" strike="noStrike" err="1">
+              <a:rPr lang="en-US" sz="1500" b="0" i="0" u="none" strike="noStrike" dirty="0" err="1">
                 <a:effectLst/>
                 <a:latin typeface="Arial" panose="020B0604020202020204" pitchFamily="34" charset="0"/>
               </a:rPr>
               <a:t>synchronize_rcu</a:t>
             </a:r>
             <a:r>
-              <a:rPr lang="en-US" sz="1500" b="0" i="0" u="none" strike="noStrike">
+              <a:rPr lang="en-US" sz="1500" b="0" i="0" u="none" strike="noStrike" dirty="0">
                 <a:effectLst/>
                 <a:latin typeface="Arial" panose="020B0604020202020204" pitchFamily="34" charset="0"/>
               </a:rPr>
@@ -29989,13 +29846,13 @@
           </a:p>
           <a:p>
             <a:r>
-              <a:rPr lang="en-US" sz="1500" b="0" i="0" u="none" strike="noStrike">
+              <a:rPr lang="en-US" sz="1500" b="0" i="0" u="none" strike="noStrike" dirty="0">
                 <a:effectLst/>
                 <a:latin typeface="Arial" panose="020B0604020202020204" pitchFamily="34" charset="0"/>
               </a:rPr>
-              <a:t>context switch happens at other processors, we will be sure that the old shared data is not longer accessed by the other threads.</a:t>
-            </a:r>
-            <a:endParaRPr lang="en-IN" sz="1500"/>
+              <a:t>Context switch happens at other processors, we will be sure that the old shared data is not longer accessed by the other threads.</a:t>
+            </a:r>
+            <a:endParaRPr lang="en-IN" sz="1500" dirty="0"/>
           </a:p>
         </p:txBody>
       </p:sp>
@@ -30058,7 +29915,7 @@
 </p:sld>
 </file>
 
-<file path=ppt/slides/slide18.xml><?xml version="1.0" encoding="utf-8"?>
+<file path=ppt/slides/slide17.xml><?xml version="1.0" encoding="utf-8"?>
 <p:sld xmlns:a="http://schemas.openxmlformats.org/drawingml/2006/main" xmlns:r="http://schemas.openxmlformats.org/officeDocument/2006/relationships" xmlns:p="http://schemas.openxmlformats.org/presentationml/2006/main">
   <p:cSld>
     <p:spTree>
@@ -31347,10 +31204,328 @@
           </a:p>
         </p:txBody>
       </p:sp>
+      <p:sp>
+        <p:nvSpPr>
+          <p:cNvPr id="4" name="Explosion: 8 Points 3">
+            <a:extLst>
+              <a:ext uri="{FF2B5EF4-FFF2-40B4-BE49-F238E27FC236}">
+                <a16:creationId xmlns:a16="http://schemas.microsoft.com/office/drawing/2014/main" id="{2845220A-AE76-BA34-0EC9-00C3B6DE9B58}"/>
+              </a:ext>
+            </a:extLst>
+          </p:cNvPr>
+          <p:cNvSpPr/>
+          <p:nvPr/>
+        </p:nvSpPr>
+        <p:spPr>
+          <a:xfrm>
+            <a:off x="7729086" y="1573731"/>
+            <a:ext cx="3624714" cy="3031958"/>
+          </a:xfrm>
+          <a:prstGeom prst="irregularSeal1">
+            <a:avLst/>
+          </a:prstGeom>
+        </p:spPr>
+        <p:style>
+          <a:lnRef idx="2">
+            <a:schemeClr val="accent1">
+              <a:shade val="50000"/>
+            </a:schemeClr>
+          </a:lnRef>
+          <a:fillRef idx="1">
+            <a:schemeClr val="accent1"/>
+          </a:fillRef>
+          <a:effectRef idx="0">
+            <a:schemeClr val="accent1"/>
+          </a:effectRef>
+          <a:fontRef idx="minor">
+            <a:schemeClr val="lt1"/>
+          </a:fontRef>
+        </p:style>
+        <p:txBody>
+          <a:bodyPr rtlCol="0" anchor="ctr"/>
+          <a:lstStyle/>
+          <a:p>
+            <a:pPr algn="ctr"/>
+            <a:r>
+              <a:rPr lang="en-IN" dirty="0"/>
+              <a:t>No lock Prefix used in reads</a:t>
+            </a:r>
+          </a:p>
+        </p:txBody>
+      </p:sp>
     </p:spTree>
     <p:extLst>
       <p:ext uri="{BB962C8B-B14F-4D97-AF65-F5344CB8AC3E}">
         <p14:creationId xmlns:p14="http://schemas.microsoft.com/office/powerpoint/2010/main" val="4035161624"/>
+      </p:ext>
+    </p:extLst>
+  </p:cSld>
+  <p:clrMapOvr>
+    <a:masterClrMapping/>
+  </p:clrMapOvr>
+</p:sld>
+</file>
+
+<file path=ppt/slides/slide18.xml><?xml version="1.0" encoding="utf-8"?>
+<p:sld xmlns:a="http://schemas.openxmlformats.org/drawingml/2006/main" xmlns:r="http://schemas.openxmlformats.org/officeDocument/2006/relationships" xmlns:p="http://schemas.openxmlformats.org/presentationml/2006/main">
+  <p:cSld>
+    <p:spTree>
+      <p:nvGrpSpPr>
+        <p:cNvPr id="1" name=""/>
+        <p:cNvGrpSpPr/>
+        <p:nvPr/>
+      </p:nvGrpSpPr>
+      <p:grpSpPr>
+        <a:xfrm>
+          <a:off x="0" y="0"/>
+          <a:ext cx="0" cy="0"/>
+          <a:chOff x="0" y="0"/>
+          <a:chExt cx="0" cy="0"/>
+        </a:xfrm>
+      </p:grpSpPr>
+      <p:sp>
+        <p:nvSpPr>
+          <p:cNvPr id="2" name="Title 1">
+            <a:extLst>
+              <a:ext uri="{FF2B5EF4-FFF2-40B4-BE49-F238E27FC236}">
+                <a16:creationId xmlns:a16="http://schemas.microsoft.com/office/drawing/2014/main" id="{C2D9662A-EA21-10DC-8DA2-DFC9D65B883B}"/>
+              </a:ext>
+            </a:extLst>
+          </p:cNvPr>
+          <p:cNvSpPr>
+            <a:spLocks noGrp="1"/>
+          </p:cNvSpPr>
+          <p:nvPr>
+            <p:ph type="title"/>
+          </p:nvPr>
+        </p:nvSpPr>
+        <p:spPr/>
+        <p:txBody>
+          <a:bodyPr>
+            <a:normAutofit/>
+          </a:bodyPr>
+          <a:lstStyle/>
+          <a:p>
+            <a:r>
+              <a:rPr lang="en-IN" dirty="0"/>
+              <a:t>SPDK lockless architecture – per thread variables</a:t>
+            </a:r>
+          </a:p>
+        </p:txBody>
+      </p:sp>
+      <p:sp>
+        <p:nvSpPr>
+          <p:cNvPr id="3" name="Content Placeholder 2">
+            <a:extLst>
+              <a:ext uri="{FF2B5EF4-FFF2-40B4-BE49-F238E27FC236}">
+                <a16:creationId xmlns:a16="http://schemas.microsoft.com/office/drawing/2014/main" id="{6444B23A-E489-5E22-3602-A4FFABA64BAF}"/>
+              </a:ext>
+            </a:extLst>
+          </p:cNvPr>
+          <p:cNvSpPr>
+            <a:spLocks noGrp="1"/>
+          </p:cNvSpPr>
+          <p:nvPr>
+            <p:ph idx="1"/>
+          </p:nvPr>
+        </p:nvSpPr>
+        <p:spPr>
+          <a:xfrm>
+            <a:off x="838200" y="2427195"/>
+            <a:ext cx="10515600" cy="3684494"/>
+          </a:xfrm>
+        </p:spPr>
+        <p:txBody>
+          <a:bodyPr>
+            <a:normAutofit/>
+          </a:bodyPr>
+          <a:lstStyle/>
+          <a:p>
+            <a:pPr marL="342900" indent="-342900">
+              <a:spcBef>
+                <a:spcPts val="0"/>
+              </a:spcBef>
+              <a:spcAft>
+                <a:spcPts val="0"/>
+              </a:spcAft>
+              <a:buFont typeface="+mj-lt"/>
+              <a:buAutoNum type="arabicPeriod"/>
+            </a:pPr>
+            <a:r>
+              <a:rPr lang="en-IN" sz="1800" b="0" dirty="0">
+                <a:effectLst/>
+              </a:rPr>
+              <a:t>SPDK presented a entirely new software architecture. </a:t>
+            </a:r>
+          </a:p>
+          <a:p>
+            <a:pPr marL="342900" indent="-342900">
+              <a:spcBef>
+                <a:spcPts val="0"/>
+              </a:spcBef>
+              <a:spcAft>
+                <a:spcPts val="0"/>
+              </a:spcAft>
+              <a:buFont typeface="+mj-lt"/>
+              <a:buAutoNum type="arabicPeriod"/>
+            </a:pPr>
+            <a:r>
+              <a:rPr lang="en-IN" sz="1800" b="0" dirty="0">
+                <a:effectLst/>
+              </a:rPr>
+              <a:t>Because of changed architecture, SPDK started providing 7-8Times IOPS than the legacy architecture . </a:t>
+            </a:r>
+          </a:p>
+          <a:p>
+            <a:pPr marL="342900" indent="-342900">
+              <a:spcBef>
+                <a:spcPts val="0"/>
+              </a:spcBef>
+              <a:spcAft>
+                <a:spcPts val="0"/>
+              </a:spcAft>
+              <a:buFont typeface="+mj-lt"/>
+              <a:buAutoNum type="arabicPeriod"/>
+            </a:pPr>
+            <a:r>
+              <a:rPr lang="en-IN" sz="1800" dirty="0"/>
+              <a:t>This was required for the newest Intel </a:t>
+            </a:r>
+            <a:r>
+              <a:rPr lang="en-IN" sz="1800" dirty="0" err="1"/>
+              <a:t>optane</a:t>
+            </a:r>
+            <a:r>
+              <a:rPr lang="en-IN" sz="1800" dirty="0"/>
+              <a:t> devices which could provide more IOPs. All existing software, were not able to provide more than 200,000 IOPS.</a:t>
+            </a:r>
+          </a:p>
+          <a:p>
+            <a:pPr marL="342900" indent="-342900">
+              <a:spcBef>
+                <a:spcPts val="0"/>
+              </a:spcBef>
+              <a:spcAft>
+                <a:spcPts val="0"/>
+              </a:spcAft>
+              <a:buFont typeface="+mj-lt"/>
+              <a:buAutoNum type="arabicPeriod"/>
+            </a:pPr>
+            <a:r>
+              <a:rPr lang="en-IN" sz="1800" b="0" dirty="0">
+                <a:effectLst/>
+              </a:rPr>
+              <a:t>The older software are limited by</a:t>
+            </a:r>
+            <a:br>
+              <a:rPr lang="en-IN" sz="1800" dirty="0"/>
+            </a:br>
+            <a:r>
+              <a:rPr lang="en-IN" sz="1800" dirty="0"/>
+              <a:t>A)User space &lt;-&gt; Kernel space system calls </a:t>
+            </a:r>
+            <a:br>
+              <a:rPr lang="en-IN" sz="1800" dirty="0"/>
+            </a:br>
+            <a:r>
+              <a:rPr lang="en-IN" sz="1800" dirty="0"/>
+              <a:t>B)Copying of data from user space to kernel space</a:t>
+            </a:r>
+            <a:br>
+              <a:rPr lang="en-IN" sz="1800" dirty="0"/>
+            </a:br>
+            <a:r>
+              <a:rPr lang="en-IN" sz="1800" dirty="0"/>
+              <a:t>C)Interrupts are used instead of polling</a:t>
+            </a:r>
+            <a:br>
+              <a:rPr lang="en-IN" sz="1800" dirty="0"/>
+            </a:br>
+            <a:r>
+              <a:rPr lang="en-IN" sz="1800" dirty="0"/>
+              <a:t>D)</a:t>
+            </a:r>
+            <a:r>
+              <a:rPr lang="en-IN" sz="1800" dirty="0">
+                <a:solidFill>
+                  <a:srgbClr val="FF0000"/>
+                </a:solidFill>
+              </a:rPr>
+              <a:t>Locks shared across multiple CPUS are used</a:t>
+            </a:r>
+          </a:p>
+          <a:p>
+            <a:pPr marL="342900" indent="-342900">
+              <a:spcBef>
+                <a:spcPts val="0"/>
+              </a:spcBef>
+              <a:spcAft>
+                <a:spcPts val="0"/>
+              </a:spcAft>
+              <a:buFont typeface="+mj-lt"/>
+              <a:buAutoNum type="arabicPeriod"/>
+            </a:pPr>
+            <a:r>
+              <a:rPr lang="en-IN" sz="1800" dirty="0"/>
+              <a:t>SPDK came up with its software architecture which </a:t>
+            </a:r>
+            <a:r>
+              <a:rPr lang="en-IN" sz="1800" b="1" dirty="0"/>
+              <a:t>used per thread variables</a:t>
+            </a:r>
+          </a:p>
+          <a:p>
+            <a:pPr marL="342900" indent="-342900">
+              <a:spcBef>
+                <a:spcPts val="0"/>
+              </a:spcBef>
+              <a:spcAft>
+                <a:spcPts val="0"/>
+              </a:spcAft>
+              <a:buFont typeface="+mj-lt"/>
+              <a:buAutoNum type="arabicPeriod"/>
+            </a:pPr>
+            <a:r>
+              <a:rPr lang="en-IN" sz="1800" dirty="0"/>
+              <a:t>If different threads have to interact they will do so using lockless messaging</a:t>
+            </a:r>
+          </a:p>
+          <a:p>
+            <a:pPr marL="0" indent="0" rtl="0">
+              <a:spcBef>
+                <a:spcPts val="0"/>
+              </a:spcBef>
+              <a:spcAft>
+                <a:spcPts val="0"/>
+              </a:spcAft>
+              <a:buNone/>
+            </a:pPr>
+            <a:r>
+              <a:rPr lang="en-IN" sz="1800" b="0" dirty="0">
+                <a:effectLst/>
+              </a:rPr>
+              <a:t>	 </a:t>
+            </a:r>
+          </a:p>
+          <a:p>
+            <a:pPr rtl="0">
+              <a:spcBef>
+                <a:spcPts val="0"/>
+              </a:spcBef>
+              <a:spcAft>
+                <a:spcPts val="0"/>
+              </a:spcAft>
+            </a:pPr>
+            <a:endParaRPr lang="en-IN" sz="1800" b="0" dirty="0">
+              <a:effectLst/>
+            </a:endParaRPr>
+          </a:p>
+        </p:txBody>
+      </p:sp>
+    </p:spTree>
+    <p:extLst>
+      <p:ext uri="{BB962C8B-B14F-4D97-AF65-F5344CB8AC3E}">
+        <p14:creationId xmlns:p14="http://schemas.microsoft.com/office/powerpoint/2010/main" val="2187130312"/>
       </p:ext>
     </p:extLst>
   </p:cSld>
@@ -31395,445 +31570,6 @@
         </p:nvSpPr>
         <p:spPr/>
         <p:txBody>
-          <a:bodyPr>
-            <a:normAutofit fontScale="90000"/>
-          </a:bodyPr>
-          <a:lstStyle/>
-          <a:p>
-            <a:r>
-              <a:rPr lang="en-IN" dirty="0"/>
-              <a:t>Making it SPDK way </a:t>
-            </a:r>
-            <a:br>
-              <a:rPr lang="en-IN" dirty="0"/>
-            </a:br>
-            <a:r>
-              <a:rPr lang="en-IN" dirty="0"/>
-              <a:t>(SPDK lockless architecture – per </a:t>
-            </a:r>
-            <a:r>
-              <a:rPr lang="en-IN"/>
-              <a:t>thread variables)</a:t>
-            </a:r>
-            <a:endParaRPr lang="en-IN" dirty="0"/>
-          </a:p>
-        </p:txBody>
-      </p:sp>
-      <p:sp>
-        <p:nvSpPr>
-          <p:cNvPr id="3" name="Content Placeholder 2">
-            <a:extLst>
-              <a:ext uri="{FF2B5EF4-FFF2-40B4-BE49-F238E27FC236}">
-                <a16:creationId xmlns:a16="http://schemas.microsoft.com/office/drawing/2014/main" id="{6444B23A-E489-5E22-3602-A4FFABA64BAF}"/>
-              </a:ext>
-            </a:extLst>
-          </p:cNvPr>
-          <p:cNvSpPr>
-            <a:spLocks noGrp="1"/>
-          </p:cNvSpPr>
-          <p:nvPr>
-            <p:ph idx="1"/>
-          </p:nvPr>
-        </p:nvSpPr>
-        <p:spPr>
-          <a:xfrm>
-            <a:off x="838200" y="2427195"/>
-            <a:ext cx="10515600" cy="3684494"/>
-          </a:xfrm>
-        </p:spPr>
-        <p:txBody>
-          <a:bodyPr>
-            <a:normAutofit/>
-          </a:bodyPr>
-          <a:lstStyle/>
-          <a:p>
-            <a:pPr marL="342900" indent="-342900">
-              <a:spcBef>
-                <a:spcPts val="0"/>
-              </a:spcBef>
-              <a:spcAft>
-                <a:spcPts val="0"/>
-              </a:spcAft>
-              <a:buFont typeface="+mj-lt"/>
-              <a:buAutoNum type="arabicPeriod"/>
-            </a:pPr>
-            <a:r>
-              <a:rPr lang="en-IN" sz="1800" b="0" dirty="0">
-                <a:effectLst/>
-              </a:rPr>
-              <a:t>SPDK presented a entirely new software architecture. </a:t>
-            </a:r>
-          </a:p>
-          <a:p>
-            <a:pPr marL="342900" indent="-342900">
-              <a:spcBef>
-                <a:spcPts val="0"/>
-              </a:spcBef>
-              <a:spcAft>
-                <a:spcPts val="0"/>
-              </a:spcAft>
-              <a:buFont typeface="+mj-lt"/>
-              <a:buAutoNum type="arabicPeriod"/>
-            </a:pPr>
-            <a:r>
-              <a:rPr lang="en-IN" sz="1800" b="0" dirty="0">
-                <a:effectLst/>
-              </a:rPr>
-              <a:t>Because of changed architecture, SPDK started providing 7-8X IOPS than the legacy architecture . </a:t>
-            </a:r>
-          </a:p>
-          <a:p>
-            <a:pPr marL="342900" indent="-342900">
-              <a:spcBef>
-                <a:spcPts val="0"/>
-              </a:spcBef>
-              <a:spcAft>
-                <a:spcPts val="0"/>
-              </a:spcAft>
-              <a:buFont typeface="+mj-lt"/>
-              <a:buAutoNum type="arabicPeriod"/>
-            </a:pPr>
-            <a:r>
-              <a:rPr lang="en-IN" sz="1800" dirty="0"/>
-              <a:t>This was required for the newest Intel </a:t>
-            </a:r>
-            <a:r>
-              <a:rPr lang="en-IN" sz="1800" dirty="0" err="1"/>
-              <a:t>optane</a:t>
-            </a:r>
-            <a:r>
-              <a:rPr lang="en-IN" sz="1800" dirty="0"/>
-              <a:t> devices which could provide more IOPs and all existing software, were not able to provide more than 200,000 IOPS.</a:t>
-            </a:r>
-          </a:p>
-          <a:p>
-            <a:pPr marL="342900" indent="-342900">
-              <a:spcBef>
-                <a:spcPts val="0"/>
-              </a:spcBef>
-              <a:spcAft>
-                <a:spcPts val="0"/>
-              </a:spcAft>
-              <a:buFont typeface="+mj-lt"/>
-              <a:buAutoNum type="arabicPeriod"/>
-            </a:pPr>
-            <a:r>
-              <a:rPr lang="en-IN" sz="1800" b="0" dirty="0">
-                <a:effectLst/>
-              </a:rPr>
-              <a:t>The older software are limited by</a:t>
-            </a:r>
-            <a:br>
-              <a:rPr lang="en-IN" sz="1800" dirty="0"/>
-            </a:br>
-            <a:r>
-              <a:rPr lang="en-IN" sz="1800" dirty="0"/>
-              <a:t>User space &lt;-&gt; Kernel space system calls </a:t>
-            </a:r>
-            <a:br>
-              <a:rPr lang="en-IN" sz="1800" dirty="0"/>
-            </a:br>
-            <a:r>
-              <a:rPr lang="en-IN" sz="1800" dirty="0"/>
-              <a:t>Copying of data from user space to kernel space</a:t>
-            </a:r>
-            <a:br>
-              <a:rPr lang="en-IN" sz="1800" dirty="0"/>
-            </a:br>
-            <a:r>
-              <a:rPr lang="en-IN" sz="1800" dirty="0"/>
-              <a:t>Interrupts are used instead of polling</a:t>
-            </a:r>
-            <a:br>
-              <a:rPr lang="en-IN" sz="1800" dirty="0"/>
-            </a:br>
-            <a:r>
-              <a:rPr lang="en-IN" sz="1800" dirty="0">
-                <a:solidFill>
-                  <a:srgbClr val="FF0000"/>
-                </a:solidFill>
-              </a:rPr>
-              <a:t>Locks shared across multiple CPUS are used</a:t>
-            </a:r>
-          </a:p>
-          <a:p>
-            <a:pPr marL="342900" indent="-342900">
-              <a:spcBef>
-                <a:spcPts val="0"/>
-              </a:spcBef>
-              <a:spcAft>
-                <a:spcPts val="0"/>
-              </a:spcAft>
-              <a:buFont typeface="+mj-lt"/>
-              <a:buAutoNum type="arabicPeriod"/>
-            </a:pPr>
-            <a:r>
-              <a:rPr lang="en-IN" sz="1800" dirty="0"/>
-              <a:t>SPDK came up with its software architecture which used per thread variables</a:t>
-            </a:r>
-          </a:p>
-          <a:p>
-            <a:pPr marL="342900" indent="-342900">
-              <a:spcBef>
-                <a:spcPts val="0"/>
-              </a:spcBef>
-              <a:spcAft>
-                <a:spcPts val="0"/>
-              </a:spcAft>
-              <a:buFont typeface="+mj-lt"/>
-              <a:buAutoNum type="arabicPeriod"/>
-            </a:pPr>
-            <a:r>
-              <a:rPr lang="en-IN" sz="1800" dirty="0"/>
-              <a:t>If different threads have to interact they will do so using lockless messaging</a:t>
-            </a:r>
-          </a:p>
-          <a:p>
-            <a:pPr marL="0" indent="0" rtl="0">
-              <a:spcBef>
-                <a:spcPts val="0"/>
-              </a:spcBef>
-              <a:spcAft>
-                <a:spcPts val="0"/>
-              </a:spcAft>
-              <a:buNone/>
-            </a:pPr>
-            <a:r>
-              <a:rPr lang="en-IN" sz="1800" b="0" dirty="0">
-                <a:effectLst/>
-              </a:rPr>
-              <a:t>	 </a:t>
-            </a:r>
-          </a:p>
-          <a:p>
-            <a:pPr rtl="0">
-              <a:spcBef>
-                <a:spcPts val="0"/>
-              </a:spcBef>
-              <a:spcAft>
-                <a:spcPts val="0"/>
-              </a:spcAft>
-            </a:pPr>
-            <a:endParaRPr lang="en-IN" sz="1800" b="0" dirty="0">
-              <a:effectLst/>
-            </a:endParaRPr>
-          </a:p>
-        </p:txBody>
-      </p:sp>
-    </p:spTree>
-    <p:extLst>
-      <p:ext uri="{BB962C8B-B14F-4D97-AF65-F5344CB8AC3E}">
-        <p14:creationId xmlns:p14="http://schemas.microsoft.com/office/powerpoint/2010/main" val="2187130312"/>
-      </p:ext>
-    </p:extLst>
-  </p:cSld>
-  <p:clrMapOvr>
-    <a:masterClrMapping/>
-  </p:clrMapOvr>
-</p:sld>
-</file>
-
-<file path=ppt/slides/slide2.xml><?xml version="1.0" encoding="utf-8"?>
-<p:sld xmlns:a="http://schemas.openxmlformats.org/drawingml/2006/main" xmlns:r="http://schemas.openxmlformats.org/officeDocument/2006/relationships" xmlns:p="http://schemas.openxmlformats.org/presentationml/2006/main">
-  <p:cSld>
-    <p:bg>
-      <p:bgPr>
-        <a:solidFill>
-          <a:schemeClr val="bg1"/>
-        </a:solidFill>
-        <a:effectLst/>
-      </p:bgPr>
-    </p:bg>
-    <p:spTree>
-      <p:nvGrpSpPr>
-        <p:cNvPr id="1" name=""/>
-        <p:cNvGrpSpPr/>
-        <p:nvPr/>
-      </p:nvGrpSpPr>
-      <p:grpSpPr>
-        <a:xfrm>
-          <a:off x="0" y="0"/>
-          <a:ext cx="0" cy="0"/>
-          <a:chOff x="0" y="0"/>
-          <a:chExt cx="0" cy="0"/>
-        </a:xfrm>
-      </p:grpSpPr>
-      <p:sp>
-        <p:nvSpPr>
-          <p:cNvPr id="2" name="Title 1">
-            <a:extLst>
-              <a:ext uri="{FF2B5EF4-FFF2-40B4-BE49-F238E27FC236}">
-                <a16:creationId xmlns:a16="http://schemas.microsoft.com/office/drawing/2014/main" id="{33B7FB10-FB0C-B599-5BA5-18322C1E708C}"/>
-              </a:ext>
-            </a:extLst>
-          </p:cNvPr>
-          <p:cNvSpPr>
-            <a:spLocks noGrp="1"/>
-          </p:cNvSpPr>
-          <p:nvPr>
-            <p:ph type="title"/>
-          </p:nvPr>
-        </p:nvSpPr>
-        <p:spPr>
-          <a:xfrm>
-            <a:off x="1024128" y="585216"/>
-            <a:ext cx="8018272" cy="1499616"/>
-          </a:xfrm>
-        </p:spPr>
-        <p:txBody>
-          <a:bodyPr>
-            <a:normAutofit/>
-          </a:bodyPr>
-          <a:lstStyle/>
-          <a:p>
-            <a:r>
-              <a:rPr lang="en-IN"/>
-              <a:t>Agenda</a:t>
-            </a:r>
-            <a:endParaRPr lang="en-IN" dirty="0"/>
-          </a:p>
-        </p:txBody>
-      </p:sp>
-      <p:sp>
-        <p:nvSpPr>
-          <p:cNvPr id="3" name="Content Placeholder 2">
-            <a:extLst>
-              <a:ext uri="{FF2B5EF4-FFF2-40B4-BE49-F238E27FC236}">
-                <a16:creationId xmlns:a16="http://schemas.microsoft.com/office/drawing/2014/main" id="{485FBEE0-16A2-17A0-7415-ABA4D9865105}"/>
-              </a:ext>
-            </a:extLst>
-          </p:cNvPr>
-          <p:cNvSpPr>
-            <a:spLocks noGrp="1"/>
-          </p:cNvSpPr>
-          <p:nvPr>
-            <p:ph idx="1"/>
-          </p:nvPr>
-        </p:nvSpPr>
-        <p:spPr>
-          <a:xfrm>
-            <a:off x="1024128" y="2286000"/>
-            <a:ext cx="8018271" cy="4023360"/>
-          </a:xfrm>
-        </p:spPr>
-        <p:txBody>
-          <a:bodyPr>
-            <a:normAutofit lnSpcReduction="10000"/>
-          </a:bodyPr>
-          <a:lstStyle/>
-          <a:p>
-            <a:r>
-              <a:rPr lang="en-IN" sz="1700" dirty="0"/>
-              <a:t>A) Kernel Synchronization techniques </a:t>
-            </a:r>
-          </a:p>
-          <a:p>
-            <a:r>
-              <a:rPr lang="en-IN" sz="1700" dirty="0"/>
-              <a:t>1. Atomic variables internals and implementation </a:t>
-            </a:r>
-          </a:p>
-          <a:p>
-            <a:r>
-              <a:rPr lang="en-IN" sz="1700" dirty="0"/>
-              <a:t>2. Spinlocks internals</a:t>
-            </a:r>
-          </a:p>
-          <a:p>
-            <a:pPr marL="0" indent="0">
-              <a:buNone/>
-            </a:pPr>
-            <a:endParaRPr lang="en-IN" sz="1700" dirty="0"/>
-          </a:p>
-          <a:p>
-            <a:r>
-              <a:rPr lang="en-IN" sz="1700" dirty="0"/>
-              <a:t>B) Userspace atomic and gcc locking primitives</a:t>
-            </a:r>
-          </a:p>
-          <a:p>
-            <a:r>
-              <a:rPr lang="en-IN" sz="1700" dirty="0"/>
-              <a:t>1. Locking in user space details and implementation</a:t>
-            </a:r>
-          </a:p>
-          <a:p>
-            <a:endParaRPr lang="en-IN" sz="1700" dirty="0"/>
-          </a:p>
-          <a:p>
-            <a:r>
-              <a:rPr lang="en-IN" sz="1700" dirty="0"/>
-              <a:t>C) Making lockless</a:t>
-            </a:r>
-          </a:p>
-          <a:p>
-            <a:r>
-              <a:rPr lang="en-IN" sz="1700" dirty="0"/>
-              <a:t>1. RCU details and implementation </a:t>
-            </a:r>
-          </a:p>
-          <a:p>
-            <a:r>
-              <a:rPr lang="en-IN" sz="1700" dirty="0"/>
-              <a:t>2. SPDK completely lockless programming</a:t>
-            </a:r>
-          </a:p>
-          <a:p>
-            <a:endParaRPr lang="en-IN" sz="1400" dirty="0"/>
-          </a:p>
-          <a:p>
-            <a:endParaRPr lang="en-IN" sz="1400" dirty="0"/>
-          </a:p>
-        </p:txBody>
-      </p:sp>
-    </p:spTree>
-    <p:extLst>
-      <p:ext uri="{BB962C8B-B14F-4D97-AF65-F5344CB8AC3E}">
-        <p14:creationId xmlns:p14="http://schemas.microsoft.com/office/powerpoint/2010/main" val="1180814560"/>
-      </p:ext>
-    </p:extLst>
-  </p:cSld>
-  <p:clrMapOvr>
-    <a:masterClrMapping/>
-  </p:clrMapOvr>
-</p:sld>
-</file>
-
-<file path=ppt/slides/slide20.xml><?xml version="1.0" encoding="utf-8"?>
-<p:sld xmlns:a="http://schemas.openxmlformats.org/drawingml/2006/main" xmlns:r="http://schemas.openxmlformats.org/officeDocument/2006/relationships" xmlns:p="http://schemas.openxmlformats.org/presentationml/2006/main">
-  <p:cSld>
-    <p:spTree>
-      <p:nvGrpSpPr>
-        <p:cNvPr id="1" name=""/>
-        <p:cNvGrpSpPr/>
-        <p:nvPr/>
-      </p:nvGrpSpPr>
-      <p:grpSpPr>
-        <a:xfrm>
-          <a:off x="0" y="0"/>
-          <a:ext cx="0" cy="0"/>
-          <a:chOff x="0" y="0"/>
-          <a:chExt cx="0" cy="0"/>
-        </a:xfrm>
-      </p:grpSpPr>
-      <p:sp>
-        <p:nvSpPr>
-          <p:cNvPr id="2" name="Title 1">
-            <a:extLst>
-              <a:ext uri="{FF2B5EF4-FFF2-40B4-BE49-F238E27FC236}">
-                <a16:creationId xmlns:a16="http://schemas.microsoft.com/office/drawing/2014/main" id="{C2D9662A-EA21-10DC-8DA2-DFC9D65B883B}"/>
-              </a:ext>
-            </a:extLst>
-          </p:cNvPr>
-          <p:cNvSpPr>
-            <a:spLocks noGrp="1"/>
-          </p:cNvSpPr>
-          <p:nvPr>
-            <p:ph type="title"/>
-          </p:nvPr>
-        </p:nvSpPr>
-        <p:spPr/>
-        <p:txBody>
           <a:bodyPr/>
           <a:lstStyle/>
           <a:p>
@@ -31881,7 +31617,7 @@
               </a:spcAft>
             </a:pPr>
             <a:r>
-              <a:rPr lang="en-US" sz="1800" b="0" dirty="0">
+              <a:rPr lang="en-US" sz="1800" b="1" dirty="0">
                 <a:effectLst/>
               </a:rPr>
               <a:t>Lockless implementation </a:t>
@@ -31896,13 +31632,10 @@
                 <a:spcPts val="0"/>
               </a:spcAft>
             </a:pPr>
-            <a:r>
-              <a:rPr lang="en-US" sz="1800" dirty="0"/>
-              <a:t>Based on per thread variables. The per thread variables are named as channels</a:t>
-            </a:r>
-            <a:endParaRPr lang="en-US" sz="1800" b="0" dirty="0">
-              <a:effectLst/>
-            </a:endParaRPr>
+            <a:br>
+              <a:rPr lang="en-US" sz="1800" b="1" dirty="0"/>
+            </a:br>
+            <a:endParaRPr lang="en-US" sz="1800" b="1" dirty="0"/>
           </a:p>
           <a:p>
             <a:pPr rtl="0">
@@ -31914,11 +31647,16 @@
               </a:spcAft>
             </a:pPr>
             <a:r>
-              <a:rPr lang="en-US" sz="1800" b="0" dirty="0">
-                <a:effectLst/>
-              </a:rPr>
-              <a:t>SPDK creates IO channels per device per SPDK thread for providing lockless IO path. </a:t>
-            </a:r>
+              <a:rPr lang="en-US" sz="1800" b="1" dirty="0"/>
+              <a:t>Based on per thread variables</a:t>
+            </a:r>
+            <a:r>
+              <a:rPr lang="en-US" sz="1800" dirty="0"/>
+              <a:t>. The per thread variables are named as channels</a:t>
+            </a:r>
+            <a:endParaRPr lang="en-US" sz="1800" b="0" dirty="0">
+              <a:effectLst/>
+            </a:endParaRPr>
           </a:p>
           <a:p>
             <a:pPr rtl="0">
@@ -31933,7 +31671,7 @@
               <a:rPr lang="en-US" sz="1800" b="0" dirty="0">
                 <a:effectLst/>
               </a:rPr>
-              <a:t>The variables are created as a part of IO channel creation.</a:t>
+              <a:t>SPDK creates IO channels per device per SPDK thread for providing lockless IO path. </a:t>
             </a:r>
           </a:p>
           <a:p>
@@ -31945,12 +31683,9 @@
                 <a:spcPts val="0"/>
               </a:spcAft>
             </a:pPr>
-            <a:r>
-              <a:rPr lang="en-US" sz="1800" b="0" dirty="0">
-                <a:effectLst/>
-              </a:rPr>
-              <a:t>At the time of IO submission, the data-structures for only that specific thread are accessed.</a:t>
-            </a:r>
+            <a:endParaRPr lang="en-US" sz="1800" b="0" dirty="0">
+              <a:effectLst/>
+            </a:endParaRPr>
           </a:p>
           <a:p>
             <a:pPr rtl="0">
@@ -31965,7 +31700,7 @@
               <a:rPr lang="en-US" sz="1800" b="0" dirty="0">
                 <a:effectLst/>
               </a:rPr>
-              <a:t>Use event per thread mechanism. Say in case we get an event for new namespace addition, then this event is sent to each IO submission thread. </a:t>
+              <a:t>The variables are created as a part of IO channel creation.</a:t>
             </a:r>
           </a:p>
           <a:p>
@@ -31977,12 +31712,38 @@
                 <a:spcPts val="0"/>
               </a:spcAft>
             </a:pPr>
+            <a:endParaRPr lang="en-US" sz="1800" b="0" dirty="0">
+              <a:effectLst/>
+            </a:endParaRPr>
+          </a:p>
+          <a:p>
+            <a:pPr rtl="0">
+              <a:spcBef>
+                <a:spcPts val="0"/>
+              </a:spcBef>
+              <a:spcAft>
+                <a:spcPts val="0"/>
+              </a:spcAft>
+            </a:pPr>
             <a:r>
               <a:rPr lang="en-US" sz="1800" b="0" dirty="0">
                 <a:effectLst/>
               </a:rPr>
-              <a:t>Each thread then creates its own list of namespaces.</a:t>
-            </a:r>
+              <a:t>At the time of IO submission, the data-structures for only that specific thread are accessed.</a:t>
+            </a:r>
+          </a:p>
+          <a:p>
+            <a:pPr rtl="0">
+              <a:spcBef>
+                <a:spcPts val="0"/>
+              </a:spcBef>
+              <a:spcAft>
+                <a:spcPts val="0"/>
+              </a:spcAft>
+            </a:pPr>
+            <a:endParaRPr lang="en-US" sz="1800" b="0" dirty="0">
+              <a:effectLst/>
+            </a:endParaRPr>
           </a:p>
           <a:p>
             <a:pPr rtl="0">
@@ -32043,7 +31804,7 @@
             <a:pPr algn="ctr"/>
             <a:r>
               <a:rPr lang="en-US" sz="1000" dirty="0"/>
-              <a:t>SPDK thread 0(CPU 0)</a:t>
+              <a:t>SPDK reactor thread 0(CPU 0)</a:t>
             </a:r>
           </a:p>
         </p:txBody>
@@ -32092,7 +31853,7 @@
             <a:pPr algn="ctr"/>
             <a:r>
               <a:rPr lang="en-US" sz="1000" dirty="0"/>
-              <a:t>SPDK thread 1(CPU 1)</a:t>
+              <a:t>SPDK reactor thread 1(CPU 1)</a:t>
             </a:r>
           </a:p>
         </p:txBody>
@@ -32141,7 +31902,7 @@
             <a:pPr algn="ctr"/>
             <a:r>
               <a:rPr lang="en-US" sz="1000" dirty="0"/>
-              <a:t>SPDK thread N(CPU N)</a:t>
+              <a:t>SPDK reactor thread N(CPU N)</a:t>
             </a:r>
           </a:p>
         </p:txBody>
@@ -33079,6 +32840,702 @@
 </p:sld>
 </file>
 
+<file path=ppt/slides/slide2.xml><?xml version="1.0" encoding="utf-8"?>
+<p:sld xmlns:a="http://schemas.openxmlformats.org/drawingml/2006/main" xmlns:r="http://schemas.openxmlformats.org/officeDocument/2006/relationships" xmlns:p="http://schemas.openxmlformats.org/presentationml/2006/main">
+  <p:cSld>
+    <p:bg>
+      <p:bgPr>
+        <a:solidFill>
+          <a:schemeClr val="bg1"/>
+        </a:solidFill>
+        <a:effectLst/>
+      </p:bgPr>
+    </p:bg>
+    <p:spTree>
+      <p:nvGrpSpPr>
+        <p:cNvPr id="1" name=""/>
+        <p:cNvGrpSpPr/>
+        <p:nvPr/>
+      </p:nvGrpSpPr>
+      <p:grpSpPr>
+        <a:xfrm>
+          <a:off x="0" y="0"/>
+          <a:ext cx="0" cy="0"/>
+          <a:chOff x="0" y="0"/>
+          <a:chExt cx="0" cy="0"/>
+        </a:xfrm>
+      </p:grpSpPr>
+      <p:sp>
+        <p:nvSpPr>
+          <p:cNvPr id="2" name="Title 1">
+            <a:extLst>
+              <a:ext uri="{FF2B5EF4-FFF2-40B4-BE49-F238E27FC236}">
+                <a16:creationId xmlns:a16="http://schemas.microsoft.com/office/drawing/2014/main" id="{33B7FB10-FB0C-B599-5BA5-18322C1E708C}"/>
+              </a:ext>
+            </a:extLst>
+          </p:cNvPr>
+          <p:cNvSpPr>
+            <a:spLocks noGrp="1"/>
+          </p:cNvSpPr>
+          <p:nvPr>
+            <p:ph type="title"/>
+          </p:nvPr>
+        </p:nvSpPr>
+        <p:spPr>
+          <a:xfrm>
+            <a:off x="1024128" y="585216"/>
+            <a:ext cx="8018272" cy="1499616"/>
+          </a:xfrm>
+        </p:spPr>
+        <p:txBody>
+          <a:bodyPr>
+            <a:normAutofit/>
+          </a:bodyPr>
+          <a:lstStyle/>
+          <a:p>
+            <a:r>
+              <a:rPr lang="en-IN"/>
+              <a:t>Agenda</a:t>
+            </a:r>
+            <a:endParaRPr lang="en-IN" dirty="0"/>
+          </a:p>
+        </p:txBody>
+      </p:sp>
+      <p:sp>
+        <p:nvSpPr>
+          <p:cNvPr id="3" name="Content Placeholder 2">
+            <a:extLst>
+              <a:ext uri="{FF2B5EF4-FFF2-40B4-BE49-F238E27FC236}">
+                <a16:creationId xmlns:a16="http://schemas.microsoft.com/office/drawing/2014/main" id="{485FBEE0-16A2-17A0-7415-ABA4D9865105}"/>
+              </a:ext>
+            </a:extLst>
+          </p:cNvPr>
+          <p:cNvSpPr>
+            <a:spLocks noGrp="1"/>
+          </p:cNvSpPr>
+          <p:nvPr>
+            <p:ph idx="1"/>
+          </p:nvPr>
+        </p:nvSpPr>
+        <p:spPr>
+          <a:xfrm>
+            <a:off x="1024128" y="2286000"/>
+            <a:ext cx="8018271" cy="4023360"/>
+          </a:xfrm>
+        </p:spPr>
+        <p:txBody>
+          <a:bodyPr>
+            <a:normAutofit lnSpcReduction="10000"/>
+          </a:bodyPr>
+          <a:lstStyle/>
+          <a:p>
+            <a:r>
+              <a:rPr lang="en-IN" sz="1700" dirty="0"/>
+              <a:t>A) Kernel Synchronization techniques </a:t>
+            </a:r>
+          </a:p>
+          <a:p>
+            <a:r>
+              <a:rPr lang="en-IN" sz="1700" dirty="0"/>
+              <a:t>1. Atomic variables internals and implementation </a:t>
+            </a:r>
+          </a:p>
+          <a:p>
+            <a:r>
+              <a:rPr lang="en-IN" sz="1700" dirty="0"/>
+              <a:t>2. Spinlocks internals</a:t>
+            </a:r>
+          </a:p>
+          <a:p>
+            <a:pPr marL="0" indent="0">
+              <a:buNone/>
+            </a:pPr>
+            <a:endParaRPr lang="en-IN" sz="1700" dirty="0"/>
+          </a:p>
+          <a:p>
+            <a:r>
+              <a:rPr lang="en-IN" sz="1700" dirty="0"/>
+              <a:t>B) Userspace atomic and gcc locking primitives</a:t>
+            </a:r>
+          </a:p>
+          <a:p>
+            <a:r>
+              <a:rPr lang="en-IN" sz="1700" dirty="0"/>
+              <a:t>1. Locking in user space details and implementation</a:t>
+            </a:r>
+          </a:p>
+          <a:p>
+            <a:endParaRPr lang="en-IN" sz="1700" dirty="0"/>
+          </a:p>
+          <a:p>
+            <a:r>
+              <a:rPr lang="en-IN" sz="1700" dirty="0"/>
+              <a:t>C) Making lockless</a:t>
+            </a:r>
+          </a:p>
+          <a:p>
+            <a:r>
+              <a:rPr lang="en-IN" sz="1700" dirty="0"/>
+              <a:t>1. RCU details and implementation </a:t>
+            </a:r>
+          </a:p>
+          <a:p>
+            <a:r>
+              <a:rPr lang="en-IN" sz="1700" dirty="0"/>
+              <a:t>2. SPDK completely lockless programming</a:t>
+            </a:r>
+          </a:p>
+          <a:p>
+            <a:endParaRPr lang="en-IN" sz="1400" dirty="0"/>
+          </a:p>
+          <a:p>
+            <a:endParaRPr lang="en-IN" sz="1400" dirty="0"/>
+          </a:p>
+        </p:txBody>
+      </p:sp>
+    </p:spTree>
+    <p:extLst>
+      <p:ext uri="{BB962C8B-B14F-4D97-AF65-F5344CB8AC3E}">
+        <p14:creationId xmlns:p14="http://schemas.microsoft.com/office/powerpoint/2010/main" val="1180814560"/>
+      </p:ext>
+    </p:extLst>
+  </p:cSld>
+  <p:clrMapOvr>
+    <a:masterClrMapping/>
+  </p:clrMapOvr>
+</p:sld>
+</file>
+
+<file path=ppt/slides/slide20.xml><?xml version="1.0" encoding="utf-8"?>
+<p:sld xmlns:a="http://schemas.openxmlformats.org/drawingml/2006/main" xmlns:r="http://schemas.openxmlformats.org/officeDocument/2006/relationships" xmlns:p="http://schemas.openxmlformats.org/presentationml/2006/main">
+  <p:cSld>
+    <p:spTree>
+      <p:nvGrpSpPr>
+        <p:cNvPr id="1" name=""/>
+        <p:cNvGrpSpPr/>
+        <p:nvPr/>
+      </p:nvGrpSpPr>
+      <p:grpSpPr>
+        <a:xfrm>
+          <a:off x="0" y="0"/>
+          <a:ext cx="0" cy="0"/>
+          <a:chOff x="0" y="0"/>
+          <a:chExt cx="0" cy="0"/>
+        </a:xfrm>
+      </p:grpSpPr>
+      <p:sp>
+        <p:nvSpPr>
+          <p:cNvPr id="2" name="Title 1">
+            <a:extLst>
+              <a:ext uri="{FF2B5EF4-FFF2-40B4-BE49-F238E27FC236}">
+                <a16:creationId xmlns:a16="http://schemas.microsoft.com/office/drawing/2014/main" id="{C2D9662A-EA21-10DC-8DA2-DFC9D65B883B}"/>
+              </a:ext>
+            </a:extLst>
+          </p:cNvPr>
+          <p:cNvSpPr>
+            <a:spLocks noGrp="1"/>
+          </p:cNvSpPr>
+          <p:nvPr>
+            <p:ph type="title"/>
+          </p:nvPr>
+        </p:nvSpPr>
+        <p:spPr/>
+        <p:txBody>
+          <a:bodyPr/>
+          <a:lstStyle/>
+          <a:p>
+            <a:r>
+              <a:rPr lang="en-IN" dirty="0"/>
+              <a:t>SPDK APIs </a:t>
+            </a:r>
+          </a:p>
+        </p:txBody>
+      </p:sp>
+      <p:sp>
+        <p:nvSpPr>
+          <p:cNvPr id="3" name="Content Placeholder 2">
+            <a:extLst>
+              <a:ext uri="{FF2B5EF4-FFF2-40B4-BE49-F238E27FC236}">
+                <a16:creationId xmlns:a16="http://schemas.microsoft.com/office/drawing/2014/main" id="{6444B23A-E489-5E22-3602-A4FFABA64BAF}"/>
+              </a:ext>
+            </a:extLst>
+          </p:cNvPr>
+          <p:cNvSpPr>
+            <a:spLocks noGrp="1"/>
+          </p:cNvSpPr>
+          <p:nvPr>
+            <p:ph idx="1"/>
+          </p:nvPr>
+        </p:nvSpPr>
+        <p:spPr>
+          <a:xfrm>
+            <a:off x="838200" y="1825624"/>
+            <a:ext cx="10076848" cy="4926049"/>
+          </a:xfrm>
+        </p:spPr>
+        <p:txBody>
+          <a:bodyPr>
+            <a:normAutofit/>
+          </a:bodyPr>
+          <a:lstStyle/>
+          <a:p>
+            <a:pPr rtl="0">
+              <a:spcBef>
+                <a:spcPts val="0"/>
+              </a:spcBef>
+              <a:spcAft>
+                <a:spcPts val="0"/>
+              </a:spcAft>
+            </a:pPr>
+            <a:r>
+              <a:rPr lang="en-US" sz="1800" b="1" u="sng" dirty="0">
+                <a:effectLst/>
+              </a:rPr>
+              <a:t>spdk_io_device_register</a:t>
+            </a:r>
+          </a:p>
+          <a:p>
+            <a:pPr rtl="0">
+              <a:spcBef>
+                <a:spcPts val="0"/>
+              </a:spcBef>
+              <a:spcAft>
+                <a:spcPts val="0"/>
+              </a:spcAft>
+            </a:pPr>
+            <a:r>
+              <a:rPr lang="en-US" sz="1800" dirty="0"/>
+              <a:t>Creates and add the io_device to global </a:t>
+            </a:r>
+            <a:r>
+              <a:rPr lang="en-US" sz="1800" dirty="0" err="1"/>
+              <a:t>io_device_tree</a:t>
+            </a:r>
+            <a:endParaRPr lang="en-US" sz="1800" dirty="0"/>
+          </a:p>
+          <a:p>
+            <a:pPr rtl="0">
+              <a:spcBef>
+                <a:spcPts val="0"/>
+              </a:spcBef>
+              <a:spcAft>
+                <a:spcPts val="0"/>
+              </a:spcAft>
+            </a:pPr>
+            <a:r>
+              <a:rPr lang="it-IT" sz="1800" b="0" dirty="0">
+                <a:effectLst/>
+              </a:rPr>
+              <a:t>RB_INSERT(io_device_tree, &amp;g_io_devices, dev);</a:t>
+            </a:r>
+            <a:endParaRPr lang="en-US" sz="1800" b="0" dirty="0">
+              <a:effectLst/>
+            </a:endParaRPr>
+          </a:p>
+          <a:p>
+            <a:pPr rtl="0">
+              <a:spcBef>
+                <a:spcPts val="0"/>
+              </a:spcBef>
+              <a:spcAft>
+                <a:spcPts val="0"/>
+              </a:spcAft>
+            </a:pPr>
+            <a:endParaRPr lang="en-US" sz="1800" dirty="0"/>
+          </a:p>
+          <a:p>
+            <a:pPr rtl="0">
+              <a:spcBef>
+                <a:spcPts val="0"/>
+              </a:spcBef>
+              <a:spcAft>
+                <a:spcPts val="0"/>
+              </a:spcAft>
+            </a:pPr>
+            <a:r>
+              <a:rPr lang="en-US" sz="1800" b="1" u="sng" dirty="0"/>
+              <a:t>bdev_channel_create </a:t>
+            </a:r>
+            <a:r>
+              <a:rPr lang="en-US" sz="1800" dirty="0"/>
+              <a:t>– will be called for all threads/</a:t>
+            </a:r>
+            <a:r>
+              <a:rPr lang="en-US" sz="1800" dirty="0" err="1"/>
+              <a:t>perPCPU</a:t>
+            </a:r>
+            <a:r>
+              <a:rPr lang="en-US" sz="1800" dirty="0"/>
+              <a:t> and calls spdk_get_io_channel()</a:t>
+            </a:r>
+          </a:p>
+          <a:p>
+            <a:pPr rtl="0">
+              <a:spcBef>
+                <a:spcPts val="0"/>
+              </a:spcBef>
+              <a:spcAft>
+                <a:spcPts val="0"/>
+              </a:spcAft>
+            </a:pPr>
+            <a:r>
+              <a:rPr lang="en-US" sz="1800" b="0" dirty="0">
+                <a:effectLst/>
+              </a:rPr>
+              <a:t>spdk_get_io_channel</a:t>
+            </a:r>
+          </a:p>
+          <a:p>
+            <a:pPr rtl="0">
+              <a:spcBef>
+                <a:spcPts val="0"/>
+              </a:spcBef>
+              <a:spcAft>
+                <a:spcPts val="0"/>
+              </a:spcAft>
+            </a:pPr>
+            <a:endParaRPr lang="en-US" sz="1800" b="0" dirty="0">
+              <a:effectLst/>
+            </a:endParaRPr>
+          </a:p>
+          <a:p>
+            <a:pPr rtl="0">
+              <a:spcBef>
+                <a:spcPts val="0"/>
+              </a:spcBef>
+              <a:spcAft>
+                <a:spcPts val="0"/>
+              </a:spcAft>
+            </a:pPr>
+            <a:r>
+              <a:rPr lang="en-US" sz="1800" b="1" u="sng" dirty="0">
+                <a:effectLst/>
+              </a:rPr>
+              <a:t>Create the channel for io_device per thread. </a:t>
+            </a:r>
+            <a:endParaRPr lang="en-US" sz="1800" b="1" u="sng" dirty="0"/>
+          </a:p>
+          <a:p>
+            <a:pPr marL="0" indent="0" rtl="0">
+              <a:spcBef>
+                <a:spcPts val="0"/>
+              </a:spcBef>
+              <a:spcAft>
+                <a:spcPts val="0"/>
+              </a:spcAft>
+              <a:buNone/>
+            </a:pPr>
+            <a:r>
+              <a:rPr lang="en-US" sz="1800" dirty="0"/>
+              <a:t> </a:t>
+            </a:r>
+            <a:r>
+              <a:rPr lang="en-US" sz="1800" b="0" dirty="0">
+                <a:effectLst/>
+              </a:rPr>
+              <a:t>RB_INSERT(</a:t>
+            </a:r>
+            <a:r>
+              <a:rPr lang="en-US" sz="1800" b="0" dirty="0" err="1">
+                <a:effectLst/>
+              </a:rPr>
+              <a:t>io_channel_tree</a:t>
+            </a:r>
+            <a:r>
+              <a:rPr lang="en-US" sz="1800" b="0" dirty="0">
+                <a:effectLst/>
+              </a:rPr>
+              <a:t>, &amp;thread-&gt;</a:t>
+            </a:r>
+            <a:r>
+              <a:rPr lang="en-US" sz="1800" b="0" dirty="0" err="1">
+                <a:effectLst/>
+              </a:rPr>
+              <a:t>io_channels</a:t>
+            </a:r>
+            <a:r>
+              <a:rPr lang="en-US" sz="1800" b="0" dirty="0">
+                <a:effectLst/>
+              </a:rPr>
+              <a:t>, </a:t>
+            </a:r>
+            <a:r>
+              <a:rPr lang="en-US" sz="1800" b="0" dirty="0" err="1">
+                <a:effectLst/>
+              </a:rPr>
+              <a:t>ch</a:t>
+            </a:r>
+            <a:r>
+              <a:rPr lang="en-US" sz="1800" b="0" dirty="0">
+                <a:effectLst/>
+              </a:rPr>
+              <a:t>);</a:t>
+            </a:r>
+          </a:p>
+          <a:p>
+            <a:pPr rtl="0">
+              <a:spcBef>
+                <a:spcPts val="0"/>
+              </a:spcBef>
+              <a:spcAft>
+                <a:spcPts val="0"/>
+              </a:spcAft>
+            </a:pPr>
+            <a:endParaRPr lang="en-US" sz="1800" dirty="0"/>
+          </a:p>
+          <a:p>
+            <a:pPr rtl="0">
+              <a:spcBef>
+                <a:spcPts val="0"/>
+              </a:spcBef>
+              <a:spcAft>
+                <a:spcPts val="0"/>
+              </a:spcAft>
+            </a:pPr>
+            <a:r>
+              <a:rPr lang="en-US" sz="1800" b="1" u="sng" dirty="0"/>
+              <a:t>Fetch the </a:t>
+            </a:r>
+            <a:r>
+              <a:rPr lang="en-US" sz="1800" b="1" u="sng" dirty="0" err="1"/>
+              <a:t>io_channel</a:t>
+            </a:r>
+            <a:endParaRPr lang="en-US" sz="1800" b="1" u="sng" dirty="0"/>
+          </a:p>
+          <a:p>
+            <a:pPr rtl="0">
+              <a:spcBef>
+                <a:spcPts val="0"/>
+              </a:spcBef>
+              <a:spcAft>
+                <a:spcPts val="0"/>
+              </a:spcAft>
+            </a:pPr>
+            <a:r>
+              <a:rPr lang="en-US" sz="1800" dirty="0"/>
+              <a:t>RB_FIND(</a:t>
+            </a:r>
+            <a:r>
+              <a:rPr lang="en-US" sz="1800" dirty="0" err="1"/>
+              <a:t>io_channel_tree</a:t>
+            </a:r>
+            <a:r>
+              <a:rPr lang="en-US" sz="1800" dirty="0"/>
+              <a:t>, &amp;thread-&gt;</a:t>
+            </a:r>
+            <a:r>
+              <a:rPr lang="en-US" sz="1800" dirty="0" err="1"/>
+              <a:t>io_channels</a:t>
+            </a:r>
+            <a:r>
+              <a:rPr lang="en-US" sz="1800" dirty="0"/>
+              <a:t>, &amp;find);</a:t>
+            </a:r>
+          </a:p>
+          <a:p>
+            <a:pPr rtl="0">
+              <a:spcBef>
+                <a:spcPts val="0"/>
+              </a:spcBef>
+              <a:spcAft>
+                <a:spcPts val="0"/>
+              </a:spcAft>
+            </a:pPr>
+            <a:endParaRPr lang="en-US" sz="1800" dirty="0"/>
+          </a:p>
+          <a:p>
+            <a:pPr rtl="0">
+              <a:spcBef>
+                <a:spcPts val="0"/>
+              </a:spcBef>
+              <a:spcAft>
+                <a:spcPts val="0"/>
+              </a:spcAft>
+            </a:pPr>
+            <a:r>
+              <a:rPr lang="en-US" sz="1800" dirty="0" err="1"/>
+              <a:t>spdk_for_each_thread</a:t>
+            </a:r>
+            <a:r>
+              <a:rPr lang="en-US" sz="1800" dirty="0"/>
+              <a:t>(</a:t>
+            </a:r>
+            <a:r>
+              <a:rPr lang="en-US" sz="1800" dirty="0" err="1"/>
+              <a:t>spdk_msg_fn</a:t>
+            </a:r>
+            <a:r>
+              <a:rPr lang="en-US" sz="1800" dirty="0"/>
+              <a:t> </a:t>
+            </a:r>
+            <a:r>
+              <a:rPr lang="en-US" sz="1800" dirty="0" err="1"/>
+              <a:t>fn</a:t>
+            </a:r>
+            <a:r>
+              <a:rPr lang="en-US" sz="1800" dirty="0"/>
+              <a:t>, void *</a:t>
+            </a:r>
+            <a:r>
+              <a:rPr lang="en-US" sz="1800" dirty="0" err="1"/>
+              <a:t>ctx</a:t>
+            </a:r>
+            <a:r>
+              <a:rPr lang="en-US" sz="1800" dirty="0"/>
+              <a:t>, </a:t>
+            </a:r>
+            <a:r>
+              <a:rPr lang="en-US" sz="1800" dirty="0" err="1"/>
+              <a:t>spdk_msg_fn</a:t>
+            </a:r>
+            <a:r>
+              <a:rPr lang="en-US" sz="1800" dirty="0"/>
+              <a:t> </a:t>
+            </a:r>
+            <a:r>
+              <a:rPr lang="en-US" sz="1800" dirty="0" err="1"/>
+              <a:t>cpl</a:t>
+            </a:r>
+            <a:r>
+              <a:rPr lang="en-US" sz="1800" dirty="0"/>
+              <a:t>)</a:t>
+            </a:r>
+          </a:p>
+          <a:p>
+            <a:pPr rtl="0">
+              <a:spcBef>
+                <a:spcPts val="0"/>
+              </a:spcBef>
+              <a:spcAft>
+                <a:spcPts val="0"/>
+              </a:spcAft>
+            </a:pPr>
+            <a:r>
+              <a:rPr lang="en-US" sz="1800" dirty="0" err="1"/>
+              <a:t>rc</a:t>
+            </a:r>
+            <a:r>
+              <a:rPr lang="en-US" sz="1800" dirty="0"/>
+              <a:t> = </a:t>
+            </a:r>
+            <a:r>
+              <a:rPr lang="en-US" sz="1800" dirty="0" err="1"/>
+              <a:t>spdk_thread_send_msg</a:t>
+            </a:r>
+            <a:r>
+              <a:rPr lang="en-US" sz="1800" dirty="0"/>
+              <a:t>(</a:t>
+            </a:r>
+            <a:r>
+              <a:rPr lang="en-US" sz="1800" dirty="0" err="1"/>
+              <a:t>ct</a:t>
+            </a:r>
+            <a:r>
+              <a:rPr lang="en-US" sz="1800" dirty="0"/>
+              <a:t>-&gt;</a:t>
+            </a:r>
+            <a:r>
+              <a:rPr lang="en-US" sz="1800" dirty="0" err="1"/>
+              <a:t>cur_thread</a:t>
+            </a:r>
+            <a:r>
+              <a:rPr lang="en-US" sz="1800" dirty="0"/>
+              <a:t>, _</a:t>
+            </a:r>
+            <a:r>
+              <a:rPr lang="en-US" sz="1800" dirty="0" err="1"/>
+              <a:t>on_thread</a:t>
+            </a:r>
+            <a:r>
+              <a:rPr lang="en-US" sz="1800" dirty="0"/>
+              <a:t>, </a:t>
+            </a:r>
+            <a:r>
+              <a:rPr lang="en-US" sz="1800" dirty="0" err="1"/>
+              <a:t>ct</a:t>
+            </a:r>
+            <a:r>
+              <a:rPr lang="en-US" sz="1800" dirty="0"/>
+              <a:t>);</a:t>
+            </a:r>
+          </a:p>
+          <a:p>
+            <a:pPr rtl="0">
+              <a:spcBef>
+                <a:spcPts val="0"/>
+              </a:spcBef>
+              <a:spcAft>
+                <a:spcPts val="0"/>
+              </a:spcAft>
+            </a:pPr>
+            <a:endParaRPr lang="en-US" sz="1800" b="0" dirty="0">
+              <a:effectLst/>
+            </a:endParaRPr>
+          </a:p>
+        </p:txBody>
+      </p:sp>
+      <p:sp>
+        <p:nvSpPr>
+          <p:cNvPr id="8" name="Callout: Bent Line with Border and Accent Bar 7">
+            <a:extLst>
+              <a:ext uri="{FF2B5EF4-FFF2-40B4-BE49-F238E27FC236}">
+                <a16:creationId xmlns:a16="http://schemas.microsoft.com/office/drawing/2014/main" id="{07196620-FF6D-CC99-DE4D-189EFDB36B59}"/>
+              </a:ext>
+            </a:extLst>
+          </p:cNvPr>
+          <p:cNvSpPr/>
+          <p:nvPr/>
+        </p:nvSpPr>
+        <p:spPr>
+          <a:xfrm>
+            <a:off x="7950467" y="3429000"/>
+            <a:ext cx="2598821" cy="1135781"/>
+          </a:xfrm>
+          <a:prstGeom prst="accentBorderCallout2">
+            <a:avLst/>
+          </a:prstGeom>
+        </p:spPr>
+        <p:style>
+          <a:lnRef idx="2">
+            <a:schemeClr val="accent1">
+              <a:shade val="50000"/>
+            </a:schemeClr>
+          </a:lnRef>
+          <a:fillRef idx="1">
+            <a:schemeClr val="accent1"/>
+          </a:fillRef>
+          <a:effectRef idx="0">
+            <a:schemeClr val="accent1"/>
+          </a:effectRef>
+          <a:fontRef idx="minor">
+            <a:schemeClr val="lt1"/>
+          </a:fontRef>
+        </p:style>
+        <p:txBody>
+          <a:bodyPr rtlCol="0" anchor="ctr"/>
+          <a:lstStyle/>
+          <a:p>
+            <a:pPr algn="ctr"/>
+            <a:r>
+              <a:rPr lang="en-IN" dirty="0"/>
+              <a:t>No use of atomic or other locks across multiple CPUs</a:t>
+            </a:r>
+          </a:p>
+        </p:txBody>
+      </p:sp>
+    </p:spTree>
+    <p:extLst>
+      <p:ext uri="{BB962C8B-B14F-4D97-AF65-F5344CB8AC3E}">
+        <p14:creationId xmlns:p14="http://schemas.microsoft.com/office/powerpoint/2010/main" val="702652357"/>
+      </p:ext>
+    </p:extLst>
+  </p:cSld>
+  <p:clrMapOvr>
+    <a:masterClrMapping/>
+  </p:clrMapOvr>
+</p:sld>
+</file>
+
 <file path=ppt/slides/slide21.xml><?xml version="1.0" encoding="utf-8"?>
 <p:sld xmlns:a="http://schemas.openxmlformats.org/drawingml/2006/main" xmlns:r="http://schemas.openxmlformats.org/officeDocument/2006/relationships" xmlns:p="http://schemas.openxmlformats.org/presentationml/2006/main">
   <p:cSld>
@@ -33216,36 +33673,40 @@
           </a:p>
           <a:p>
             <a:r>
+              <a:rPr lang="en-IN" sz="2000" dirty="0"/>
+              <a:t>SPDK lockless and concurrency </a:t>
+            </a:r>
+            <a:r>
               <a:rPr lang="en-IN" sz="2000" dirty="0">
                 <a:hlinkClick r:id="rId7"/>
               </a:rPr>
-              <a:t>https://en.wikipedia.org/wiki/Futex</a:t>
+              <a:t>https://spdk.io/doc/concurrency.html</a:t>
             </a:r>
             <a:endParaRPr lang="en-IN" sz="2000" dirty="0"/>
           </a:p>
           <a:p>
             <a:r>
               <a:rPr lang="en-IN" sz="2000" dirty="0"/>
-              <a:t>SPDK lockless and concurrency </a:t>
+              <a:t>User space RCU </a:t>
             </a:r>
             <a:r>
               <a:rPr lang="en-IN" sz="2000" dirty="0">
                 <a:hlinkClick r:id="rId8"/>
               </a:rPr>
-              <a:t>https://spdk.io/doc/concurrency.html</a:t>
+              <a:t>https://lwn.net/Articles/573424/</a:t>
             </a:r>
             <a:endParaRPr lang="en-IN" sz="2000" dirty="0"/>
           </a:p>
           <a:p>
             <a:r>
               <a:rPr lang="en-IN" sz="2000" dirty="0"/>
-              <a:t>User space RCU </a:t>
+              <a:t>These slides are present on GitHub  </a:t>
             </a:r>
             <a:r>
               <a:rPr lang="en-IN" sz="2000" dirty="0">
                 <a:hlinkClick r:id="rId9"/>
               </a:rPr>
-              <a:t>https://lwn.net/Articles/573424/</a:t>
+              <a:t>https://github.com/kundanthebest/osi2022</a:t>
             </a:r>
             <a:endParaRPr lang="en-IN" sz="2000" dirty="0"/>
           </a:p>
@@ -38756,4 +39217,299 @@
     </a:ext>
   </a:extLst>
 </a:theme>
+</file>
+
+<file path=ppt/theme/theme2.xml><?xml version="1.0" encoding="utf-8"?>
+<a:theme xmlns:a="http://schemas.openxmlformats.org/drawingml/2006/main" name="Office Theme">
+  <a:themeElements>
+    <a:clrScheme name="Office">
+      <a:dk1>
+        <a:sysClr val="windowText" lastClr="000000"/>
+      </a:dk1>
+      <a:lt1>
+        <a:sysClr val="window" lastClr="FFFFFF"/>
+      </a:lt1>
+      <a:dk2>
+        <a:srgbClr val="44546A"/>
+      </a:dk2>
+      <a:lt2>
+        <a:srgbClr val="E7E6E6"/>
+      </a:lt2>
+      <a:accent1>
+        <a:srgbClr val="4472C4"/>
+      </a:accent1>
+      <a:accent2>
+        <a:srgbClr val="ED7D31"/>
+      </a:accent2>
+      <a:accent3>
+        <a:srgbClr val="A5A5A5"/>
+      </a:accent3>
+      <a:accent4>
+        <a:srgbClr val="FFC000"/>
+      </a:accent4>
+      <a:accent5>
+        <a:srgbClr val="5B9BD5"/>
+      </a:accent5>
+      <a:accent6>
+        <a:srgbClr val="70AD47"/>
+      </a:accent6>
+      <a:hlink>
+        <a:srgbClr val="0563C1"/>
+      </a:hlink>
+      <a:folHlink>
+        <a:srgbClr val="954F72"/>
+      </a:folHlink>
+    </a:clrScheme>
+    <a:fontScheme name="Office">
+      <a:majorFont>
+        <a:latin typeface="Calibri Light" panose="020F0302020204030204"/>
+        <a:ea typeface=""/>
+        <a:cs typeface=""/>
+        <a:font script="Jpan" typeface="游ゴシック Light"/>
+        <a:font script="Hang" typeface="맑은 고딕"/>
+        <a:font script="Hans" typeface="等线 Light"/>
+        <a:font script="Hant" typeface="新細明體"/>
+        <a:font script="Arab" typeface="Times New Roman"/>
+        <a:font script="Hebr" typeface="Times New Roman"/>
+        <a:font script="Thai" typeface="Angsana New"/>
+        <a:font script="Ethi" typeface="Nyala"/>
+        <a:font script="Beng" typeface="Vrinda"/>
+        <a:font script="Gujr" typeface="Shruti"/>
+        <a:font script="Khmr" typeface="MoolBoran"/>
+        <a:font script="Knda" typeface="Tunga"/>
+        <a:font script="Guru" typeface="Raavi"/>
+        <a:font script="Cans" typeface="Euphemia"/>
+        <a:font script="Cher" typeface="Plantagenet Cherokee"/>
+        <a:font script="Yiii" typeface="Microsoft Yi Baiti"/>
+        <a:font script="Tibt" typeface="Microsoft Himalaya"/>
+        <a:font script="Thaa" typeface="MV Boli"/>
+        <a:font script="Deva" typeface="Mangal"/>
+        <a:font script="Telu" typeface="Gautami"/>
+        <a:font script="Taml" typeface="Latha"/>
+        <a:font script="Syrc" typeface="Estrangelo Edessa"/>
+        <a:font script="Orya" typeface="Kalinga"/>
+        <a:font script="Mlym" typeface="Kartika"/>
+        <a:font script="Laoo" typeface="DokChampa"/>
+        <a:font script="Sinh" typeface="Iskoola Pota"/>
+        <a:font script="Mong" typeface="Mongolian Baiti"/>
+        <a:font script="Viet" typeface="Times New Roman"/>
+        <a:font script="Uigh" typeface="Microsoft Uighur"/>
+        <a:font script="Geor" typeface="Sylfaen"/>
+        <a:font script="Armn" typeface="Arial"/>
+        <a:font script="Bugi" typeface="Leelawadee UI"/>
+        <a:font script="Bopo" typeface="Microsoft JhengHei"/>
+        <a:font script="Java" typeface="Javanese Text"/>
+        <a:font script="Lisu" typeface="Segoe UI"/>
+        <a:font script="Mymr" typeface="Myanmar Text"/>
+        <a:font script="Nkoo" typeface="Ebrima"/>
+        <a:font script="Olck" typeface="Nirmala UI"/>
+        <a:font script="Osma" typeface="Ebrima"/>
+        <a:font script="Phag" typeface="Phagspa"/>
+        <a:font script="Syrn" typeface="Estrangelo Edessa"/>
+        <a:font script="Syrj" typeface="Estrangelo Edessa"/>
+        <a:font script="Syre" typeface="Estrangelo Edessa"/>
+        <a:font script="Sora" typeface="Nirmala UI"/>
+        <a:font script="Tale" typeface="Microsoft Tai Le"/>
+        <a:font script="Talu" typeface="Microsoft New Tai Lue"/>
+        <a:font script="Tfng" typeface="Ebrima"/>
+      </a:majorFont>
+      <a:minorFont>
+        <a:latin typeface="Calibri" panose="020F0502020204030204"/>
+        <a:ea typeface=""/>
+        <a:cs typeface=""/>
+        <a:font script="Jpan" typeface="游ゴシック"/>
+        <a:font script="Hang" typeface="맑은 고딕"/>
+        <a:font script="Hans" typeface="等线"/>
+        <a:font script="Hant" typeface="新細明體"/>
+        <a:font script="Arab" typeface="Arial"/>
+        <a:font script="Hebr" typeface="Arial"/>
+        <a:font script="Thai" typeface="Cordia New"/>
+        <a:font script="Ethi" typeface="Nyala"/>
+        <a:font script="Beng" typeface="Vrinda"/>
+        <a:font script="Gujr" typeface="Shruti"/>
+        <a:font script="Khmr" typeface="DaunPenh"/>
+        <a:font script="Knda" typeface="Tunga"/>
+        <a:font script="Guru" typeface="Raavi"/>
+        <a:font script="Cans" typeface="Euphemia"/>
+        <a:font script="Cher" typeface="Plantagenet Cherokee"/>
+        <a:font script="Yiii" typeface="Microsoft Yi Baiti"/>
+        <a:font script="Tibt" typeface="Microsoft Himalaya"/>
+        <a:font script="Thaa" typeface="MV Boli"/>
+        <a:font script="Deva" typeface="Mangal"/>
+        <a:font script="Telu" typeface="Gautami"/>
+        <a:font script="Taml" typeface="Latha"/>
+        <a:font script="Syrc" typeface="Estrangelo Edessa"/>
+        <a:font script="Orya" typeface="Kalinga"/>
+        <a:font script="Mlym" typeface="Kartika"/>
+        <a:font script="Laoo" typeface="DokChampa"/>
+        <a:font script="Sinh" typeface="Iskoola Pota"/>
+        <a:font script="Mong" typeface="Mongolian Baiti"/>
+        <a:font script="Viet" typeface="Arial"/>
+        <a:font script="Uigh" typeface="Microsoft Uighur"/>
+        <a:font script="Geor" typeface="Sylfaen"/>
+        <a:font script="Armn" typeface="Arial"/>
+        <a:font script="Bugi" typeface="Leelawadee UI"/>
+        <a:font script="Bopo" typeface="Microsoft JhengHei"/>
+        <a:font script="Java" typeface="Javanese Text"/>
+        <a:font script="Lisu" typeface="Segoe UI"/>
+        <a:font script="Mymr" typeface="Myanmar Text"/>
+        <a:font script="Nkoo" typeface="Ebrima"/>
+        <a:font script="Olck" typeface="Nirmala UI"/>
+        <a:font script="Osma" typeface="Ebrima"/>
+        <a:font script="Phag" typeface="Phagspa"/>
+        <a:font script="Syrn" typeface="Estrangelo Edessa"/>
+        <a:font script="Syrj" typeface="Estrangelo Edessa"/>
+        <a:font script="Syre" typeface="Estrangelo Edessa"/>
+        <a:font script="Sora" typeface="Nirmala UI"/>
+        <a:font script="Tale" typeface="Microsoft Tai Le"/>
+        <a:font script="Talu" typeface="Microsoft New Tai Lue"/>
+        <a:font script="Tfng" typeface="Ebrima"/>
+      </a:minorFont>
+    </a:fontScheme>
+    <a:fmtScheme name="Office">
+      <a:fillStyleLst>
+        <a:solidFill>
+          <a:schemeClr val="phClr"/>
+        </a:solidFill>
+        <a:gradFill rotWithShape="1">
+          <a:gsLst>
+            <a:gs pos="0">
+              <a:schemeClr val="phClr">
+                <a:lumMod val="110000"/>
+                <a:satMod val="105000"/>
+                <a:tint val="67000"/>
+              </a:schemeClr>
+            </a:gs>
+            <a:gs pos="50000">
+              <a:schemeClr val="phClr">
+                <a:lumMod val="105000"/>
+                <a:satMod val="103000"/>
+                <a:tint val="73000"/>
+              </a:schemeClr>
+            </a:gs>
+            <a:gs pos="100000">
+              <a:schemeClr val="phClr">
+                <a:lumMod val="105000"/>
+                <a:satMod val="109000"/>
+                <a:tint val="81000"/>
+              </a:schemeClr>
+            </a:gs>
+          </a:gsLst>
+          <a:lin ang="5400000" scaled="0"/>
+        </a:gradFill>
+        <a:gradFill rotWithShape="1">
+          <a:gsLst>
+            <a:gs pos="0">
+              <a:schemeClr val="phClr">
+                <a:satMod val="103000"/>
+                <a:lumMod val="102000"/>
+                <a:tint val="94000"/>
+              </a:schemeClr>
+            </a:gs>
+            <a:gs pos="50000">
+              <a:schemeClr val="phClr">
+                <a:satMod val="110000"/>
+                <a:lumMod val="100000"/>
+                <a:shade val="100000"/>
+              </a:schemeClr>
+            </a:gs>
+            <a:gs pos="100000">
+              <a:schemeClr val="phClr">
+                <a:lumMod val="99000"/>
+                <a:satMod val="120000"/>
+                <a:shade val="78000"/>
+              </a:schemeClr>
+            </a:gs>
+          </a:gsLst>
+          <a:lin ang="5400000" scaled="0"/>
+        </a:gradFill>
+      </a:fillStyleLst>
+      <a:lnStyleLst>
+        <a:ln w="6350" cap="flat" cmpd="sng" algn="ctr">
+          <a:solidFill>
+            <a:schemeClr val="phClr"/>
+          </a:solidFill>
+          <a:prstDash val="solid"/>
+          <a:miter lim="800000"/>
+        </a:ln>
+        <a:ln w="12700" cap="flat" cmpd="sng" algn="ctr">
+          <a:solidFill>
+            <a:schemeClr val="phClr"/>
+          </a:solidFill>
+          <a:prstDash val="solid"/>
+          <a:miter lim="800000"/>
+        </a:ln>
+        <a:ln w="19050" cap="flat" cmpd="sng" algn="ctr">
+          <a:solidFill>
+            <a:schemeClr val="phClr"/>
+          </a:solidFill>
+          <a:prstDash val="solid"/>
+          <a:miter lim="800000"/>
+        </a:ln>
+      </a:lnStyleLst>
+      <a:effectStyleLst>
+        <a:effectStyle>
+          <a:effectLst/>
+        </a:effectStyle>
+        <a:effectStyle>
+          <a:effectLst/>
+        </a:effectStyle>
+        <a:effectStyle>
+          <a:effectLst>
+            <a:outerShdw blurRad="57150" dist="19050" dir="5400000" algn="ctr" rotWithShape="0">
+              <a:srgbClr val="000000">
+                <a:alpha val="63000"/>
+              </a:srgbClr>
+            </a:outerShdw>
+          </a:effectLst>
+        </a:effectStyle>
+      </a:effectStyleLst>
+      <a:bgFillStyleLst>
+        <a:solidFill>
+          <a:schemeClr val="phClr"/>
+        </a:solidFill>
+        <a:solidFill>
+          <a:schemeClr val="phClr">
+            <a:tint val="95000"/>
+            <a:satMod val="170000"/>
+          </a:schemeClr>
+        </a:solidFill>
+        <a:gradFill rotWithShape="1">
+          <a:gsLst>
+            <a:gs pos="0">
+              <a:schemeClr val="phClr">
+                <a:tint val="93000"/>
+                <a:satMod val="150000"/>
+                <a:shade val="98000"/>
+                <a:lumMod val="102000"/>
+              </a:schemeClr>
+            </a:gs>
+            <a:gs pos="50000">
+              <a:schemeClr val="phClr">
+                <a:tint val="98000"/>
+                <a:satMod val="130000"/>
+                <a:shade val="90000"/>
+                <a:lumMod val="103000"/>
+              </a:schemeClr>
+            </a:gs>
+            <a:gs pos="100000">
+              <a:schemeClr val="phClr">
+                <a:shade val="63000"/>
+                <a:satMod val="120000"/>
+              </a:schemeClr>
+            </a:gs>
+          </a:gsLst>
+          <a:lin ang="5400000" scaled="0"/>
+        </a:gradFill>
+      </a:bgFillStyleLst>
+    </a:fmtScheme>
+  </a:themeElements>
+  <a:objectDefaults/>
+  <a:extraClrSchemeLst/>
+  <a:extLst>
+    <a:ext uri="{05A4C25C-085E-4340-85A3-A5531E510DB2}">
+      <thm15:themeFamily xmlns:thm15="http://schemas.microsoft.com/office/thememl/2012/main" name="Office Theme" id="{62F939B6-93AF-4DB8-9C6B-D6C7DFDC589F}" vid="{4A3C46E8-61CC-4603-A589-7422A47A8E4A}"/>
+    </a:ext>
+  </a:extLst>
+</a:theme>
 </file>